--- a/02_Apresentações_Documentação/Projeto_Inicial.pptx
+++ b/02_Apresentações_Documentação/Projeto_Inicial.pptx
@@ -5,35 +5,36 @@
     <p:sldMasterId id="2147483648" r:id="rId1"/>
   </p:sldMasterIdLst>
   <p:notesMasterIdLst>
-    <p:notesMasterId r:id="rId20"/>
+    <p:notesMasterId r:id="rId21"/>
   </p:notesMasterIdLst>
   <p:handoutMasterIdLst>
-    <p:handoutMasterId r:id="rId21"/>
+    <p:handoutMasterId r:id="rId22"/>
   </p:handoutMasterIdLst>
   <p:sldIdLst>
     <p:sldId id="309" r:id="rId2"/>
-    <p:sldId id="332" r:id="rId3"/>
+    <p:sldId id="338" r:id="rId3"/>
     <p:sldId id="335" r:id="rId4"/>
-    <p:sldId id="336" r:id="rId5"/>
-    <p:sldId id="334" r:id="rId6"/>
-    <p:sldId id="333" r:id="rId7"/>
-    <p:sldId id="319" r:id="rId8"/>
-    <p:sldId id="320" r:id="rId9"/>
-    <p:sldId id="321" r:id="rId10"/>
-    <p:sldId id="322" r:id="rId11"/>
-    <p:sldId id="323" r:id="rId12"/>
-    <p:sldId id="324" r:id="rId13"/>
-    <p:sldId id="325" r:id="rId14"/>
-    <p:sldId id="326" r:id="rId15"/>
-    <p:sldId id="327" r:id="rId16"/>
-    <p:sldId id="328" r:id="rId17"/>
-    <p:sldId id="329" r:id="rId18"/>
-    <p:sldId id="331" r:id="rId19"/>
+    <p:sldId id="337" r:id="rId5"/>
+    <p:sldId id="336" r:id="rId6"/>
+    <p:sldId id="334" r:id="rId7"/>
+    <p:sldId id="333" r:id="rId8"/>
+    <p:sldId id="319" r:id="rId9"/>
+    <p:sldId id="320" r:id="rId10"/>
+    <p:sldId id="321" r:id="rId11"/>
+    <p:sldId id="322" r:id="rId12"/>
+    <p:sldId id="323" r:id="rId13"/>
+    <p:sldId id="324" r:id="rId14"/>
+    <p:sldId id="325" r:id="rId15"/>
+    <p:sldId id="326" r:id="rId16"/>
+    <p:sldId id="327" r:id="rId17"/>
+    <p:sldId id="328" r:id="rId18"/>
+    <p:sldId id="329" r:id="rId19"/>
+    <p:sldId id="331" r:id="rId20"/>
   </p:sldIdLst>
   <p:sldSz cx="9144000" cy="6858000" type="screen4x3"/>
   <p:notesSz cx="6797675" cy="9926638"/>
   <p:custDataLst>
-    <p:tags r:id="rId22"/>
+    <p:tags r:id="rId23"/>
   </p:custDataLst>
   <p:defaultTextStyle>
     <a:defPPr>
@@ -11159,6 +11160,178 @@
       </p:grpSpPr>
       <p:sp>
         <p:nvSpPr>
+          <p:cNvPr id="2" name="Inhaltsplatzhalter 1"/>
+          <p:cNvSpPr>
+            <a:spLocks noGrp="1"/>
+          </p:cNvSpPr>
+          <p:nvPr>
+            <p:ph idx="1"/>
+          </p:nvPr>
+        </p:nvSpPr>
+        <p:spPr/>
+        <p:txBody>
+          <a:bodyPr/>
+          <a:lstStyle/>
+          <a:p>
+            <a:r>
+              <a:rPr lang="en-US" noProof="0" smtClean="0"/>
+              <a:t>for your attention!</a:t>
+            </a:r>
+            <a:endParaRPr lang="en-US" noProof="0"/>
+          </a:p>
+        </p:txBody>
+      </p:sp>
+      <p:sp>
+        <p:nvSpPr>
+          <p:cNvPr id="3" name="Titel 2"/>
+          <p:cNvSpPr>
+            <a:spLocks noGrp="1"/>
+          </p:cNvSpPr>
+          <p:nvPr>
+            <p:ph type="title"/>
+          </p:nvPr>
+        </p:nvSpPr>
+        <p:spPr/>
+        <p:txBody>
+          <a:bodyPr/>
+          <a:lstStyle/>
+          <a:p>
+            <a:r>
+              <a:rPr lang="en-US" noProof="0" smtClean="0"/>
+              <a:t>Thank you</a:t>
+            </a:r>
+            <a:endParaRPr lang="en-US" noProof="0"/>
+          </a:p>
+        </p:txBody>
+      </p:sp>
+      <p:sp>
+        <p:nvSpPr>
+          <p:cNvPr id="4" name="Datumsplatzhalter 3"/>
+          <p:cNvSpPr>
+            <a:spLocks noGrp="1"/>
+          </p:cNvSpPr>
+          <p:nvPr>
+            <p:ph type="dt" sz="half" idx="2"/>
+          </p:nvPr>
+        </p:nvSpPr>
+        <p:spPr>
+          <a:xfrm>
+            <a:off x="6350484" y="6224489"/>
+            <a:ext cx="2001935" cy="150440"/>
+          </a:xfrm>
+        </p:spPr>
+        <p:txBody>
+          <a:bodyPr/>
+          <a:lstStyle/>
+          <a:p>
+            <a:fld id="{2B2B0548-AFAD-4ECF-8F1C-59D119517961}" type="datetime3">
+              <a:rPr lang="en-US" smtClean="0"/>
+              <a:pPr/>
+              <a:t>27 August 2014</a:t>
+            </a:fld>
+            <a:endParaRPr lang="en-US"/>
+          </a:p>
+        </p:txBody>
+      </p:sp>
+      <p:sp>
+        <p:nvSpPr>
+          <p:cNvPr id="5" name="Foliennummernplatzhalter 4"/>
+          <p:cNvSpPr>
+            <a:spLocks noGrp="1"/>
+          </p:cNvSpPr>
+          <p:nvPr>
+            <p:ph type="sldNum" sz="quarter" idx="4"/>
+          </p:nvPr>
+        </p:nvSpPr>
+        <p:spPr>
+          <a:xfrm>
+            <a:off x="8388424" y="6375515"/>
+            <a:ext cx="360289" cy="150440"/>
+          </a:xfrm>
+        </p:spPr>
+        <p:txBody>
+          <a:bodyPr/>
+          <a:lstStyle/>
+          <a:p>
+            <a:fld id="{ADA48181-2C78-49CB-8C52-912A07842C2E}" type="slidenum">
+              <a:rPr lang="en-US" smtClean="0"/>
+              <a:pPr/>
+              <a:t>10</a:t>
+            </a:fld>
+            <a:endParaRPr lang="en-US"/>
+          </a:p>
+        </p:txBody>
+      </p:sp>
+      <p:sp>
+        <p:nvSpPr>
+          <p:cNvPr id="6" name="Fußzeilenplatzhalter 5"/>
+          <p:cNvSpPr>
+            <a:spLocks noGrp="1"/>
+          </p:cNvSpPr>
+          <p:nvPr>
+            <p:ph type="ftr" sz="quarter" idx="3"/>
+          </p:nvPr>
+        </p:nvSpPr>
+        <p:spPr>
+          <a:xfrm>
+            <a:off x="6350485" y="6375515"/>
+            <a:ext cx="2001935" cy="150440"/>
+          </a:xfrm>
+        </p:spPr>
+        <p:txBody>
+          <a:bodyPr/>
+          <a:lstStyle/>
+          <a:p>
+            <a:r>
+              <a:rPr lang="en-US" smtClean="0"/>
+              <a:t>Author, © Continental AG</a:t>
+            </a:r>
+            <a:endParaRPr lang="en-US" dirty="0"/>
+          </a:p>
+        </p:txBody>
+      </p:sp>
+    </p:spTree>
+    <p:extLst>
+      <p:ext uri="{BB962C8B-B14F-4D97-AF65-F5344CB8AC3E}">
+        <p14:creationId xmlns:p14="http://schemas.microsoft.com/office/powerpoint/2010/main" val="3618628484"/>
+      </p:ext>
+    </p:extLst>
+  </p:cSld>
+  <p:clrMapOvr>
+    <a:masterClrMapping/>
+  </p:clrMapOvr>
+  <p:transition>
+    <p:fade/>
+  </p:transition>
+  <p:timing>
+    <p:tnLst>
+      <p:par>
+        <p:cTn id="1" dur="indefinite" restart="never" nodeType="tmRoot"/>
+      </p:par>
+    </p:tnLst>
+  </p:timing>
+</p:sld>
+</file>
+
+<file path=ppt/slides/slide11.xml><?xml version="1.0" encoding="utf-8"?>
+<p:sld xmlns:a="http://schemas.openxmlformats.org/drawingml/2006/main" xmlns:r="http://schemas.openxmlformats.org/officeDocument/2006/relationships" xmlns:p="http://schemas.openxmlformats.org/presentationml/2006/main" show="0">
+  <p:cSld>
+    <p:spTree>
+      <p:nvGrpSpPr>
+        <p:cNvPr id="1" name=""/>
+        <p:cNvGrpSpPr/>
+        <p:nvPr/>
+      </p:nvGrpSpPr>
+      <p:grpSpPr>
+        <a:xfrm>
+          <a:off x="0" y="0"/>
+          <a:ext cx="0" cy="0"/>
+          <a:chOff x="0" y="0"/>
+          <a:chExt cx="0" cy="0"/>
+        </a:xfrm>
+      </p:grpSpPr>
+      <p:sp>
+        <p:nvSpPr>
           <p:cNvPr id="13" name="Titel 12"/>
           <p:cNvSpPr>
             <a:spLocks noGrp="1"/>
@@ -11247,7 +11420,7 @@
             <a:fld id="{ADA48181-2C78-49CB-8C52-912A07842C2E}" type="slidenum">
               <a:rPr lang="en-US" smtClean="0"/>
               <a:pPr/>
-              <a:t>10</a:t>
+              <a:t>11</a:t>
             </a:fld>
             <a:endParaRPr lang="en-US"/>
           </a:p>
@@ -11759,7 +11932,7 @@
 </p:sld>
 </file>
 
-<file path=ppt/slides/slide11.xml><?xml version="1.0" encoding="utf-8"?>
+<file path=ppt/slides/slide12.xml><?xml version="1.0" encoding="utf-8"?>
 <p:sld xmlns:a="http://schemas.openxmlformats.org/drawingml/2006/main" xmlns:r="http://schemas.openxmlformats.org/officeDocument/2006/relationships" xmlns:p="http://schemas.openxmlformats.org/presentationml/2006/main" show="0">
   <p:cSld>
     <p:spTree>
@@ -11862,7 +12035,7 @@
             <a:fld id="{ADA48181-2C78-49CB-8C52-912A07842C2E}" type="slidenum">
               <a:rPr lang="en-US" smtClean="0"/>
               <a:pPr/>
-              <a:t>11</a:t>
+              <a:t>12</a:t>
             </a:fld>
             <a:endParaRPr lang="en-US"/>
           </a:p>
@@ -12486,7 +12659,7 @@
 </p:sld>
 </file>
 
-<file path=ppt/slides/slide12.xml><?xml version="1.0" encoding="utf-8"?>
+<file path=ppt/slides/slide13.xml><?xml version="1.0" encoding="utf-8"?>
 <p:sld xmlns:a="http://schemas.openxmlformats.org/drawingml/2006/main" xmlns:r="http://schemas.openxmlformats.org/officeDocument/2006/relationships" xmlns:p="http://schemas.openxmlformats.org/presentationml/2006/main" show="0">
   <p:cSld>
     <p:spTree>
@@ -12589,7 +12762,7 @@
             <a:fld id="{ADA48181-2C78-49CB-8C52-912A07842C2E}" type="slidenum">
               <a:rPr lang="en-US" smtClean="0"/>
               <a:pPr/>
-              <a:t>12</a:t>
+              <a:t>13</a:t>
             </a:fld>
             <a:endParaRPr lang="en-US"/>
           </a:p>
@@ -13082,227 +13255,6 @@
 </p:sld>
 </file>
 
-<file path=ppt/slides/slide13.xml><?xml version="1.0" encoding="utf-8"?>
-<p:sld xmlns:a="http://schemas.openxmlformats.org/drawingml/2006/main" xmlns:r="http://schemas.openxmlformats.org/officeDocument/2006/relationships" xmlns:p="http://schemas.openxmlformats.org/presentationml/2006/main" show="0">
-  <p:cSld>
-    <p:spTree>
-      <p:nvGrpSpPr>
-        <p:cNvPr id="1" name=""/>
-        <p:cNvGrpSpPr/>
-        <p:nvPr/>
-      </p:nvGrpSpPr>
-      <p:grpSpPr>
-        <a:xfrm>
-          <a:off x="0" y="0"/>
-          <a:ext cx="0" cy="0"/>
-          <a:chOff x="0" y="0"/>
-          <a:chExt cx="0" cy="0"/>
-        </a:xfrm>
-      </p:grpSpPr>
-      <p:sp>
-        <p:nvSpPr>
-          <p:cNvPr id="2" name="Inhaltsplatzhalter 1"/>
-          <p:cNvSpPr>
-            <a:spLocks noGrp="1"/>
-          </p:cNvSpPr>
-          <p:nvPr>
-            <p:ph idx="1"/>
-          </p:nvPr>
-        </p:nvSpPr>
-        <p:spPr/>
-        <p:txBody>
-          <a:bodyPr/>
-          <a:lstStyle/>
-          <a:p>
-            <a:r>
-              <a:rPr lang="en-US" noProof="0" smtClean="0"/>
-              <a:t>Hendusam nietum volupta ssimus doloreritio. Et occullparum qui</a:t>
-            </a:r>
-            <a:br>
-              <a:rPr lang="en-US" noProof="0" smtClean="0"/>
-            </a:br>
-            <a:r>
-              <a:rPr lang="en-US" noProof="0" smtClean="0"/>
-              <a:t>andelignim descil ipiduciis ex endiam dent fugiatur, non sequit</a:t>
-            </a:r>
-            <a:br>
-              <a:rPr lang="en-US" noProof="0" smtClean="0"/>
-            </a:br>
-            <a:r>
-              <a:rPr lang="en-US" noProof="0" smtClean="0"/>
-              <a:t>reium facepudit adi ut quibuscitia quatumquos earunte vellab ipsam</a:t>
-            </a:r>
-            <a:br>
-              <a:rPr lang="en-US" noProof="0" smtClean="0"/>
-            </a:br>
-            <a:r>
-              <a:rPr lang="en-US" noProof="0" smtClean="0"/>
-              <a:t>arupis aruptationse laborpos sunt volorrum ex erum quas</a:t>
-            </a:r>
-            <a:br>
-              <a:rPr lang="en-US" noProof="0" smtClean="0"/>
-            </a:br>
-            <a:r>
-              <a:rPr lang="en-US" noProof="0" smtClean="0"/>
-              <a:t>quidis exeribe rumen adipsus re, te quam lamens ulpa pliquidars</a:t>
-            </a:r>
-            <a:br>
-              <a:rPr lang="en-US" noProof="0" smtClean="0"/>
-            </a:br>
-            <a:r>
-              <a:rPr lang="en-US" noProof="0" smtClean="0"/>
-              <a:t>untium eos rest res voluptas molut maiorer itat em qui necepta</a:t>
-            </a:r>
-            <a:br>
-              <a:rPr lang="en-US" noProof="0" smtClean="0"/>
-            </a:br>
-            <a:r>
-              <a:rPr lang="en-US" noProof="0" smtClean="0"/>
-              <a:t>tquas magnihi ciandig enduntibea doleste vol lore.</a:t>
-            </a:r>
-            <a:endParaRPr lang="en-US" noProof="0"/>
-          </a:p>
-        </p:txBody>
-      </p:sp>
-      <p:sp>
-        <p:nvSpPr>
-          <p:cNvPr id="3" name="Titel 2"/>
-          <p:cNvSpPr>
-            <a:spLocks noGrp="1"/>
-          </p:cNvSpPr>
-          <p:nvPr>
-            <p:ph type="title"/>
-          </p:nvPr>
-        </p:nvSpPr>
-        <p:spPr/>
-        <p:txBody>
-          <a:bodyPr/>
-          <a:lstStyle/>
-          <a:p>
-            <a:r>
-              <a:rPr lang="en-US" noProof="0" smtClean="0"/>
-              <a:t>Chapter markers </a:t>
-            </a:r>
-            <a:br>
-              <a:rPr lang="en-US" noProof="0" smtClean="0"/>
-            </a:br>
-            <a:r>
-              <a:rPr lang="en-US" b="0" noProof="0" smtClean="0"/>
-              <a:t>Optional subheadline</a:t>
-            </a:r>
-            <a:endParaRPr lang="en-US" b="0" noProof="0"/>
-          </a:p>
-        </p:txBody>
-      </p:sp>
-      <p:sp>
-        <p:nvSpPr>
-          <p:cNvPr id="4" name="Datumsplatzhalter 3"/>
-          <p:cNvSpPr>
-            <a:spLocks noGrp="1"/>
-          </p:cNvSpPr>
-          <p:nvPr>
-            <p:ph type="dt" sz="half" idx="2"/>
-          </p:nvPr>
-        </p:nvSpPr>
-        <p:spPr>
-          <a:xfrm>
-            <a:off x="6350484" y="6224489"/>
-            <a:ext cx="2001935" cy="150440"/>
-          </a:xfrm>
-        </p:spPr>
-        <p:txBody>
-          <a:bodyPr/>
-          <a:lstStyle/>
-          <a:p>
-            <a:fld id="{6F9A7525-F98F-4791-8304-F61ECDD9E2E5}" type="datetime3">
-              <a:rPr lang="en-US" noProof="0" smtClean="0"/>
-              <a:pPr/>
-              <a:t>27 August 2014</a:t>
-            </a:fld>
-            <a:endParaRPr lang="en-US" noProof="0"/>
-          </a:p>
-        </p:txBody>
-      </p:sp>
-      <p:sp>
-        <p:nvSpPr>
-          <p:cNvPr id="5" name="Foliennummernplatzhalter 4"/>
-          <p:cNvSpPr>
-            <a:spLocks noGrp="1"/>
-          </p:cNvSpPr>
-          <p:nvPr>
-            <p:ph type="sldNum" sz="quarter" idx="4"/>
-          </p:nvPr>
-        </p:nvSpPr>
-        <p:spPr>
-          <a:xfrm>
-            <a:off x="8388424" y="6375515"/>
-            <a:ext cx="360289" cy="150440"/>
-          </a:xfrm>
-        </p:spPr>
-        <p:txBody>
-          <a:bodyPr/>
-          <a:lstStyle/>
-          <a:p>
-            <a:fld id="{ADA48181-2C78-49CB-8C52-912A07842C2E}" type="slidenum">
-              <a:rPr lang="en-US" noProof="0" smtClean="0"/>
-              <a:pPr/>
-              <a:t>13</a:t>
-            </a:fld>
-            <a:endParaRPr lang="en-US" noProof="0"/>
-          </a:p>
-        </p:txBody>
-      </p:sp>
-      <p:sp>
-        <p:nvSpPr>
-          <p:cNvPr id="6" name="Fußzeilenplatzhalter 5"/>
-          <p:cNvSpPr>
-            <a:spLocks noGrp="1"/>
-          </p:cNvSpPr>
-          <p:nvPr>
-            <p:ph type="ftr" sz="quarter" idx="3"/>
-          </p:nvPr>
-        </p:nvSpPr>
-        <p:spPr>
-          <a:xfrm>
-            <a:off x="6350485" y="6375515"/>
-            <a:ext cx="2001935" cy="150440"/>
-          </a:xfrm>
-        </p:spPr>
-        <p:txBody>
-          <a:bodyPr/>
-          <a:lstStyle/>
-          <a:p>
-            <a:r>
-              <a:rPr lang="en-US" noProof="0" smtClean="0"/>
-              <a:t>Author, © Continental AG</a:t>
-            </a:r>
-            <a:endParaRPr lang="en-US" noProof="0" dirty="0"/>
-          </a:p>
-        </p:txBody>
-      </p:sp>
-    </p:spTree>
-    <p:extLst>
-      <p:ext uri="{BB962C8B-B14F-4D97-AF65-F5344CB8AC3E}">
-        <p14:creationId xmlns:p14="http://schemas.microsoft.com/office/powerpoint/2010/main" val="2455141050"/>
-      </p:ext>
-    </p:extLst>
-  </p:cSld>
-  <p:clrMapOvr>
-    <a:masterClrMapping/>
-  </p:clrMapOvr>
-  <p:transition>
-    <p:fade/>
-  </p:transition>
-  <p:timing>
-    <p:tnLst>
-      <p:par>
-        <p:cTn id="1" dur="indefinite" restart="never" nodeType="tmRoot"/>
-      </p:par>
-    </p:tnLst>
-  </p:timing>
-</p:sld>
-</file>
-
 <file path=ppt/slides/slide14.xml><?xml version="1.0" encoding="utf-8"?>
 <p:sld xmlns:a="http://schemas.openxmlformats.org/drawingml/2006/main" xmlns:r="http://schemas.openxmlformats.org/officeDocument/2006/relationships" xmlns:p="http://schemas.openxmlformats.org/presentationml/2006/main" show="0">
   <p:cSld>
@@ -13408,14 +13360,10 @@
               <a:rPr lang="en-US" noProof="0" smtClean="0"/>
             </a:br>
             <a:r>
-              <a:rPr lang="en-US" b="0" noProof="0" smtClean="0">
-                <a:solidFill>
-                  <a:schemeClr val="tx1"/>
-                </a:solidFill>
-              </a:rPr>
+              <a:rPr lang="en-US" b="0" noProof="0" smtClean="0"/>
               <a:t>Optional subheadline</a:t>
             </a:r>
-            <a:endParaRPr lang="en-US" noProof="0"/>
+            <a:endParaRPr lang="en-US" b="0" noProof="0"/>
           </a:p>
         </p:txBody>
       </p:sp>
@@ -13439,7 +13387,7 @@
           <a:bodyPr/>
           <a:lstStyle/>
           <a:p>
-            <a:fld id="{7F9C1E94-159A-4641-9F0D-50D37F25F1C9}" type="datetime3">
+            <a:fld id="{6F9A7525-F98F-4791-8304-F61ECDD9E2E5}" type="datetime3">
               <a:rPr lang="en-US" noProof="0" smtClean="0"/>
               <a:pPr/>
               <a:t>27 August 2014</a:t>
@@ -13508,7 +13456,7 @@
     </p:spTree>
     <p:extLst>
       <p:ext uri="{BB962C8B-B14F-4D97-AF65-F5344CB8AC3E}">
-        <p14:creationId xmlns:p14="http://schemas.microsoft.com/office/powerpoint/2010/main" val="2436497553"/>
+        <p14:creationId xmlns:p14="http://schemas.microsoft.com/office/powerpoint/2010/main" val="2455141050"/>
       </p:ext>
     </p:extLst>
   </p:cSld>
@@ -13635,16 +13583,12 @@
             <a:r>
               <a:rPr lang="en-US" b="0" noProof="0" smtClean="0">
                 <a:solidFill>
-                  <a:schemeClr val="bg1"/>
+                  <a:schemeClr val="tx1"/>
                 </a:solidFill>
               </a:rPr>
               <a:t>Optional subheadline</a:t>
             </a:r>
-            <a:endParaRPr lang="en-US" b="0" noProof="0">
-              <a:solidFill>
-                <a:schemeClr val="bg1"/>
-              </a:solidFill>
-            </a:endParaRPr>
+            <a:endParaRPr lang="en-US" noProof="0"/>
           </a:p>
         </p:txBody>
       </p:sp>
@@ -13668,7 +13612,7 @@
           <a:bodyPr/>
           <a:lstStyle/>
           <a:p>
-            <a:fld id="{0A589DDA-7BD9-4A72-AD2D-371161E9BBC9}" type="datetime3">
+            <a:fld id="{7F9C1E94-159A-4641-9F0D-50D37F25F1C9}" type="datetime3">
               <a:rPr lang="en-US" noProof="0" smtClean="0"/>
               <a:pPr/>
               <a:t>27 August 2014</a:t>
@@ -13737,7 +13681,7 @@
     </p:spTree>
     <p:extLst>
       <p:ext uri="{BB962C8B-B14F-4D97-AF65-F5344CB8AC3E}">
-        <p14:creationId xmlns:p14="http://schemas.microsoft.com/office/powerpoint/2010/main" val="1968837513"/>
+        <p14:creationId xmlns:p14="http://schemas.microsoft.com/office/powerpoint/2010/main" val="2436497553"/>
       </p:ext>
     </p:extLst>
   </p:cSld>
@@ -13791,85 +13735,87 @@
           <a:p>
             <a:r>
               <a:rPr lang="en-US" noProof="0" smtClean="0"/>
-              <a:t>Axima dollabo Itaessunt, invendi picidundio Suscima quodi ressed quat oditibus sit odi aliquam eum es nis eribus Rem adia sunt lam ra nus quas nihilicid molori con comnitatet </a:t>
+              <a:t>Hendusam nietum volupta ssimus doloreritio. Et occullparum qui</a:t>
             </a:r>
             <a:br>
               <a:rPr lang="en-US" noProof="0" smtClean="0"/>
             </a:br>
             <a:r>
               <a:rPr lang="en-US" noProof="0" smtClean="0"/>
-              <a:t>et adissim poresed quiatios venecatassit plit occabor ecearum eos expliti.</a:t>
-            </a:r>
-          </a:p>
-          <a:p>
-            <a:pPr lvl="1"/>
-            <a:r>
-              <a:rPr lang="en-US" noProof="0" smtClean="0"/>
-              <a:t>Int pore peratemque quos dolore que sae nihillant autecum fugit</a:t>
-            </a:r>
-          </a:p>
-          <a:p>
-            <a:pPr lvl="1"/>
-            <a:r>
-              <a:rPr lang="en-US" noProof="0" smtClean="0"/>
-              <a:t>Am quatquiam lam conse est, corehentus maximi, ipsum eos ditas re, </a:t>
+              <a:t>andelignim descil ipiduciis ex endiam dent fugiatur, non sequit</a:t>
             </a:r>
             <a:br>
               <a:rPr lang="en-US" noProof="0" smtClean="0"/>
             </a:br>
             <a:r>
               <a:rPr lang="en-US" noProof="0" smtClean="0"/>
-              <a:t>cusapic aboria volecatibus doluptamusam duci sercius res sapelestio. </a:t>
-            </a:r>
-          </a:p>
-          <a:p>
-            <a:r>
-              <a:rPr lang="en-US" noProof="0" smtClean="0"/>
-              <a:t>Magnistium quibus, sit quias solum quaecabo. Qui opta ea cullaborepta corem vel magnisto et voluptibus.</a:t>
-            </a:r>
-          </a:p>
-          <a:p>
-            <a:r>
-              <a:rPr lang="en-US" noProof="0" smtClean="0"/>
-              <a:t>Dus consedi sitiatemped ma comni abor aut aut maximpo reprepe nos que cupta qui volorpo rposae magnam voluptate cuscient libus</a:t>
-            </a:r>
-            <a:endParaRPr lang="en-US" noProof="0"/>
-          </a:p>
-        </p:txBody>
-      </p:sp>
-      <p:sp>
-        <p:nvSpPr>
-          <p:cNvPr id="3" name="Titel 2"/>
-          <p:cNvSpPr>
-            <a:spLocks noGrp="1"/>
-          </p:cNvSpPr>
-          <p:nvPr>
-            <p:ph type="title"/>
-          </p:nvPr>
-        </p:nvSpPr>
-        <p:spPr/>
-        <p:txBody>
-          <a:bodyPr/>
-          <a:lstStyle/>
-          <a:p>
-            <a:r>
-              <a:rPr lang="en-US" noProof="0" smtClean="0"/>
-              <a:t>Inner page headline </a:t>
+              <a:t>reium facepudit adi ut quibuscitia quatumquos earunte vellab ipsam</a:t>
             </a:r>
             <a:br>
               <a:rPr lang="en-US" noProof="0" smtClean="0"/>
             </a:br>
             <a:r>
+              <a:rPr lang="en-US" noProof="0" smtClean="0"/>
+              <a:t>arupis aruptationse laborpos sunt volorrum ex erum quas</a:t>
+            </a:r>
+            <a:br>
+              <a:rPr lang="en-US" noProof="0" smtClean="0"/>
+            </a:br>
+            <a:r>
+              <a:rPr lang="en-US" noProof="0" smtClean="0"/>
+              <a:t>quidis exeribe rumen adipsus re, te quam lamens ulpa pliquidars</a:t>
+            </a:r>
+            <a:br>
+              <a:rPr lang="en-US" noProof="0" smtClean="0"/>
+            </a:br>
+            <a:r>
+              <a:rPr lang="en-US" noProof="0" smtClean="0"/>
+              <a:t>untium eos rest res voluptas molut maiorer itat em qui necepta</a:t>
+            </a:r>
+            <a:br>
+              <a:rPr lang="en-US" noProof="0" smtClean="0"/>
+            </a:br>
+            <a:r>
+              <a:rPr lang="en-US" noProof="0" smtClean="0"/>
+              <a:t>tquas magnihi ciandig enduntibea doleste vol lore.</a:t>
+            </a:r>
+            <a:endParaRPr lang="en-US" noProof="0"/>
+          </a:p>
+        </p:txBody>
+      </p:sp>
+      <p:sp>
+        <p:nvSpPr>
+          <p:cNvPr id="3" name="Titel 2"/>
+          <p:cNvSpPr>
+            <a:spLocks noGrp="1"/>
+          </p:cNvSpPr>
+          <p:nvPr>
+            <p:ph type="title"/>
+          </p:nvPr>
+        </p:nvSpPr>
+        <p:spPr/>
+        <p:txBody>
+          <a:bodyPr/>
+          <a:lstStyle/>
+          <a:p>
+            <a:r>
+              <a:rPr lang="en-US" noProof="0" smtClean="0"/>
+              <a:t>Chapter markers </a:t>
+            </a:r>
+            <a:br>
+              <a:rPr lang="en-US" noProof="0" smtClean="0"/>
+            </a:br>
+            <a:r>
               <a:rPr lang="en-US" b="0" noProof="0" smtClean="0">
                 <a:solidFill>
-                  <a:schemeClr val="tx1"/>
+                  <a:schemeClr val="bg1"/>
                 </a:solidFill>
               </a:rPr>
               <a:t>Optional subheadline</a:t>
             </a:r>
             <a:endParaRPr lang="en-US" b="0" noProof="0">
               <a:solidFill>
-                <a:schemeClr val="tx1"/>
+                <a:schemeClr val="bg1"/>
               </a:solidFill>
             </a:endParaRPr>
           </a:p>
@@ -13895,7 +13841,7 @@
           <a:bodyPr/>
           <a:lstStyle/>
           <a:p>
-            <a:fld id="{0ED8CB57-B10A-45FD-A2C8-673592ABBDFB}" type="datetime3">
+            <a:fld id="{0A589DDA-7BD9-4A72-AD2D-371161E9BBC9}" type="datetime3">
               <a:rPr lang="en-US" noProof="0" smtClean="0"/>
               <a:pPr/>
               <a:t>27 August 2014</a:t>
@@ -13964,7 +13910,7 @@
     </p:spTree>
     <p:extLst>
       <p:ext uri="{BB962C8B-B14F-4D97-AF65-F5344CB8AC3E}">
-        <p14:creationId xmlns:p14="http://schemas.microsoft.com/office/powerpoint/2010/main" val="199986211"/>
+        <p14:creationId xmlns:p14="http://schemas.microsoft.com/office/powerpoint/2010/main" val="1968837513"/>
       </p:ext>
     </p:extLst>
   </p:cSld>
@@ -14008,6 +13954,233 @@
             <a:spLocks noGrp="1"/>
           </p:cNvSpPr>
           <p:nvPr>
+            <p:ph idx="1"/>
+          </p:nvPr>
+        </p:nvSpPr>
+        <p:spPr/>
+        <p:txBody>
+          <a:bodyPr/>
+          <a:lstStyle/>
+          <a:p>
+            <a:r>
+              <a:rPr lang="en-US" noProof="0" smtClean="0"/>
+              <a:t>Axima dollabo Itaessunt, invendi picidundio Suscima quodi ressed quat oditibus sit odi aliquam eum es nis eribus Rem adia sunt lam ra nus quas nihilicid molori con comnitatet </a:t>
+            </a:r>
+            <a:br>
+              <a:rPr lang="en-US" noProof="0" smtClean="0"/>
+            </a:br>
+            <a:r>
+              <a:rPr lang="en-US" noProof="0" smtClean="0"/>
+              <a:t>et adissim poresed quiatios venecatassit plit occabor ecearum eos expliti.</a:t>
+            </a:r>
+          </a:p>
+          <a:p>
+            <a:pPr lvl="1"/>
+            <a:r>
+              <a:rPr lang="en-US" noProof="0" smtClean="0"/>
+              <a:t>Int pore peratemque quos dolore que sae nihillant autecum fugit</a:t>
+            </a:r>
+          </a:p>
+          <a:p>
+            <a:pPr lvl="1"/>
+            <a:r>
+              <a:rPr lang="en-US" noProof="0" smtClean="0"/>
+              <a:t>Am quatquiam lam conse est, corehentus maximi, ipsum eos ditas re, </a:t>
+            </a:r>
+            <a:br>
+              <a:rPr lang="en-US" noProof="0" smtClean="0"/>
+            </a:br>
+            <a:r>
+              <a:rPr lang="en-US" noProof="0" smtClean="0"/>
+              <a:t>cusapic aboria volecatibus doluptamusam duci sercius res sapelestio. </a:t>
+            </a:r>
+          </a:p>
+          <a:p>
+            <a:r>
+              <a:rPr lang="en-US" noProof="0" smtClean="0"/>
+              <a:t>Magnistium quibus, sit quias solum quaecabo. Qui opta ea cullaborepta corem vel magnisto et voluptibus.</a:t>
+            </a:r>
+          </a:p>
+          <a:p>
+            <a:r>
+              <a:rPr lang="en-US" noProof="0" smtClean="0"/>
+              <a:t>Dus consedi sitiatemped ma comni abor aut aut maximpo reprepe nos que cupta qui volorpo rposae magnam voluptate cuscient libus</a:t>
+            </a:r>
+            <a:endParaRPr lang="en-US" noProof="0"/>
+          </a:p>
+        </p:txBody>
+      </p:sp>
+      <p:sp>
+        <p:nvSpPr>
+          <p:cNvPr id="3" name="Titel 2"/>
+          <p:cNvSpPr>
+            <a:spLocks noGrp="1"/>
+          </p:cNvSpPr>
+          <p:nvPr>
+            <p:ph type="title"/>
+          </p:nvPr>
+        </p:nvSpPr>
+        <p:spPr/>
+        <p:txBody>
+          <a:bodyPr/>
+          <a:lstStyle/>
+          <a:p>
+            <a:r>
+              <a:rPr lang="en-US" noProof="0" smtClean="0"/>
+              <a:t>Inner page headline </a:t>
+            </a:r>
+            <a:br>
+              <a:rPr lang="en-US" noProof="0" smtClean="0"/>
+            </a:br>
+            <a:r>
+              <a:rPr lang="en-US" b="0" noProof="0" smtClean="0">
+                <a:solidFill>
+                  <a:schemeClr val="tx1"/>
+                </a:solidFill>
+              </a:rPr>
+              <a:t>Optional subheadline</a:t>
+            </a:r>
+            <a:endParaRPr lang="en-US" b="0" noProof="0">
+              <a:solidFill>
+                <a:schemeClr val="tx1"/>
+              </a:solidFill>
+            </a:endParaRPr>
+          </a:p>
+        </p:txBody>
+      </p:sp>
+      <p:sp>
+        <p:nvSpPr>
+          <p:cNvPr id="4" name="Datumsplatzhalter 3"/>
+          <p:cNvSpPr>
+            <a:spLocks noGrp="1"/>
+          </p:cNvSpPr>
+          <p:nvPr>
+            <p:ph type="dt" sz="half" idx="2"/>
+          </p:nvPr>
+        </p:nvSpPr>
+        <p:spPr>
+          <a:xfrm>
+            <a:off x="6350484" y="6224489"/>
+            <a:ext cx="2001935" cy="150440"/>
+          </a:xfrm>
+        </p:spPr>
+        <p:txBody>
+          <a:bodyPr/>
+          <a:lstStyle/>
+          <a:p>
+            <a:fld id="{0ED8CB57-B10A-45FD-A2C8-673592ABBDFB}" type="datetime3">
+              <a:rPr lang="en-US" noProof="0" smtClean="0"/>
+              <a:pPr/>
+              <a:t>27 August 2014</a:t>
+            </a:fld>
+            <a:endParaRPr lang="en-US" noProof="0"/>
+          </a:p>
+        </p:txBody>
+      </p:sp>
+      <p:sp>
+        <p:nvSpPr>
+          <p:cNvPr id="5" name="Foliennummernplatzhalter 4"/>
+          <p:cNvSpPr>
+            <a:spLocks noGrp="1"/>
+          </p:cNvSpPr>
+          <p:nvPr>
+            <p:ph type="sldNum" sz="quarter" idx="4"/>
+          </p:nvPr>
+        </p:nvSpPr>
+        <p:spPr>
+          <a:xfrm>
+            <a:off x="8388424" y="6375515"/>
+            <a:ext cx="360289" cy="150440"/>
+          </a:xfrm>
+        </p:spPr>
+        <p:txBody>
+          <a:bodyPr/>
+          <a:lstStyle/>
+          <a:p>
+            <a:fld id="{ADA48181-2C78-49CB-8C52-912A07842C2E}" type="slidenum">
+              <a:rPr lang="en-US" noProof="0" smtClean="0"/>
+              <a:pPr/>
+              <a:t>17</a:t>
+            </a:fld>
+            <a:endParaRPr lang="en-US" noProof="0"/>
+          </a:p>
+        </p:txBody>
+      </p:sp>
+      <p:sp>
+        <p:nvSpPr>
+          <p:cNvPr id="6" name="Fußzeilenplatzhalter 5"/>
+          <p:cNvSpPr>
+            <a:spLocks noGrp="1"/>
+          </p:cNvSpPr>
+          <p:nvPr>
+            <p:ph type="ftr" sz="quarter" idx="3"/>
+          </p:nvPr>
+        </p:nvSpPr>
+        <p:spPr>
+          <a:xfrm>
+            <a:off x="6350485" y="6375515"/>
+            <a:ext cx="2001935" cy="150440"/>
+          </a:xfrm>
+        </p:spPr>
+        <p:txBody>
+          <a:bodyPr/>
+          <a:lstStyle/>
+          <a:p>
+            <a:r>
+              <a:rPr lang="en-US" noProof="0" smtClean="0"/>
+              <a:t>Author, © Continental AG</a:t>
+            </a:r>
+            <a:endParaRPr lang="en-US" noProof="0" dirty="0"/>
+          </a:p>
+        </p:txBody>
+      </p:sp>
+    </p:spTree>
+    <p:extLst>
+      <p:ext uri="{BB962C8B-B14F-4D97-AF65-F5344CB8AC3E}">
+        <p14:creationId xmlns:p14="http://schemas.microsoft.com/office/powerpoint/2010/main" val="199986211"/>
+      </p:ext>
+    </p:extLst>
+  </p:cSld>
+  <p:clrMapOvr>
+    <a:masterClrMapping/>
+  </p:clrMapOvr>
+  <p:transition>
+    <p:fade/>
+  </p:transition>
+  <p:timing>
+    <p:tnLst>
+      <p:par>
+        <p:cTn id="1" dur="indefinite" restart="never" nodeType="tmRoot"/>
+      </p:par>
+    </p:tnLst>
+  </p:timing>
+</p:sld>
+</file>
+
+<file path=ppt/slides/slide18.xml><?xml version="1.0" encoding="utf-8"?>
+<p:sld xmlns:a="http://schemas.openxmlformats.org/drawingml/2006/main" xmlns:r="http://schemas.openxmlformats.org/officeDocument/2006/relationships" xmlns:p="http://schemas.openxmlformats.org/presentationml/2006/main" show="0">
+  <p:cSld>
+    <p:spTree>
+      <p:nvGrpSpPr>
+        <p:cNvPr id="1" name=""/>
+        <p:cNvGrpSpPr/>
+        <p:nvPr/>
+      </p:nvGrpSpPr>
+      <p:grpSpPr>
+        <a:xfrm>
+          <a:off x="0" y="0"/>
+          <a:ext cx="0" cy="0"/>
+          <a:chOff x="0" y="0"/>
+          <a:chExt cx="0" cy="0"/>
+        </a:xfrm>
+      </p:grpSpPr>
+      <p:sp>
+        <p:nvSpPr>
+          <p:cNvPr id="2" name="Inhaltsplatzhalter 1"/>
+          <p:cNvSpPr>
+            <a:spLocks noGrp="1"/>
+          </p:cNvSpPr>
+          <p:nvPr>
             <p:ph sz="half" idx="1"/>
           </p:nvPr>
         </p:nvSpPr>
@@ -14235,7 +14408,7 @@
             <a:fld id="{ADA48181-2C78-49CB-8C52-912A07842C2E}" type="slidenum">
               <a:rPr lang="en-US" noProof="0" smtClean="0"/>
               <a:pPr/>
-              <a:t>17</a:t>
+              <a:t>18</a:t>
             </a:fld>
             <a:endParaRPr lang="en-US" noProof="0"/>
           </a:p>
@@ -14292,7 +14465,7 @@
 </p:sld>
 </file>
 
-<file path=ppt/slides/slide18.xml><?xml version="1.0" encoding="utf-8"?>
+<file path=ppt/slides/slide19.xml><?xml version="1.0" encoding="utf-8"?>
 <p:sld xmlns:a="http://schemas.openxmlformats.org/drawingml/2006/main" xmlns:r="http://schemas.openxmlformats.org/officeDocument/2006/relationships" xmlns:p="http://schemas.openxmlformats.org/presentationml/2006/main" show="0">
   <p:cSld>
     <p:spTree>
@@ -14443,7 +14616,7 @@
       </p:grpSpPr>
       <p:sp>
         <p:nvSpPr>
-          <p:cNvPr id="13" name="Titel 12"/>
+          <p:cNvPr id="15" name="Titel 14"/>
           <p:cNvSpPr>
             <a:spLocks noGrp="1"/>
           </p:cNvSpPr>
@@ -14467,11 +14640,7 @@
             <a:br>
               <a:rPr lang="en-US" dirty="0" smtClean="0"/>
             </a:br>
-            <a:endParaRPr lang="en-US" b="0" dirty="0">
-              <a:solidFill>
-                <a:schemeClr val="tx1"/>
-              </a:solidFill>
-            </a:endParaRPr>
+            <a:endParaRPr lang="en-US" dirty="0"/>
           </a:p>
         </p:txBody>
       </p:sp>
@@ -14495,7 +14664,7 @@
           <a:bodyPr/>
           <a:lstStyle/>
           <a:p>
-            <a:fld id="{091A6FF4-B217-4F24-BE19-92AADE2417CA}" type="datetime3">
+            <a:fld id="{DEEB114E-D360-40B9-8089-62278DF3F109}" type="datetime3">
               <a:rPr lang="en-US" smtClean="0"/>
               <a:pPr/>
               <a:t>27 August 2014</a:t>
@@ -14561,456 +14730,734 @@
           </a:p>
         </p:txBody>
       </p:sp>
-      <p:grpSp>
-        <p:nvGrpSpPr>
-          <p:cNvPr id="12" name="Gruppieren 11"/>
-          <p:cNvGrpSpPr/>
+      <p:sp>
+        <p:nvSpPr>
+          <p:cNvPr id="6" name="Rectangle 15">
+            <a:hlinkClick r:id="rId14" action="ppaction://hlinksldjump"/>
+          </p:cNvPr>
+          <p:cNvSpPr>
+            <a:spLocks noChangeArrowheads="1"/>
+          </p:cNvSpPr>
           <p:nvPr>
             <p:custDataLst>
               <p:tags r:id="rId1"/>
             </p:custDataLst>
           </p:nvPr>
-        </p:nvGrpSpPr>
-        <p:grpSpPr>
-          <a:xfrm>
-            <a:off x="395538" y="1340721"/>
-            <a:ext cx="8353175" cy="1080167"/>
-            <a:chOff x="323528" y="1052736"/>
-            <a:chExt cx="8353175" cy="1080167"/>
-          </a:xfrm>
-        </p:grpSpPr>
-        <p:sp>
-          <p:nvSpPr>
-            <p:cNvPr id="6" name="Rectangle 15"/>
-            <p:cNvSpPr>
-              <a:spLocks noChangeArrowheads="1"/>
-            </p:cNvSpPr>
-            <p:nvPr>
-              <p:custDataLst>
-                <p:tags r:id="rId2"/>
-              </p:custDataLst>
-            </p:nvPr>
-          </p:nvSpPr>
-          <p:spPr bwMode="auto">
-            <a:xfrm>
-              <a:off x="611528" y="1052736"/>
-              <a:ext cx="8065175" cy="288000"/>
-            </a:xfrm>
-            <a:prstGeom prst="rect">
-              <a:avLst/>
-            </a:prstGeom>
-            <a:solidFill>
-              <a:schemeClr val="accent5"/>
-            </a:solidFill>
-            <a:ln w="9525" algn="ctr">
-              <a:noFill/>
-              <a:miter lim="800000"/>
-              <a:headEnd/>
-              <a:tailEnd/>
-            </a:ln>
-          </p:spPr>
-          <p:txBody>
-            <a:bodyPr wrap="none" lIns="108000" tIns="35120" rIns="70239" bIns="35120" anchor="ctr"/>
-            <a:lstStyle/>
-            <a:p>
-              <a:pPr marL="238125" indent="-238125">
-                <a:tabLst>
-                  <a:tab pos="3943350" algn="l"/>
-                  <a:tab pos="5924550" algn="l"/>
-                  <a:tab pos="7715250" algn="r"/>
-                </a:tabLst>
-              </a:pPr>
-              <a:r>
-                <a:rPr lang="en-US" b="1" dirty="0" err="1" smtClean="0">
-                  <a:solidFill>
-                    <a:schemeClr val="tx2"/>
-                  </a:solidFill>
-                  <a:latin typeface="Arial"/>
-                </a:rPr>
-                <a:t>Escopo</a:t>
-              </a:r>
-              <a:r>
-                <a:rPr lang="en-US" b="1" dirty="0" smtClean="0">
-                  <a:solidFill>
-                    <a:schemeClr val="tx2"/>
-                  </a:solidFill>
-                  <a:latin typeface="Arial"/>
-                </a:rPr>
-                <a:t>	</a:t>
-              </a:r>
-            </a:p>
-          </p:txBody>
-        </p:sp>
-        <p:sp>
-          <p:nvSpPr>
-            <p:cNvPr id="7" name="Rectangle 15"/>
-            <p:cNvSpPr>
-              <a:spLocks noChangeArrowheads="1"/>
-            </p:cNvSpPr>
-            <p:nvPr>
-              <p:custDataLst>
-                <p:tags r:id="rId3"/>
-              </p:custDataLst>
-            </p:nvPr>
-          </p:nvSpPr>
-          <p:spPr bwMode="auto">
-            <a:xfrm>
-              <a:off x="323528" y="1052736"/>
-              <a:ext cx="288000" cy="288000"/>
-            </a:xfrm>
-            <a:prstGeom prst="rect">
-              <a:avLst/>
-            </a:prstGeom>
-            <a:solidFill>
-              <a:schemeClr val="accent1"/>
-            </a:solidFill>
-            <a:ln w="9525" algn="ctr">
-              <a:noFill/>
-              <a:miter lim="800000"/>
-              <a:headEnd/>
-              <a:tailEnd/>
-            </a:ln>
-          </p:spPr>
-          <p:txBody>
-            <a:bodyPr wrap="none" lIns="36000" tIns="35120" rIns="36000" bIns="35120" anchor="ctr"/>
-            <a:lstStyle/>
-            <a:p>
-              <a:pPr marL="238125" indent="-238125" algn="ctr">
-                <a:tabLst>
-                  <a:tab pos="446088" algn="l"/>
-                </a:tabLst>
-              </a:pPr>
-              <a:r>
-                <a:rPr lang="en-US" b="1" smtClean="0">
-                  <a:solidFill>
-                    <a:schemeClr val="bg1"/>
-                  </a:solidFill>
-                  <a:latin typeface="Arial"/>
-                </a:rPr>
-                <a:t>1</a:t>
-              </a:r>
-              <a:endParaRPr lang="en-US" sz="1800" b="1">
+        </p:nvSpPr>
+        <p:spPr bwMode="auto">
+          <a:xfrm>
+            <a:off x="684432" y="1340769"/>
+            <a:ext cx="8064281" cy="288000"/>
+          </a:xfrm>
+          <a:prstGeom prst="rect">
+            <a:avLst/>
+          </a:prstGeom>
+          <a:solidFill>
+            <a:schemeClr val="accent5"/>
+          </a:solidFill>
+          <a:ln w="9525" algn="ctr">
+            <a:noFill/>
+            <a:miter lim="800000"/>
+            <a:headEnd/>
+            <a:tailEnd/>
+          </a:ln>
+        </p:spPr>
+        <p:txBody>
+          <a:bodyPr wrap="none" lIns="108000" tIns="35120" rIns="70239" bIns="35120" anchor="ctr"/>
+          <a:lstStyle/>
+          <a:p>
+            <a:pPr marL="238125" indent="-238125">
+              <a:tabLst>
+                <a:tab pos="3943350" algn="l"/>
+                <a:tab pos="5924550" algn="l"/>
+                <a:tab pos="7715250" algn="r"/>
+              </a:tabLst>
+            </a:pPr>
+            <a:r>
+              <a:rPr lang="en-US" b="1" dirty="0" err="1" smtClean="0">
+                <a:solidFill>
+                  <a:schemeClr val="tx2"/>
+                </a:solidFill>
+                <a:latin typeface="Arial"/>
+              </a:rPr>
+              <a:t>Escopo</a:t>
+            </a:r>
+            <a:r>
+              <a:rPr lang="en-US" b="1" dirty="0">
+                <a:solidFill>
+                  <a:schemeClr val="tx2"/>
+                </a:solidFill>
+                <a:latin typeface="Arial"/>
+              </a:rPr>
+              <a:t>	</a:t>
+            </a:r>
+          </a:p>
+        </p:txBody>
+      </p:sp>
+      <p:sp>
+        <p:nvSpPr>
+          <p:cNvPr id="7" name="Rectangle 15">
+            <a:hlinkClick r:id="rId14" action="ppaction://hlinksldjump"/>
+          </p:cNvPr>
+          <p:cNvSpPr>
+            <a:spLocks noChangeArrowheads="1"/>
+          </p:cNvSpPr>
+          <p:nvPr>
+            <p:custDataLst>
+              <p:tags r:id="rId2"/>
+            </p:custDataLst>
+          </p:nvPr>
+        </p:nvSpPr>
+        <p:spPr bwMode="auto">
+          <a:xfrm>
+            <a:off x="396432" y="1340769"/>
+            <a:ext cx="288000" cy="288000"/>
+          </a:xfrm>
+          <a:prstGeom prst="rect">
+            <a:avLst/>
+          </a:prstGeom>
+          <a:solidFill>
+            <a:schemeClr val="accent1"/>
+          </a:solidFill>
+          <a:ln w="9525" algn="ctr">
+            <a:noFill/>
+            <a:miter lim="800000"/>
+            <a:headEnd/>
+            <a:tailEnd/>
+          </a:ln>
+        </p:spPr>
+        <p:txBody>
+          <a:bodyPr wrap="none" lIns="36000" tIns="35120" rIns="36000" bIns="35120" anchor="ctr"/>
+          <a:lstStyle/>
+          <a:p>
+            <a:pPr marL="238125" indent="-238125" algn="ctr">
+              <a:tabLst>
+                <a:tab pos="446088" algn="l"/>
+              </a:tabLst>
+            </a:pPr>
+            <a:r>
+              <a:rPr lang="en-US" sz="1800" b="1" smtClean="0">
                 <a:solidFill>
                   <a:schemeClr val="bg1"/>
                 </a:solidFill>
                 <a:latin typeface="Arial"/>
-              </a:endParaRPr>
-            </a:p>
-          </p:txBody>
-        </p:sp>
-        <p:sp>
-          <p:nvSpPr>
-            <p:cNvPr id="8" name="Rectangle 15">
-              <a:hlinkClick r:id="rId9" action="ppaction://hlinksldjump"/>
-            </p:cNvPr>
-            <p:cNvSpPr>
-              <a:spLocks noChangeArrowheads="1"/>
-            </p:cNvSpPr>
-            <p:nvPr>
-              <p:custDataLst>
-                <p:tags r:id="rId4"/>
-              </p:custDataLst>
-            </p:nvPr>
-          </p:nvSpPr>
-          <p:spPr bwMode="auto">
-            <a:xfrm>
-              <a:off x="611528" y="1448827"/>
-              <a:ext cx="8065175" cy="288000"/>
-            </a:xfrm>
-            <a:prstGeom prst="rect">
-              <a:avLst/>
-            </a:prstGeom>
-            <a:solidFill>
-              <a:srgbClr val="EAEAEA"/>
-            </a:solidFill>
-            <a:ln w="9525" algn="ctr">
-              <a:noFill/>
-              <a:miter lim="800000"/>
-              <a:headEnd/>
-              <a:tailEnd/>
-            </a:ln>
-          </p:spPr>
-          <p:txBody>
-            <a:bodyPr wrap="none" lIns="108000" tIns="35120" rIns="70239" bIns="35120" anchor="ctr"/>
-            <a:lstStyle/>
-            <a:p>
-              <a:pPr marL="238125" indent="-238125">
-                <a:tabLst>
-                  <a:tab pos="3943350" algn="l"/>
-                  <a:tab pos="5924550" algn="l"/>
-                  <a:tab pos="7715250" algn="r"/>
-                </a:tabLst>
-              </a:pPr>
-              <a:r>
-                <a:rPr lang="en-US" b="1" dirty="0" smtClean="0">
-                  <a:solidFill>
-                    <a:schemeClr val="bg2">
-                      <a:lumMod val="10000"/>
-                    </a:schemeClr>
-                  </a:solidFill>
-                  <a:latin typeface="Arial"/>
-                </a:rPr>
-                <a:t>Test </a:t>
-              </a:r>
-              <a:r>
-                <a:rPr lang="en-US" b="1" dirty="0" smtClean="0">
-                  <a:solidFill>
-                    <a:schemeClr val="bg2">
-                      <a:lumMod val="10000"/>
-                    </a:schemeClr>
-                  </a:solidFill>
-                </a:rPr>
-                <a:t>3	</a:t>
-              </a:r>
-              <a:r>
-                <a:rPr lang="en-US" dirty="0" smtClean="0">
-                  <a:solidFill>
-                    <a:schemeClr val="bg2">
-                      <a:lumMod val="10000"/>
-                    </a:schemeClr>
-                  </a:solidFill>
-                </a:rPr>
-                <a:t>Speaker 	Time	</a:t>
-              </a:r>
-              <a:r>
-                <a:rPr lang="en-US" b="1" dirty="0" smtClean="0">
-                  <a:solidFill>
-                    <a:schemeClr val="bg2">
-                      <a:lumMod val="10000"/>
-                    </a:schemeClr>
-                  </a:solidFill>
-                </a:rPr>
-                <a:t>xx</a:t>
-              </a:r>
-              <a:endParaRPr lang="en-US" b="1" dirty="0" smtClean="0">
+              </a:rPr>
+              <a:t>1</a:t>
+            </a:r>
+            <a:endParaRPr lang="en-US" sz="1800" b="1">
+              <a:solidFill>
+                <a:schemeClr val="bg1"/>
+              </a:solidFill>
+              <a:latin typeface="Arial"/>
+            </a:endParaRPr>
+          </a:p>
+        </p:txBody>
+      </p:sp>
+      <p:sp>
+        <p:nvSpPr>
+          <p:cNvPr id="8" name="Rectangle 15"/>
+          <p:cNvSpPr>
+            <a:spLocks noChangeArrowheads="1"/>
+          </p:cNvSpPr>
+          <p:nvPr>
+            <p:custDataLst>
+              <p:tags r:id="rId3"/>
+            </p:custDataLst>
+          </p:nvPr>
+        </p:nvSpPr>
+        <p:spPr bwMode="auto">
+          <a:xfrm>
+            <a:off x="684432" y="3126223"/>
+            <a:ext cx="8064281" cy="288000"/>
+          </a:xfrm>
+          <a:prstGeom prst="rect">
+            <a:avLst/>
+          </a:prstGeom>
+          <a:solidFill>
+            <a:srgbClr val="EAEAEA"/>
+          </a:solidFill>
+          <a:ln w="9525" algn="ctr">
+            <a:noFill/>
+            <a:miter lim="800000"/>
+            <a:headEnd/>
+            <a:tailEnd/>
+          </a:ln>
+        </p:spPr>
+        <p:txBody>
+          <a:bodyPr wrap="none" lIns="108000" tIns="35120" rIns="70239" bIns="35120" anchor="ctr"/>
+          <a:lstStyle/>
+          <a:p>
+            <a:pPr marL="238125" indent="-238125">
+              <a:tabLst>
+                <a:tab pos="3943350" algn="l"/>
+                <a:tab pos="5924550" algn="l"/>
+                <a:tab pos="7715250" algn="r"/>
+              </a:tabLst>
+            </a:pPr>
+            <a:r>
+              <a:rPr lang="en-US" b="1" dirty="0">
                 <a:solidFill>
                   <a:schemeClr val="bg2">
                     <a:lumMod val="10000"/>
                   </a:schemeClr>
                 </a:solidFill>
                 <a:latin typeface="Arial"/>
-              </a:endParaRPr>
-            </a:p>
-          </p:txBody>
-        </p:sp>
-        <p:sp>
-          <p:nvSpPr>
-            <p:cNvPr id="9" name="Rectangle 15">
-              <a:hlinkClick r:id="rId9" action="ppaction://hlinksldjump"/>
-            </p:cNvPr>
-            <p:cNvSpPr>
-              <a:spLocks noChangeArrowheads="1"/>
-            </p:cNvSpPr>
-            <p:nvPr>
-              <p:custDataLst>
-                <p:tags r:id="rId5"/>
-              </p:custDataLst>
-            </p:nvPr>
-          </p:nvSpPr>
-          <p:spPr bwMode="auto">
-            <a:xfrm>
-              <a:off x="323528" y="1448827"/>
-              <a:ext cx="288000" cy="288000"/>
-            </a:xfrm>
-            <a:prstGeom prst="rect">
-              <a:avLst/>
-            </a:prstGeom>
-            <a:solidFill>
-              <a:schemeClr val="accent1"/>
-            </a:solidFill>
-            <a:ln w="9525" algn="ctr">
-              <a:noFill/>
-              <a:miter lim="800000"/>
-              <a:headEnd/>
-              <a:tailEnd/>
-            </a:ln>
-          </p:spPr>
-          <p:txBody>
-            <a:bodyPr wrap="none" lIns="36000" tIns="35120" rIns="36000" bIns="35120" anchor="ctr"/>
-            <a:lstStyle/>
-            <a:p>
-              <a:pPr marL="238125" indent="-238125" algn="ctr">
-                <a:tabLst>
-                  <a:tab pos="446088" algn="l"/>
-                </a:tabLst>
-              </a:pPr>
-              <a:r>
-                <a:rPr lang="en-US" sz="1800" b="1" smtClean="0">
-                  <a:solidFill>
-                    <a:schemeClr val="bg1"/>
-                  </a:solidFill>
-                  <a:latin typeface="Arial"/>
-                </a:rPr>
-                <a:t>2</a:t>
-              </a:r>
-              <a:endParaRPr lang="en-US" sz="1800" b="1">
+              </a:rPr>
+              <a:t>Test 3	Speaker 	Time	xx</a:t>
+            </a:r>
+          </a:p>
+        </p:txBody>
+      </p:sp>
+      <p:sp>
+        <p:nvSpPr>
+          <p:cNvPr id="9" name="Rectangle 15"/>
+          <p:cNvSpPr>
+            <a:spLocks noChangeArrowheads="1"/>
+          </p:cNvSpPr>
+          <p:nvPr>
+            <p:custDataLst>
+              <p:tags r:id="rId4"/>
+            </p:custDataLst>
+          </p:nvPr>
+        </p:nvSpPr>
+        <p:spPr bwMode="auto">
+          <a:xfrm>
+            <a:off x="396432" y="3126223"/>
+            <a:ext cx="288000" cy="288000"/>
+          </a:xfrm>
+          <a:prstGeom prst="rect">
+            <a:avLst/>
+          </a:prstGeom>
+          <a:solidFill>
+            <a:schemeClr val="accent1"/>
+          </a:solidFill>
+          <a:ln w="9525" algn="ctr">
+            <a:noFill/>
+            <a:miter lim="800000"/>
+            <a:headEnd/>
+            <a:tailEnd/>
+          </a:ln>
+        </p:spPr>
+        <p:txBody>
+          <a:bodyPr wrap="none" lIns="36000" tIns="35120" rIns="36000" bIns="35120" anchor="ctr"/>
+          <a:lstStyle/>
+          <a:p>
+            <a:pPr marL="238125" indent="-238125" algn="ctr">
+              <a:tabLst>
+                <a:tab pos="446088" algn="l"/>
+              </a:tabLst>
+            </a:pPr>
+            <a:r>
+              <a:rPr lang="en-US" b="1" smtClean="0">
                 <a:solidFill>
                   <a:schemeClr val="bg1"/>
                 </a:solidFill>
                 <a:latin typeface="Arial"/>
-              </a:endParaRPr>
-            </a:p>
-          </p:txBody>
-        </p:sp>
-        <p:sp>
-          <p:nvSpPr>
-            <p:cNvPr id="10" name="Rectangle 15">
-              <a:hlinkClick r:id="rId10" action="ppaction://hlinksldjump"/>
-            </p:cNvPr>
-            <p:cNvSpPr>
-              <a:spLocks noChangeArrowheads="1"/>
-            </p:cNvSpPr>
-            <p:nvPr>
-              <p:custDataLst>
-                <p:tags r:id="rId6"/>
-              </p:custDataLst>
-            </p:nvPr>
-          </p:nvSpPr>
-          <p:spPr bwMode="auto">
-            <a:xfrm>
-              <a:off x="611528" y="1844903"/>
-              <a:ext cx="8065175" cy="288000"/>
-            </a:xfrm>
-            <a:prstGeom prst="rect">
-              <a:avLst/>
-            </a:prstGeom>
-            <a:solidFill>
-              <a:srgbClr val="EAEAEA"/>
-            </a:solidFill>
-            <a:ln w="9525" algn="ctr">
-              <a:noFill/>
-              <a:miter lim="800000"/>
-              <a:headEnd/>
-              <a:tailEnd/>
-            </a:ln>
-          </p:spPr>
-          <p:txBody>
-            <a:bodyPr wrap="none" lIns="108000" tIns="35120" rIns="70239" bIns="35120" anchor="ctr"/>
-            <a:lstStyle/>
-            <a:p>
-              <a:pPr marL="238125" indent="-238125">
-                <a:tabLst>
-                  <a:tab pos="3943350" algn="l"/>
-                  <a:tab pos="5924550" algn="l"/>
-                  <a:tab pos="7715250" algn="r"/>
-                </a:tabLst>
-              </a:pPr>
-              <a:r>
-                <a:rPr lang="en-US" b="1" dirty="0" smtClean="0">
-                  <a:solidFill>
-                    <a:schemeClr val="bg2">
-                      <a:lumMod val="10000"/>
-                    </a:schemeClr>
-                  </a:solidFill>
-                  <a:latin typeface="Arial"/>
-                </a:rPr>
-                <a:t>Test 4#</a:t>
-              </a:r>
-              <a:r>
-                <a:rPr lang="en-US" b="1" dirty="0" smtClean="0">
-                  <a:solidFill>
-                    <a:schemeClr val="bg2">
-                      <a:lumMod val="10000"/>
-                    </a:schemeClr>
-                  </a:solidFill>
-                </a:rPr>
-                <a:t>	</a:t>
-              </a:r>
-              <a:r>
-                <a:rPr lang="en-US" dirty="0" smtClean="0">
-                  <a:solidFill>
-                    <a:schemeClr val="bg2">
-                      <a:lumMod val="10000"/>
-                    </a:schemeClr>
-                  </a:solidFill>
-                </a:rPr>
-                <a:t>Speaker 	Time	</a:t>
-              </a:r>
-              <a:r>
-                <a:rPr lang="en-US" b="1" dirty="0" smtClean="0">
-                  <a:solidFill>
-                    <a:schemeClr val="bg2">
-                      <a:lumMod val="10000"/>
-                    </a:schemeClr>
-                  </a:solidFill>
-                </a:rPr>
-                <a:t>xx</a:t>
-              </a:r>
-              <a:endParaRPr lang="en-US" b="1" dirty="0" smtClean="0">
+              </a:rPr>
+              <a:t>2</a:t>
+            </a:r>
+            <a:endParaRPr lang="en-US" sz="1800" b="1">
+              <a:solidFill>
+                <a:schemeClr val="bg1"/>
+              </a:solidFill>
+              <a:latin typeface="Arial"/>
+            </a:endParaRPr>
+          </a:p>
+        </p:txBody>
+      </p:sp>
+      <p:sp>
+        <p:nvSpPr>
+          <p:cNvPr id="10" name="Rectangle 15"/>
+          <p:cNvSpPr>
+            <a:spLocks noChangeArrowheads="1"/>
+          </p:cNvSpPr>
+          <p:nvPr>
+            <p:custDataLst>
+              <p:tags r:id="rId5"/>
+            </p:custDataLst>
+          </p:nvPr>
+        </p:nvSpPr>
+        <p:spPr bwMode="auto">
+          <a:xfrm>
+            <a:off x="1115571" y="1700840"/>
+            <a:ext cx="7633141" cy="287999"/>
+          </a:xfrm>
+          <a:prstGeom prst="rect">
+            <a:avLst/>
+          </a:prstGeom>
+          <a:solidFill>
+            <a:srgbClr val="EAEAEA"/>
+          </a:solidFill>
+          <a:ln w="9525" algn="ctr">
+            <a:noFill/>
+            <a:miter lim="800000"/>
+            <a:headEnd/>
+            <a:tailEnd/>
+          </a:ln>
+        </p:spPr>
+        <p:txBody>
+          <a:bodyPr wrap="none" lIns="72000" tIns="35120" rIns="70239" bIns="35120" anchor="ctr"/>
+          <a:lstStyle/>
+          <a:p>
+            <a:pPr marL="238125" indent="-238125"/>
+            <a:r>
+              <a:rPr lang="en-US" sz="1400" dirty="0" smtClean="0">
                 <a:solidFill>
                   <a:schemeClr val="bg2">
                     <a:lumMod val="10000"/>
                   </a:schemeClr>
                 </a:solidFill>
                 <a:latin typeface="Arial"/>
-              </a:endParaRPr>
-            </a:p>
-          </p:txBody>
-        </p:sp>
-        <p:sp>
-          <p:nvSpPr>
-            <p:cNvPr id="11" name="Rectangle 15">
-              <a:hlinkClick r:id="rId10" action="ppaction://hlinksldjump"/>
-            </p:cNvPr>
-            <p:cNvSpPr>
-              <a:spLocks noChangeArrowheads="1"/>
-            </p:cNvSpPr>
-            <p:nvPr>
-              <p:custDataLst>
-                <p:tags r:id="rId7"/>
-              </p:custDataLst>
-            </p:nvPr>
-          </p:nvSpPr>
-          <p:spPr bwMode="auto">
-            <a:xfrm>
-              <a:off x="323528" y="1844903"/>
-              <a:ext cx="288000" cy="288000"/>
-            </a:xfrm>
-            <a:prstGeom prst="rect">
-              <a:avLst/>
-            </a:prstGeom>
-            <a:solidFill>
-              <a:schemeClr val="accent1"/>
-            </a:solidFill>
-            <a:ln w="9525" algn="ctr">
-              <a:noFill/>
-              <a:miter lim="800000"/>
-              <a:headEnd/>
-              <a:tailEnd/>
-            </a:ln>
-          </p:spPr>
-          <p:txBody>
-            <a:bodyPr wrap="none" lIns="36000" tIns="35120" rIns="36000" bIns="35120" anchor="ctr"/>
-            <a:lstStyle/>
-            <a:p>
-              <a:pPr marL="238125" indent="-238125" algn="ctr">
-                <a:tabLst>
-                  <a:tab pos="446088" algn="l"/>
-                </a:tabLst>
-              </a:pPr>
-              <a:r>
-                <a:rPr lang="en-US" sz="1800" b="1" smtClean="0">
-                  <a:solidFill>
-                    <a:schemeClr val="bg1"/>
-                  </a:solidFill>
-                  <a:latin typeface="Arial"/>
-                </a:rPr>
-                <a:t>3</a:t>
-              </a:r>
-              <a:endParaRPr lang="en-US" sz="1800" b="1">
+              </a:rPr>
+              <a:t>Design </a:t>
+            </a:r>
+            <a:r>
+              <a:rPr lang="en-US" sz="1400" dirty="0" err="1" smtClean="0">
+                <a:solidFill>
+                  <a:schemeClr val="bg2">
+                    <a:lumMod val="10000"/>
+                  </a:schemeClr>
+                </a:solidFill>
+                <a:latin typeface="Arial"/>
+              </a:rPr>
+              <a:t>Mecânico</a:t>
+            </a:r>
+            <a:endParaRPr lang="en-US" sz="1400" dirty="0" smtClean="0">
+              <a:solidFill>
+                <a:schemeClr val="bg2">
+                  <a:lumMod val="10000"/>
+                </a:schemeClr>
+              </a:solidFill>
+              <a:latin typeface="Arial"/>
+            </a:endParaRPr>
+          </a:p>
+        </p:txBody>
+      </p:sp>
+      <p:sp>
+        <p:nvSpPr>
+          <p:cNvPr id="11" name="Rectangle 15"/>
+          <p:cNvSpPr>
+            <a:spLocks noChangeArrowheads="1"/>
+          </p:cNvSpPr>
+          <p:nvPr>
+            <p:custDataLst>
+              <p:tags r:id="rId6"/>
+            </p:custDataLst>
+          </p:nvPr>
+        </p:nvSpPr>
+        <p:spPr bwMode="auto">
+          <a:xfrm>
+            <a:off x="684432" y="1700840"/>
+            <a:ext cx="431140" cy="288000"/>
+          </a:xfrm>
+          <a:prstGeom prst="rect">
+            <a:avLst/>
+          </a:prstGeom>
+          <a:solidFill>
+            <a:srgbClr val="EAEAEA"/>
+          </a:solidFill>
+          <a:ln w="9525" algn="ctr">
+            <a:noFill/>
+            <a:miter lim="800000"/>
+            <a:headEnd/>
+            <a:tailEnd/>
+          </a:ln>
+        </p:spPr>
+        <p:txBody>
+          <a:bodyPr wrap="none" lIns="90000" tIns="35120" rIns="36000" bIns="35120" anchor="ctr"/>
+          <a:lstStyle/>
+          <a:p>
+            <a:pPr marL="238125" indent="-238125" algn="ctr">
+              <a:tabLst>
+                <a:tab pos="446088" algn="l"/>
+              </a:tabLst>
+            </a:pPr>
+            <a:r>
+              <a:rPr lang="en-US" sz="1400" b="1" dirty="0" smtClean="0">
+                <a:latin typeface="Arial"/>
+              </a:rPr>
+              <a:t>1.1</a:t>
+            </a:r>
+            <a:endParaRPr lang="en-US" sz="1400" b="1" dirty="0">
+              <a:latin typeface="Arial"/>
+            </a:endParaRPr>
+          </a:p>
+        </p:txBody>
+      </p:sp>
+      <p:sp>
+        <p:nvSpPr>
+          <p:cNvPr id="12" name="Rectangle 15">
+            <a:hlinkClick r:id="rId15" action="ppaction://hlinksldjump"/>
+          </p:cNvPr>
+          <p:cNvSpPr>
+            <a:spLocks noChangeArrowheads="1"/>
+          </p:cNvSpPr>
+          <p:nvPr>
+            <p:custDataLst>
+              <p:tags r:id="rId7"/>
+            </p:custDataLst>
+          </p:nvPr>
+        </p:nvSpPr>
+        <p:spPr bwMode="auto">
+          <a:xfrm>
+            <a:off x="684432" y="3882307"/>
+            <a:ext cx="8064281" cy="288000"/>
+          </a:xfrm>
+          <a:prstGeom prst="rect">
+            <a:avLst/>
+          </a:prstGeom>
+          <a:solidFill>
+            <a:srgbClr val="EAEAEA"/>
+          </a:solidFill>
+          <a:ln w="9525" algn="ctr">
+            <a:noFill/>
+            <a:miter lim="800000"/>
+            <a:headEnd/>
+            <a:tailEnd/>
+          </a:ln>
+        </p:spPr>
+        <p:txBody>
+          <a:bodyPr wrap="none" lIns="108000" tIns="35120" rIns="70239" bIns="35120" anchor="ctr"/>
+          <a:lstStyle/>
+          <a:p>
+            <a:pPr marL="238125" indent="-238125">
+              <a:tabLst>
+                <a:tab pos="3943350" algn="l"/>
+                <a:tab pos="5924550" algn="l"/>
+                <a:tab pos="7715250" algn="r"/>
+              </a:tabLst>
+            </a:pPr>
+            <a:r>
+              <a:rPr lang="en-US" b="1" dirty="0" smtClean="0">
+                <a:solidFill>
+                  <a:schemeClr val="bg2">
+                    <a:lumMod val="10000"/>
+                  </a:schemeClr>
+                </a:solidFill>
+                <a:latin typeface="Arial"/>
+              </a:rPr>
+              <a:t>Test 4#</a:t>
+            </a:r>
+            <a:r>
+              <a:rPr lang="en-US" b="1" dirty="0" smtClean="0">
+                <a:solidFill>
+                  <a:schemeClr val="bg2">
+                    <a:lumMod val="10000"/>
+                  </a:schemeClr>
+                </a:solidFill>
+              </a:rPr>
+              <a:t>	</a:t>
+            </a:r>
+            <a:r>
+              <a:rPr lang="en-US" dirty="0" smtClean="0">
+                <a:solidFill>
+                  <a:schemeClr val="bg2">
+                    <a:lumMod val="10000"/>
+                  </a:schemeClr>
+                </a:solidFill>
+              </a:rPr>
+              <a:t>Speaker 	Time	</a:t>
+            </a:r>
+            <a:r>
+              <a:rPr lang="en-US" b="1" dirty="0" smtClean="0">
+                <a:solidFill>
+                  <a:schemeClr val="bg2">
+                    <a:lumMod val="10000"/>
+                  </a:schemeClr>
+                </a:solidFill>
+              </a:rPr>
+              <a:t>xx</a:t>
+            </a:r>
+            <a:endParaRPr lang="en-US" b="1" dirty="0" smtClean="0">
+              <a:solidFill>
+                <a:schemeClr val="bg2">
+                  <a:lumMod val="10000"/>
+                </a:schemeClr>
+              </a:solidFill>
+              <a:latin typeface="Arial"/>
+            </a:endParaRPr>
+          </a:p>
+        </p:txBody>
+      </p:sp>
+      <p:sp>
+        <p:nvSpPr>
+          <p:cNvPr id="13" name="Rectangle 15">
+            <a:hlinkClick r:id="rId15" action="ppaction://hlinksldjump"/>
+          </p:cNvPr>
+          <p:cNvSpPr>
+            <a:spLocks noChangeArrowheads="1"/>
+          </p:cNvSpPr>
+          <p:nvPr>
+            <p:custDataLst>
+              <p:tags r:id="rId8"/>
+            </p:custDataLst>
+          </p:nvPr>
+        </p:nvSpPr>
+        <p:spPr bwMode="auto">
+          <a:xfrm>
+            <a:off x="396432" y="3882307"/>
+            <a:ext cx="288000" cy="288000"/>
+          </a:xfrm>
+          <a:prstGeom prst="rect">
+            <a:avLst/>
+          </a:prstGeom>
+          <a:solidFill>
+            <a:schemeClr val="accent1"/>
+          </a:solidFill>
+          <a:ln w="9525" algn="ctr">
+            <a:noFill/>
+            <a:miter lim="800000"/>
+            <a:headEnd/>
+            <a:tailEnd/>
+          </a:ln>
+        </p:spPr>
+        <p:txBody>
+          <a:bodyPr wrap="none" lIns="36000" tIns="35120" rIns="36000" bIns="35120" anchor="ctr"/>
+          <a:lstStyle/>
+          <a:p>
+            <a:pPr marL="238125" indent="-238125" algn="ctr">
+              <a:tabLst>
+                <a:tab pos="446088" algn="l"/>
+              </a:tabLst>
+            </a:pPr>
+            <a:r>
+              <a:rPr lang="en-US" sz="1800" b="1" smtClean="0">
                 <a:solidFill>
                   <a:schemeClr val="bg1"/>
                 </a:solidFill>
                 <a:latin typeface="Arial"/>
-              </a:endParaRPr>
-            </a:p>
-          </p:txBody>
-        </p:sp>
-      </p:grpSp>
+              </a:rPr>
+              <a:t>3</a:t>
+            </a:r>
+            <a:endParaRPr lang="en-US" sz="1800" b="1">
+              <a:solidFill>
+                <a:schemeClr val="bg1"/>
+              </a:solidFill>
+              <a:latin typeface="Arial"/>
+            </a:endParaRPr>
+          </a:p>
+        </p:txBody>
+      </p:sp>
+      <p:sp>
+        <p:nvSpPr>
+          <p:cNvPr id="16" name="Rectangle 15"/>
+          <p:cNvSpPr>
+            <a:spLocks noChangeArrowheads="1"/>
+          </p:cNvSpPr>
+          <p:nvPr>
+            <p:custDataLst>
+              <p:tags r:id="rId9"/>
+            </p:custDataLst>
+          </p:nvPr>
+        </p:nvSpPr>
+        <p:spPr bwMode="auto">
+          <a:xfrm>
+            <a:off x="1115571" y="2060880"/>
+            <a:ext cx="7633141" cy="287999"/>
+          </a:xfrm>
+          <a:prstGeom prst="rect">
+            <a:avLst/>
+          </a:prstGeom>
+          <a:solidFill>
+            <a:srgbClr val="EAEAEA"/>
+          </a:solidFill>
+          <a:ln w="9525" algn="ctr">
+            <a:noFill/>
+            <a:miter lim="800000"/>
+            <a:headEnd/>
+            <a:tailEnd/>
+          </a:ln>
+        </p:spPr>
+        <p:txBody>
+          <a:bodyPr wrap="none" lIns="72000" tIns="35120" rIns="70239" bIns="35120" anchor="ctr"/>
+          <a:lstStyle/>
+          <a:p>
+            <a:pPr marL="238125" indent="-238125"/>
+            <a:r>
+              <a:rPr lang="en-US" sz="1400" dirty="0" smtClean="0">
+                <a:solidFill>
+                  <a:schemeClr val="bg2">
+                    <a:lumMod val="10000"/>
+                  </a:schemeClr>
+                </a:solidFill>
+                <a:latin typeface="Arial"/>
+              </a:rPr>
+              <a:t>Hardware</a:t>
+            </a:r>
+            <a:endParaRPr lang="en-US" sz="1400" dirty="0" smtClean="0">
+              <a:solidFill>
+                <a:schemeClr val="bg2">
+                  <a:lumMod val="10000"/>
+                </a:schemeClr>
+              </a:solidFill>
+              <a:latin typeface="Arial"/>
+            </a:endParaRPr>
+          </a:p>
+        </p:txBody>
+      </p:sp>
+      <p:sp>
+        <p:nvSpPr>
+          <p:cNvPr id="17" name="Rectangle 15"/>
+          <p:cNvSpPr>
+            <a:spLocks noChangeArrowheads="1"/>
+          </p:cNvSpPr>
+          <p:nvPr>
+            <p:custDataLst>
+              <p:tags r:id="rId10"/>
+            </p:custDataLst>
+          </p:nvPr>
+        </p:nvSpPr>
+        <p:spPr bwMode="auto">
+          <a:xfrm>
+            <a:off x="684432" y="2060880"/>
+            <a:ext cx="431140" cy="288000"/>
+          </a:xfrm>
+          <a:prstGeom prst="rect">
+            <a:avLst/>
+          </a:prstGeom>
+          <a:solidFill>
+            <a:srgbClr val="EAEAEA"/>
+          </a:solidFill>
+          <a:ln w="9525" algn="ctr">
+            <a:noFill/>
+            <a:miter lim="800000"/>
+            <a:headEnd/>
+            <a:tailEnd/>
+          </a:ln>
+        </p:spPr>
+        <p:txBody>
+          <a:bodyPr wrap="none" lIns="90000" tIns="35120" rIns="36000" bIns="35120" anchor="ctr"/>
+          <a:lstStyle/>
+          <a:p>
+            <a:pPr marL="238125" indent="-238125" algn="ctr">
+              <a:tabLst>
+                <a:tab pos="446088" algn="l"/>
+              </a:tabLst>
+            </a:pPr>
+            <a:r>
+              <a:rPr lang="en-US" sz="1400" b="1" dirty="0" smtClean="0">
+                <a:latin typeface="Arial"/>
+              </a:rPr>
+              <a:t>1.2</a:t>
+            </a:r>
+            <a:endParaRPr lang="en-US" sz="1400" b="1" dirty="0">
+              <a:latin typeface="Arial"/>
+            </a:endParaRPr>
+          </a:p>
+        </p:txBody>
+      </p:sp>
+      <p:sp>
+        <p:nvSpPr>
+          <p:cNvPr id="18" name="Rectangle 15"/>
+          <p:cNvSpPr>
+            <a:spLocks noChangeArrowheads="1"/>
+          </p:cNvSpPr>
+          <p:nvPr>
+            <p:custDataLst>
+              <p:tags r:id="rId11"/>
+            </p:custDataLst>
+          </p:nvPr>
+        </p:nvSpPr>
+        <p:spPr bwMode="auto">
+          <a:xfrm>
+            <a:off x="1115571" y="2420920"/>
+            <a:ext cx="7633141" cy="287999"/>
+          </a:xfrm>
+          <a:prstGeom prst="rect">
+            <a:avLst/>
+          </a:prstGeom>
+          <a:solidFill>
+            <a:srgbClr val="EAEAEA"/>
+          </a:solidFill>
+          <a:ln w="9525" algn="ctr">
+            <a:noFill/>
+            <a:miter lim="800000"/>
+            <a:headEnd/>
+            <a:tailEnd/>
+          </a:ln>
+        </p:spPr>
+        <p:txBody>
+          <a:bodyPr wrap="none" lIns="72000" tIns="35120" rIns="70239" bIns="35120" anchor="ctr"/>
+          <a:lstStyle/>
+          <a:p>
+            <a:pPr marL="238125" indent="-238125"/>
+            <a:r>
+              <a:rPr lang="en-US" sz="1400" dirty="0" smtClean="0">
+                <a:solidFill>
+                  <a:schemeClr val="bg2">
+                    <a:lumMod val="10000"/>
+                  </a:schemeClr>
+                </a:solidFill>
+                <a:latin typeface="Arial"/>
+              </a:rPr>
+              <a:t>Software</a:t>
+            </a:r>
+            <a:endParaRPr lang="en-US" sz="1400" dirty="0" smtClean="0">
+              <a:solidFill>
+                <a:schemeClr val="bg2">
+                  <a:lumMod val="10000"/>
+                </a:schemeClr>
+              </a:solidFill>
+              <a:latin typeface="Arial"/>
+            </a:endParaRPr>
+          </a:p>
+        </p:txBody>
+      </p:sp>
+      <p:sp>
+        <p:nvSpPr>
+          <p:cNvPr id="19" name="Rectangle 15"/>
+          <p:cNvSpPr>
+            <a:spLocks noChangeArrowheads="1"/>
+          </p:cNvSpPr>
+          <p:nvPr>
+            <p:custDataLst>
+              <p:tags r:id="rId12"/>
+            </p:custDataLst>
+          </p:nvPr>
+        </p:nvSpPr>
+        <p:spPr bwMode="auto">
+          <a:xfrm>
+            <a:off x="684432" y="2420920"/>
+            <a:ext cx="431140" cy="288000"/>
+          </a:xfrm>
+          <a:prstGeom prst="rect">
+            <a:avLst/>
+          </a:prstGeom>
+          <a:solidFill>
+            <a:srgbClr val="EAEAEA"/>
+          </a:solidFill>
+          <a:ln w="9525" algn="ctr">
+            <a:noFill/>
+            <a:miter lim="800000"/>
+            <a:headEnd/>
+            <a:tailEnd/>
+          </a:ln>
+        </p:spPr>
+        <p:txBody>
+          <a:bodyPr wrap="none" lIns="90000" tIns="35120" rIns="36000" bIns="35120" anchor="ctr"/>
+          <a:lstStyle/>
+          <a:p>
+            <a:pPr marL="238125" indent="-238125" algn="ctr">
+              <a:tabLst>
+                <a:tab pos="446088" algn="l"/>
+              </a:tabLst>
+            </a:pPr>
+            <a:r>
+              <a:rPr lang="en-US" sz="1400" b="1" dirty="0" smtClean="0">
+                <a:latin typeface="Arial"/>
+              </a:rPr>
+              <a:t>1.3</a:t>
+            </a:r>
+            <a:endParaRPr lang="en-US" sz="1400" b="1" dirty="0">
+              <a:latin typeface="Arial"/>
+            </a:endParaRPr>
+          </a:p>
+        </p:txBody>
+      </p:sp>
     </p:spTree>
     <p:extLst>
       <p:ext uri="{BB962C8B-B14F-4D97-AF65-F5344CB8AC3E}">
-        <p14:creationId xmlns:p14="http://schemas.microsoft.com/office/powerpoint/2010/main" val="2376771634"/>
+        <p14:creationId xmlns:p14="http://schemas.microsoft.com/office/powerpoint/2010/main" val="3292060512"/>
       </p:ext>
     </p:extLst>
   </p:cSld>
@@ -15416,42 +15863,227 @@
               <a:buChar char="•"/>
             </a:pPr>
             <a:r>
-              <a:rPr lang="en-US" dirty="0" err="1" smtClean="0"/>
-              <a:t>Escopo</a:t>
-            </a:r>
-            <a:r>
-              <a:rPr lang="en-US" dirty="0" smtClean="0"/>
+              <a:rPr lang="en-US" sz="1800" dirty="0" smtClean="0"/>
+              <a:t>O </a:t>
+            </a:r>
+            <a:r>
+              <a:rPr lang="en-US" sz="1800" dirty="0" err="1" smtClean="0"/>
+              <a:t>projeto</a:t>
+            </a:r>
+            <a:r>
+              <a:rPr lang="en-US" sz="1800" dirty="0" smtClean="0"/>
               <a:t> </a:t>
             </a:r>
             <a:r>
-              <a:rPr lang="en-US" dirty="0" err="1" smtClean="0"/>
-              <a:t>anotado</a:t>
-            </a:r>
-            <a:r>
-              <a:rPr lang="en-US" dirty="0" smtClean="0"/>
+              <a:rPr lang="en-US" sz="1800" dirty="0" err="1" smtClean="0"/>
+              <a:t>será</a:t>
+            </a:r>
+            <a:r>
+              <a:rPr lang="en-US" sz="1800" dirty="0" smtClean="0"/>
               <a:t> </a:t>
             </a:r>
             <a:r>
-              <a:rPr lang="en-US" dirty="0" err="1" smtClean="0"/>
-              <a:t>na</a:t>
-            </a:r>
-            <a:r>
-              <a:rPr lang="en-US" dirty="0" smtClean="0"/>
+              <a:rPr lang="en-US" sz="1800" dirty="0" err="1" smtClean="0"/>
+              <a:t>composto</a:t>
+            </a:r>
+            <a:r>
+              <a:rPr lang="en-US" sz="1800" dirty="0" smtClean="0"/>
               <a:t> </a:t>
             </a:r>
             <a:r>
-              <a:rPr lang="en-US" dirty="0" err="1" smtClean="0"/>
-              <a:t>primeira</a:t>
-            </a:r>
-            <a:r>
-              <a:rPr lang="en-US" dirty="0" smtClean="0"/>
+              <a:rPr lang="en-US" sz="1800" dirty="0" err="1" smtClean="0"/>
+              <a:t>por</a:t>
+            </a:r>
+            <a:r>
+              <a:rPr lang="en-US" sz="1800" dirty="0" smtClean="0"/>
               <a:t> </a:t>
             </a:r>
             <a:r>
-              <a:rPr lang="en-US" dirty="0" err="1" smtClean="0"/>
-              <a:t>reunião</a:t>
-            </a:r>
-            <a:endParaRPr lang="en-US" dirty="0"/>
+              <a:rPr lang="en-US" sz="1800" dirty="0" err="1" smtClean="0"/>
+              <a:t>dois</a:t>
+            </a:r>
+            <a:r>
+              <a:rPr lang="en-US" sz="1800" dirty="0" smtClean="0"/>
+              <a:t> </a:t>
+            </a:r>
+            <a:r>
+              <a:rPr lang="en-US" sz="1800" dirty="0" err="1" smtClean="0"/>
+              <a:t>Braços</a:t>
+            </a:r>
+            <a:r>
+              <a:rPr lang="en-US" sz="1800" dirty="0" smtClean="0"/>
+              <a:t> </a:t>
+            </a:r>
+            <a:r>
+              <a:rPr lang="en-US" sz="1800" dirty="0" err="1" smtClean="0"/>
+              <a:t>Robótico</a:t>
+            </a:r>
+            <a:r>
+              <a:rPr lang="en-US" sz="1800" dirty="0" smtClean="0"/>
+              <a:t>;</a:t>
+            </a:r>
+          </a:p>
+          <a:p>
+            <a:pPr marL="285750" indent="-285750">
+              <a:buFont typeface="Arial" pitchFamily="34" charset="0"/>
+              <a:buChar char="•"/>
+            </a:pPr>
+            <a:r>
+              <a:rPr lang="en-US" sz="1800" dirty="0" smtClean="0"/>
+              <a:t>Ambos </a:t>
+            </a:r>
+            <a:r>
+              <a:rPr lang="en-US" sz="1800" dirty="0" err="1" smtClean="0"/>
+              <a:t>os</a:t>
+            </a:r>
+            <a:r>
+              <a:rPr lang="en-US" sz="1800" dirty="0" smtClean="0"/>
+              <a:t> </a:t>
+            </a:r>
+            <a:r>
+              <a:rPr lang="en-US" sz="1800" dirty="0" err="1" smtClean="0"/>
+              <a:t>braços</a:t>
+            </a:r>
+            <a:r>
+              <a:rPr lang="en-US" sz="1800" dirty="0" smtClean="0"/>
+              <a:t> </a:t>
+            </a:r>
+            <a:r>
+              <a:rPr lang="en-US" sz="1800" dirty="0" err="1" smtClean="0"/>
+              <a:t>possuirão</a:t>
+            </a:r>
+            <a:r>
+              <a:rPr lang="en-US" sz="1800" dirty="0" smtClean="0"/>
+              <a:t> </a:t>
+            </a:r>
+            <a:r>
+              <a:rPr lang="en-US" sz="1800" dirty="0" err="1" smtClean="0"/>
+              <a:t>mesmo</a:t>
+            </a:r>
+            <a:r>
+              <a:rPr lang="en-US" sz="1800" dirty="0" smtClean="0"/>
+              <a:t> </a:t>
+            </a:r>
+            <a:r>
+              <a:rPr lang="en-US" sz="1800" dirty="0" err="1" smtClean="0"/>
+              <a:t>formato</a:t>
+            </a:r>
+            <a:r>
+              <a:rPr lang="en-US" sz="1800" dirty="0" smtClean="0"/>
+              <a:t> do </a:t>
+            </a:r>
+            <a:r>
+              <a:rPr lang="en-US" sz="1800" dirty="0" err="1" smtClean="0"/>
+              <a:t>corpo</a:t>
+            </a:r>
+            <a:r>
+              <a:rPr lang="en-US" sz="1800" dirty="0" smtClean="0"/>
+              <a:t>, com 6 </a:t>
+            </a:r>
+            <a:r>
+              <a:rPr lang="en-US" sz="1800" dirty="0" err="1" smtClean="0"/>
+              <a:t>graus</a:t>
+            </a:r>
+            <a:r>
+              <a:rPr lang="en-US" sz="1800" dirty="0" smtClean="0"/>
+              <a:t> de </a:t>
+            </a:r>
+            <a:r>
+              <a:rPr lang="en-US" sz="1800" dirty="0" err="1" smtClean="0"/>
+              <a:t>liberdade</a:t>
+            </a:r>
+            <a:r>
+              <a:rPr lang="en-US" sz="1800" dirty="0" smtClean="0"/>
+              <a:t>;</a:t>
+            </a:r>
+          </a:p>
+          <a:p>
+            <a:pPr marL="285750" indent="-285750">
+              <a:buFont typeface="Arial" pitchFamily="34" charset="0"/>
+              <a:buChar char="•"/>
+            </a:pPr>
+            <a:r>
+              <a:rPr lang="en-US" sz="1800" dirty="0" smtClean="0"/>
+              <a:t>Um dos </a:t>
+            </a:r>
+            <a:r>
+              <a:rPr lang="en-US" sz="1800" dirty="0" err="1" smtClean="0"/>
+              <a:t>braços</a:t>
+            </a:r>
+            <a:r>
+              <a:rPr lang="en-US" sz="1800" dirty="0" smtClean="0"/>
+              <a:t> </a:t>
+            </a:r>
+            <a:r>
+              <a:rPr lang="en-US" sz="1800" dirty="0" err="1" smtClean="0"/>
+              <a:t>possui</a:t>
+            </a:r>
+            <a:r>
+              <a:rPr lang="en-US" sz="1800" dirty="0" smtClean="0"/>
+              <a:t> </a:t>
+            </a:r>
+            <a:r>
+              <a:rPr lang="en-US" sz="1800" dirty="0" err="1" smtClean="0"/>
+              <a:t>uma</a:t>
+            </a:r>
+            <a:r>
+              <a:rPr lang="en-US" sz="1800" dirty="0" smtClean="0"/>
+              <a:t> </a:t>
+            </a:r>
+            <a:r>
+              <a:rPr lang="en-US" sz="1800" dirty="0" err="1" smtClean="0"/>
+              <a:t>Garra</a:t>
+            </a:r>
+            <a:r>
+              <a:rPr lang="en-US" sz="1800" dirty="0" smtClean="0"/>
+              <a:t>, o outro um Joystick, </a:t>
+            </a:r>
+            <a:r>
+              <a:rPr lang="en-US" sz="1800" dirty="0" err="1" smtClean="0"/>
+              <a:t>acoplados</a:t>
+            </a:r>
+            <a:r>
+              <a:rPr lang="en-US" sz="1800" dirty="0" smtClean="0"/>
+              <a:t> </a:t>
+            </a:r>
+            <a:r>
+              <a:rPr lang="en-US" sz="1800" dirty="0" err="1" smtClean="0"/>
+              <a:t>nas</a:t>
+            </a:r>
+            <a:r>
+              <a:rPr lang="en-US" sz="1800" dirty="0" smtClean="0"/>
+              <a:t> </a:t>
+            </a:r>
+            <a:r>
+              <a:rPr lang="en-US" sz="1800" dirty="0" err="1" smtClean="0"/>
+              <a:t>extremidades</a:t>
+            </a:r>
+            <a:r>
+              <a:rPr lang="en-US" sz="1800" dirty="0" smtClean="0"/>
+              <a:t> dos </a:t>
+            </a:r>
+            <a:r>
+              <a:rPr lang="en-US" sz="1800" dirty="0" err="1" smtClean="0"/>
+              <a:t>braços</a:t>
+            </a:r>
+            <a:r>
+              <a:rPr lang="en-US" sz="1800" dirty="0" smtClean="0"/>
+              <a:t>;</a:t>
+            </a:r>
+          </a:p>
+          <a:p>
+            <a:pPr marL="285750" indent="-285750">
+              <a:buFont typeface="Arial" pitchFamily="34" charset="0"/>
+              <a:buChar char="•"/>
+            </a:pPr>
+            <a:endParaRPr lang="en-US" sz="1800" dirty="0" smtClean="0"/>
+          </a:p>
+          <a:p>
+            <a:pPr marL="285750" indent="-285750">
+              <a:buFont typeface="Arial" pitchFamily="34" charset="0"/>
+              <a:buChar char="•"/>
+            </a:pPr>
+            <a:endParaRPr lang="en-US" sz="1800" dirty="0"/>
           </a:p>
         </p:txBody>
       </p:sp>
@@ -15545,28 +16177,12 @@
               <a:rPr lang="en-US" noProof="0" dirty="0" smtClean="0"/>
             </a:br>
             <a:r>
-              <a:rPr lang="en-US" b="0" dirty="0" err="1" smtClean="0">
+              <a:rPr lang="en-US" b="0" dirty="0" smtClean="0">
                 <a:solidFill>
                   <a:schemeClr val="tx1"/>
                 </a:solidFill>
               </a:rPr>
-              <a:t>Softwares</a:t>
-            </a:r>
-            <a:r>
-              <a:rPr lang="en-US" b="0" dirty="0" smtClean="0">
-                <a:solidFill>
-                  <a:schemeClr val="tx1"/>
-                </a:solidFill>
-              </a:rPr>
-              <a:t> </a:t>
-            </a:r>
-            <a:r>
-              <a:rPr lang="en-US" b="0" dirty="0" err="1" smtClean="0">
-                <a:solidFill>
-                  <a:schemeClr val="tx1"/>
-                </a:solidFill>
-              </a:rPr>
-              <a:t>Utilizados</a:t>
+              <a:t>Hardware</a:t>
             </a:r>
             <a:endParaRPr lang="en-US" noProof="0" dirty="0"/>
           </a:p>
@@ -15658,129 +16274,6 @@
           </a:p>
         </p:txBody>
       </p:sp>
-      <p:pic>
-        <p:nvPicPr>
-          <p:cNvPr id="2050" name="Picture 2" descr="Z:\Users\Raphael\Desktop\TCC_git\02_Apresentações_Documentação\Imagens\gazebo_vert-f8ad1a52e3f233c2ff74fb43ee770f75.png"/>
-          <p:cNvPicPr>
-            <a:picLocks noChangeAspect="1" noChangeArrowheads="1"/>
-          </p:cNvPicPr>
-          <p:nvPr/>
-        </p:nvPicPr>
-        <p:blipFill>
-          <a:blip r:embed="rId2">
-            <a:extLst>
-              <a:ext uri="{28A0092B-C50C-407E-A947-70E740481C1C}">
-                <a14:useLocalDpi xmlns:a14="http://schemas.microsoft.com/office/drawing/2010/main" val="0"/>
-              </a:ext>
-            </a:extLst>
-          </a:blip>
-          <a:srcRect/>
-          <a:stretch>
-            <a:fillRect/>
-          </a:stretch>
-        </p:blipFill>
-        <p:spPr bwMode="auto">
-          <a:xfrm>
-            <a:off x="6192192" y="2060848"/>
-            <a:ext cx="1016297" cy="1460279"/>
-          </a:xfrm>
-          <a:prstGeom prst="rect">
-            <a:avLst/>
-          </a:prstGeom>
-          <a:noFill/>
-          <a:extLst>
-            <a:ext uri="{909E8E84-426E-40DD-AFC4-6F175D3DCCD1}">
-              <a14:hiddenFill xmlns:a14="http://schemas.microsoft.com/office/drawing/2010/main">
-                <a:solidFill>
-                  <a:srgbClr val="FFFFFF"/>
-                </a:solidFill>
-              </a14:hiddenFill>
-            </a:ext>
-          </a:extLst>
-        </p:spPr>
-      </p:pic>
-      <p:pic>
-        <p:nvPicPr>
-          <p:cNvPr id="2051" name="Picture 3" descr="Z:\Users\Raphael\Desktop\TCC_git\02_Apresentações_Documentação\Imagens\ros_org.png"/>
-          <p:cNvPicPr>
-            <a:picLocks noChangeAspect="1" noChangeArrowheads="1"/>
-          </p:cNvPicPr>
-          <p:nvPr/>
-        </p:nvPicPr>
-        <p:blipFill>
-          <a:blip r:embed="rId3">
-            <a:extLst>
-              <a:ext uri="{28A0092B-C50C-407E-A947-70E740481C1C}">
-                <a14:useLocalDpi xmlns:a14="http://schemas.microsoft.com/office/drawing/2010/main" val="0"/>
-              </a:ext>
-            </a:extLst>
-          </a:blip>
-          <a:srcRect/>
-          <a:stretch>
-            <a:fillRect/>
-          </a:stretch>
-        </p:blipFill>
-        <p:spPr bwMode="auto">
-          <a:xfrm>
-            <a:off x="5876355" y="1461364"/>
-            <a:ext cx="1647973" cy="353137"/>
-          </a:xfrm>
-          <a:prstGeom prst="rect">
-            <a:avLst/>
-          </a:prstGeom>
-          <a:noFill/>
-          <a:extLst>
-            <a:ext uri="{909E8E84-426E-40DD-AFC4-6F175D3DCCD1}">
-              <a14:hiddenFill xmlns:a14="http://schemas.microsoft.com/office/drawing/2010/main">
-                <a:solidFill>
-                  <a:srgbClr val="FFFFFF"/>
-                </a:solidFill>
-              </a14:hiddenFill>
-            </a:ext>
-          </a:extLst>
-        </p:spPr>
-      </p:pic>
-      <p:pic>
-        <p:nvPicPr>
-          <p:cNvPr id="2052" name="Picture 4" descr="Z:\Users\Raphael\Desktop\TCC_git\02_Apresentações_Documentação\Imagens\arduino-logo.png"/>
-          <p:cNvPicPr>
-            <a:picLocks noChangeAspect="1" noChangeArrowheads="1"/>
-          </p:cNvPicPr>
-          <p:nvPr/>
-        </p:nvPicPr>
-        <p:blipFill>
-          <a:blip r:embed="rId4">
-            <a:extLst>
-              <a:ext uri="{28A0092B-C50C-407E-A947-70E740481C1C}">
-                <a14:useLocalDpi xmlns:a14="http://schemas.microsoft.com/office/drawing/2010/main" val="0"/>
-              </a:ext>
-            </a:extLst>
-          </a:blip>
-          <a:srcRect/>
-          <a:stretch>
-            <a:fillRect/>
-          </a:stretch>
-        </p:blipFill>
-        <p:spPr bwMode="auto">
-          <a:xfrm>
-            <a:off x="6044593" y="3781842"/>
-            <a:ext cx="1311493" cy="1259033"/>
-          </a:xfrm>
-          <a:prstGeom prst="rect">
-            <a:avLst/>
-          </a:prstGeom>
-          <a:noFill/>
-          <a:extLst>
-            <a:ext uri="{909E8E84-426E-40DD-AFC4-6F175D3DCCD1}">
-              <a14:hiddenFill xmlns:a14="http://schemas.microsoft.com/office/drawing/2010/main">
-                <a:solidFill>
-                  <a:srgbClr val="FFFFFF"/>
-                </a:solidFill>
-              </a14:hiddenFill>
-            </a:ext>
-          </a:extLst>
-        </p:spPr>
-      </p:pic>
       <p:sp>
         <p:nvSpPr>
           <p:cNvPr id="10" name="Inhaltsplatzhalter 1"/>
@@ -15995,37 +16488,231 @@
               <a:buChar char="•"/>
             </a:pPr>
             <a:r>
-              <a:rPr lang="en-US" dirty="0" err="1" smtClean="0"/>
-              <a:t>Breve</a:t>
-            </a:r>
-            <a:r>
-              <a:rPr lang="en-US" dirty="0" smtClean="0"/>
+              <a:rPr lang="en-US" sz="1800" dirty="0" smtClean="0"/>
+              <a:t>Para </a:t>
+            </a:r>
+            <a:r>
+              <a:rPr lang="en-US" sz="1800" dirty="0" err="1" smtClean="0"/>
+              <a:t>cada</a:t>
+            </a:r>
+            <a:r>
+              <a:rPr lang="en-US" sz="1800" dirty="0" smtClean="0"/>
               <a:t> </a:t>
             </a:r>
             <a:r>
-              <a:rPr lang="en-US" dirty="0" err="1" smtClean="0"/>
-              <a:t>descrição</a:t>
-            </a:r>
-            <a:r>
-              <a:rPr lang="en-US" dirty="0" smtClean="0"/>
+              <a:rPr lang="en-US" sz="1800" dirty="0" err="1" smtClean="0"/>
+              <a:t>grau</a:t>
+            </a:r>
+            <a:r>
+              <a:rPr lang="en-US" sz="1800" dirty="0" smtClean="0"/>
               <a:t> de </a:t>
             </a:r>
             <a:r>
-              <a:rPr lang="en-US" dirty="0" err="1" smtClean="0"/>
-              <a:t>cada</a:t>
-            </a:r>
-            <a:r>
-              <a:rPr lang="en-US" dirty="0" smtClean="0"/>
-              <a:t> SW</a:t>
-            </a:r>
-            <a:endParaRPr lang="en-US" dirty="0"/>
+              <a:rPr lang="en-US" sz="1800" dirty="0" err="1" smtClean="0"/>
+              <a:t>liberdade</a:t>
+            </a:r>
+            <a:r>
+              <a:rPr lang="en-US" sz="1800" dirty="0" smtClean="0"/>
+              <a:t>, </a:t>
+            </a:r>
+            <a:r>
+              <a:rPr lang="en-US" sz="1800" dirty="0" err="1" smtClean="0"/>
+              <a:t>será</a:t>
+            </a:r>
+            <a:r>
+              <a:rPr lang="en-US" sz="1800" dirty="0" smtClean="0"/>
+              <a:t> </a:t>
+            </a:r>
+            <a:r>
+              <a:rPr lang="en-US" sz="1800" dirty="0" err="1" smtClean="0"/>
+              <a:t>utilizad</a:t>
+            </a:r>
+            <a:r>
+              <a:rPr lang="en-US" sz="1800" dirty="0" err="1" smtClean="0"/>
+              <a:t>o</a:t>
+            </a:r>
+            <a:r>
+              <a:rPr lang="en-US" sz="1800" dirty="0" smtClean="0"/>
+              <a:t> um servo motor de </a:t>
+            </a:r>
+            <a:r>
+              <a:rPr lang="en-US" sz="1800" dirty="0" err="1" smtClean="0"/>
+              <a:t>robótica</a:t>
+            </a:r>
+            <a:r>
+              <a:rPr lang="en-US" sz="1800" dirty="0" smtClean="0"/>
+              <a:t>;</a:t>
+            </a:r>
+            <a:endParaRPr lang="en-US" sz="1800" dirty="0" smtClean="0"/>
+          </a:p>
+          <a:p>
+            <a:pPr marL="285750" indent="-285750">
+              <a:buFont typeface="Arial" pitchFamily="34" charset="0"/>
+              <a:buChar char="•"/>
+            </a:pPr>
+            <a:r>
+              <a:rPr lang="en-US" sz="1800" dirty="0" smtClean="0"/>
+              <a:t>Ambos </a:t>
+            </a:r>
+            <a:r>
+              <a:rPr lang="en-US" sz="1800" dirty="0" err="1" smtClean="0"/>
+              <a:t>os</a:t>
+            </a:r>
+            <a:r>
+              <a:rPr lang="en-US" sz="1800" dirty="0" smtClean="0"/>
+              <a:t> </a:t>
+            </a:r>
+            <a:r>
+              <a:rPr lang="en-US" sz="1800" dirty="0" err="1" smtClean="0"/>
+              <a:t>braços</a:t>
+            </a:r>
+            <a:r>
+              <a:rPr lang="en-US" sz="1800" dirty="0" smtClean="0"/>
+              <a:t> </a:t>
+            </a:r>
+            <a:r>
+              <a:rPr lang="en-US" sz="1800" dirty="0" err="1" smtClean="0"/>
+              <a:t>possuirão</a:t>
+            </a:r>
+            <a:r>
+              <a:rPr lang="en-US" sz="1800" dirty="0" smtClean="0"/>
+              <a:t> </a:t>
+            </a:r>
+            <a:r>
+              <a:rPr lang="en-US" sz="1800" dirty="0" err="1" smtClean="0"/>
+              <a:t>mesmo</a:t>
+            </a:r>
+            <a:r>
+              <a:rPr lang="en-US" sz="1800" dirty="0" smtClean="0"/>
+              <a:t> </a:t>
+            </a:r>
+            <a:r>
+              <a:rPr lang="en-US" sz="1800" dirty="0" err="1" smtClean="0"/>
+              <a:t>formato</a:t>
+            </a:r>
+            <a:r>
+              <a:rPr lang="en-US" sz="1800" dirty="0" smtClean="0"/>
+              <a:t> do </a:t>
+            </a:r>
+            <a:r>
+              <a:rPr lang="en-US" sz="1800" dirty="0" err="1" smtClean="0"/>
+              <a:t>corpo</a:t>
+            </a:r>
+            <a:r>
+              <a:rPr lang="en-US" sz="1800" dirty="0" smtClean="0"/>
+              <a:t>, com 6 </a:t>
+            </a:r>
+            <a:r>
+              <a:rPr lang="en-US" sz="1800" dirty="0" err="1" smtClean="0"/>
+              <a:t>graus</a:t>
+            </a:r>
+            <a:r>
+              <a:rPr lang="en-US" sz="1800" dirty="0" smtClean="0"/>
+              <a:t> de </a:t>
+            </a:r>
+            <a:r>
+              <a:rPr lang="en-US" sz="1800" dirty="0" err="1" smtClean="0"/>
+              <a:t>liberdade</a:t>
+            </a:r>
+            <a:r>
+              <a:rPr lang="en-US" sz="1800" dirty="0" smtClean="0"/>
+              <a:t>;</a:t>
+            </a:r>
+          </a:p>
+          <a:p>
+            <a:pPr marL="285750" indent="-285750">
+              <a:buFont typeface="Arial" pitchFamily="34" charset="0"/>
+              <a:buChar char="•"/>
+            </a:pPr>
+            <a:r>
+              <a:rPr lang="en-US" sz="1800" dirty="0" smtClean="0"/>
+              <a:t>Um dos </a:t>
+            </a:r>
+            <a:r>
+              <a:rPr lang="en-US" sz="1800" dirty="0" err="1" smtClean="0"/>
+              <a:t>braços</a:t>
+            </a:r>
+            <a:r>
+              <a:rPr lang="en-US" sz="1800" dirty="0" smtClean="0"/>
+              <a:t> </a:t>
+            </a:r>
+            <a:r>
+              <a:rPr lang="en-US" sz="1800" dirty="0" err="1" smtClean="0"/>
+              <a:t>possui</a:t>
+            </a:r>
+            <a:r>
+              <a:rPr lang="en-US" sz="1800" dirty="0" smtClean="0"/>
+              <a:t> </a:t>
+            </a:r>
+            <a:r>
+              <a:rPr lang="en-US" sz="1800" dirty="0" err="1" smtClean="0"/>
+              <a:t>uma</a:t>
+            </a:r>
+            <a:r>
+              <a:rPr lang="en-US" sz="1800" dirty="0" smtClean="0"/>
+              <a:t> </a:t>
+            </a:r>
+            <a:r>
+              <a:rPr lang="en-US" sz="1800" dirty="0" err="1" smtClean="0"/>
+              <a:t>Garra</a:t>
+            </a:r>
+            <a:r>
+              <a:rPr lang="en-US" sz="1800" dirty="0" smtClean="0"/>
+              <a:t>, o outro um Joystick, </a:t>
+            </a:r>
+            <a:r>
+              <a:rPr lang="en-US" sz="1800" dirty="0" err="1" smtClean="0"/>
+              <a:t>acoplados</a:t>
+            </a:r>
+            <a:r>
+              <a:rPr lang="en-US" sz="1800" dirty="0" smtClean="0"/>
+              <a:t> </a:t>
+            </a:r>
+            <a:r>
+              <a:rPr lang="en-US" sz="1800" dirty="0" err="1" smtClean="0"/>
+              <a:t>nas</a:t>
+            </a:r>
+            <a:r>
+              <a:rPr lang="en-US" sz="1800" dirty="0" smtClean="0"/>
+              <a:t> </a:t>
+            </a:r>
+            <a:r>
+              <a:rPr lang="en-US" sz="1800" dirty="0" err="1" smtClean="0"/>
+              <a:t>extremidades</a:t>
+            </a:r>
+            <a:r>
+              <a:rPr lang="en-US" sz="1800" dirty="0" smtClean="0"/>
+              <a:t> dos </a:t>
+            </a:r>
+            <a:r>
+              <a:rPr lang="en-US" sz="1800" dirty="0" err="1" smtClean="0"/>
+              <a:t>braços</a:t>
+            </a:r>
+            <a:r>
+              <a:rPr lang="en-US" sz="1800" dirty="0" smtClean="0"/>
+              <a:t>;</a:t>
+            </a:r>
+          </a:p>
+          <a:p>
+            <a:pPr marL="285750" indent="-285750">
+              <a:buFont typeface="Arial" pitchFamily="34" charset="0"/>
+              <a:buChar char="•"/>
+            </a:pPr>
+            <a:endParaRPr lang="en-US" sz="1800" dirty="0" smtClean="0"/>
+          </a:p>
+          <a:p>
+            <a:pPr marL="285750" indent="-285750">
+              <a:buFont typeface="Arial" pitchFamily="34" charset="0"/>
+              <a:buChar char="•"/>
+            </a:pPr>
+            <a:endParaRPr lang="en-US" sz="1800" dirty="0"/>
           </a:p>
         </p:txBody>
       </p:sp>
     </p:spTree>
     <p:extLst>
       <p:ext uri="{BB962C8B-B14F-4D97-AF65-F5344CB8AC3E}">
-        <p14:creationId xmlns:p14="http://schemas.microsoft.com/office/powerpoint/2010/main" val="1670688319"/>
+        <p14:creationId xmlns:p14="http://schemas.microsoft.com/office/powerpoint/2010/main" val="1684379564"/>
       </p:ext>
     </p:extLst>
   </p:cSld>
@@ -16078,8 +16765,8 @@
           <a:lstStyle/>
           <a:p>
             <a:r>
-              <a:rPr lang="en-US" noProof="0" dirty="0" smtClean="0"/>
-              <a:t>for your attention!</a:t>
+              <a:rPr lang="en-US" dirty="0" smtClean="0"/>
+              <a:t> </a:t>
             </a:r>
             <a:endParaRPr lang="en-US" noProof="0" dirty="0"/>
           </a:p>
@@ -16101,10 +16788,41 @@
           <a:lstStyle/>
           <a:p>
             <a:r>
-              <a:rPr lang="en-US" noProof="0" smtClean="0"/>
-              <a:t>Thank you</a:t>
-            </a:r>
-            <a:endParaRPr lang="en-US" noProof="0"/>
+              <a:rPr lang="en-US" noProof="0" dirty="0" err="1" smtClean="0"/>
+              <a:t>Escopo</a:t>
+            </a:r>
+            <a:r>
+              <a:rPr lang="en-US" noProof="0" dirty="0" smtClean="0"/>
+              <a:t/>
+            </a:r>
+            <a:br>
+              <a:rPr lang="en-US" noProof="0" dirty="0" smtClean="0"/>
+            </a:br>
+            <a:r>
+              <a:rPr lang="en-US" b="0" dirty="0" err="1" smtClean="0">
+                <a:solidFill>
+                  <a:schemeClr val="tx1"/>
+                </a:solidFill>
+              </a:rPr>
+              <a:t>Softwares</a:t>
+            </a:r>
+            <a:r>
+              <a:rPr lang="en-US" b="0" dirty="0" smtClean="0">
+                <a:solidFill>
+                  <a:schemeClr val="tx1"/>
+                </a:solidFill>
+              </a:rPr>
+              <a:t> </a:t>
+            </a:r>
+            <a:r>
+              <a:rPr lang="en-US" b="0" dirty="0" err="1" smtClean="0">
+                <a:solidFill>
+                  <a:schemeClr val="tx1"/>
+                </a:solidFill>
+              </a:rPr>
+              <a:t>Utilizados</a:t>
+            </a:r>
+            <a:endParaRPr lang="en-US" noProof="0" dirty="0"/>
           </a:p>
         </p:txBody>
       </p:sp>
@@ -16128,12 +16846,12 @@
           <a:bodyPr/>
           <a:lstStyle/>
           <a:p>
-            <a:fld id="{D6E3E337-305E-4483-824B-4A86B40D6007}" type="datetime3">
-              <a:rPr lang="en-US" smtClean="0"/>
+            <a:fld id="{7F9C1E94-159A-4641-9F0D-50D37F25F1C9}" type="datetime3">
+              <a:rPr lang="en-US" noProof="0" smtClean="0"/>
               <a:pPr/>
               <a:t>27 August 2014</a:t>
             </a:fld>
-            <a:endParaRPr lang="en-US"/>
+            <a:endParaRPr lang="en-US" noProof="0"/>
           </a:p>
         </p:txBody>
       </p:sp>
@@ -16158,11 +16876,11 @@
           <a:lstStyle/>
           <a:p>
             <a:fld id="{ADA48181-2C78-49CB-8C52-912A07842C2E}" type="slidenum">
-              <a:rPr lang="en-US" smtClean="0"/>
+              <a:rPr lang="en-US" noProof="0" smtClean="0"/>
               <a:pPr/>
               <a:t>5</a:t>
             </a:fld>
-            <a:endParaRPr lang="en-US"/>
+            <a:endParaRPr lang="en-US" noProof="0"/>
           </a:p>
         </p:txBody>
       </p:sp>
@@ -16187,8 +16905,372 @@
           <a:lstStyle/>
           <a:p>
             <a:r>
-              <a:rPr lang="en-US" smtClean="0"/>
+              <a:rPr lang="en-US" noProof="0" smtClean="0"/>
               <a:t>Author, © Continental AG</a:t>
+            </a:r>
+            <a:endParaRPr lang="en-US" noProof="0" dirty="0"/>
+          </a:p>
+        </p:txBody>
+      </p:sp>
+      <p:pic>
+        <p:nvPicPr>
+          <p:cNvPr id="2050" name="Picture 2" descr="Z:\Users\Raphael\Desktop\TCC_git\02_Apresentações_Documentação\Imagens\gazebo_vert-f8ad1a52e3f233c2ff74fb43ee770f75.png"/>
+          <p:cNvPicPr>
+            <a:picLocks noChangeAspect="1" noChangeArrowheads="1"/>
+          </p:cNvPicPr>
+          <p:nvPr/>
+        </p:nvPicPr>
+        <p:blipFill>
+          <a:blip r:embed="rId2">
+            <a:extLst>
+              <a:ext uri="{28A0092B-C50C-407E-A947-70E740481C1C}">
+                <a14:useLocalDpi xmlns:a14="http://schemas.microsoft.com/office/drawing/2010/main" val="0"/>
+              </a:ext>
+            </a:extLst>
+          </a:blip>
+          <a:srcRect/>
+          <a:stretch>
+            <a:fillRect/>
+          </a:stretch>
+        </p:blipFill>
+        <p:spPr bwMode="auto">
+          <a:xfrm>
+            <a:off x="6192192" y="2060848"/>
+            <a:ext cx="1016297" cy="1460279"/>
+          </a:xfrm>
+          <a:prstGeom prst="rect">
+            <a:avLst/>
+          </a:prstGeom>
+          <a:noFill/>
+          <a:extLst>
+            <a:ext uri="{909E8E84-426E-40DD-AFC4-6F175D3DCCD1}">
+              <a14:hiddenFill xmlns:a14="http://schemas.microsoft.com/office/drawing/2010/main">
+                <a:solidFill>
+                  <a:srgbClr val="FFFFFF"/>
+                </a:solidFill>
+              </a14:hiddenFill>
+            </a:ext>
+          </a:extLst>
+        </p:spPr>
+      </p:pic>
+      <p:pic>
+        <p:nvPicPr>
+          <p:cNvPr id="2051" name="Picture 3" descr="Z:\Users\Raphael\Desktop\TCC_git\02_Apresentações_Documentação\Imagens\ros_org.png"/>
+          <p:cNvPicPr>
+            <a:picLocks noChangeAspect="1" noChangeArrowheads="1"/>
+          </p:cNvPicPr>
+          <p:nvPr/>
+        </p:nvPicPr>
+        <p:blipFill>
+          <a:blip r:embed="rId3">
+            <a:extLst>
+              <a:ext uri="{28A0092B-C50C-407E-A947-70E740481C1C}">
+                <a14:useLocalDpi xmlns:a14="http://schemas.microsoft.com/office/drawing/2010/main" val="0"/>
+              </a:ext>
+            </a:extLst>
+          </a:blip>
+          <a:srcRect/>
+          <a:stretch>
+            <a:fillRect/>
+          </a:stretch>
+        </p:blipFill>
+        <p:spPr bwMode="auto">
+          <a:xfrm>
+            <a:off x="5876355" y="1461364"/>
+            <a:ext cx="1647973" cy="353137"/>
+          </a:xfrm>
+          <a:prstGeom prst="rect">
+            <a:avLst/>
+          </a:prstGeom>
+          <a:noFill/>
+          <a:extLst>
+            <a:ext uri="{909E8E84-426E-40DD-AFC4-6F175D3DCCD1}">
+              <a14:hiddenFill xmlns:a14="http://schemas.microsoft.com/office/drawing/2010/main">
+                <a:solidFill>
+                  <a:srgbClr val="FFFFFF"/>
+                </a:solidFill>
+              </a14:hiddenFill>
+            </a:ext>
+          </a:extLst>
+        </p:spPr>
+      </p:pic>
+      <p:pic>
+        <p:nvPicPr>
+          <p:cNvPr id="2052" name="Picture 4" descr="Z:\Users\Raphael\Desktop\TCC_git\02_Apresentações_Documentação\Imagens\arduino-logo.png"/>
+          <p:cNvPicPr>
+            <a:picLocks noChangeAspect="1" noChangeArrowheads="1"/>
+          </p:cNvPicPr>
+          <p:nvPr/>
+        </p:nvPicPr>
+        <p:blipFill>
+          <a:blip r:embed="rId4">
+            <a:extLst>
+              <a:ext uri="{28A0092B-C50C-407E-A947-70E740481C1C}">
+                <a14:useLocalDpi xmlns:a14="http://schemas.microsoft.com/office/drawing/2010/main" val="0"/>
+              </a:ext>
+            </a:extLst>
+          </a:blip>
+          <a:srcRect/>
+          <a:stretch>
+            <a:fillRect/>
+          </a:stretch>
+        </p:blipFill>
+        <p:spPr bwMode="auto">
+          <a:xfrm>
+            <a:off x="6044593" y="3781842"/>
+            <a:ext cx="1311493" cy="1259033"/>
+          </a:xfrm>
+          <a:prstGeom prst="rect">
+            <a:avLst/>
+          </a:prstGeom>
+          <a:noFill/>
+          <a:extLst>
+            <a:ext uri="{909E8E84-426E-40DD-AFC4-6F175D3DCCD1}">
+              <a14:hiddenFill xmlns:a14="http://schemas.microsoft.com/office/drawing/2010/main">
+                <a:solidFill>
+                  <a:srgbClr val="FFFFFF"/>
+                </a:solidFill>
+              </a14:hiddenFill>
+            </a:ext>
+          </a:extLst>
+        </p:spPr>
+      </p:pic>
+      <p:sp>
+        <p:nvSpPr>
+          <p:cNvPr id="10" name="Inhaltsplatzhalter 1"/>
+          <p:cNvSpPr txBox="1">
+            <a:spLocks/>
+          </p:cNvSpPr>
+          <p:nvPr/>
+        </p:nvSpPr>
+        <p:spPr>
+          <a:xfrm>
+            <a:off x="547688" y="1493837"/>
+            <a:ext cx="8353425" cy="4535487"/>
+          </a:xfrm>
+          <a:prstGeom prst="rect">
+            <a:avLst/>
+          </a:prstGeom>
+        </p:spPr>
+        <p:txBody>
+          <a:bodyPr vert="horz" lIns="0" tIns="18000" rIns="0" bIns="18000" rtlCol="0">
+            <a:normAutofit/>
+          </a:bodyPr>
+          <a:lstStyle>
+            <a:lvl1pPr marL="0" indent="0" algn="l" defTabSz="914400" rtl="0" eaLnBrk="1" latinLnBrk="0" hangingPunct="1">
+              <a:lnSpc>
+                <a:spcPct val="113000"/>
+              </a:lnSpc>
+              <a:spcBef>
+                <a:spcPts val="0"/>
+              </a:spcBef>
+              <a:spcAft>
+                <a:spcPts val="1200"/>
+              </a:spcAft>
+              <a:buClr>
+                <a:schemeClr val="accent1"/>
+              </a:buClr>
+              <a:buSzPct val="125000"/>
+              <a:buFont typeface="Arial" pitchFamily="34" charset="0"/>
+              <a:buNone/>
+              <a:defRPr sz="1600" b="0" kern="1200">
+                <a:solidFill>
+                  <a:schemeClr val="tx1"/>
+                </a:solidFill>
+                <a:latin typeface="+mn-lt"/>
+                <a:ea typeface="+mn-ea"/>
+                <a:cs typeface="Arial" pitchFamily="34" charset="0"/>
+              </a:defRPr>
+            </a:lvl1pPr>
+            <a:lvl2pPr marL="184150" indent="-184150" algn="l" defTabSz="914400" rtl="0" eaLnBrk="1" latinLnBrk="0" hangingPunct="1">
+              <a:lnSpc>
+                <a:spcPct val="113000"/>
+              </a:lnSpc>
+              <a:spcBef>
+                <a:spcPts val="0"/>
+              </a:spcBef>
+              <a:spcAft>
+                <a:spcPts val="1200"/>
+              </a:spcAft>
+              <a:buClr>
+                <a:schemeClr val="accent1"/>
+              </a:buClr>
+              <a:buSzPct val="125000"/>
+              <a:buFont typeface="Arial" pitchFamily="34" charset="0"/>
+              <a:buChar char="›"/>
+              <a:defRPr sz="1600" b="0" kern="1200">
+                <a:solidFill>
+                  <a:schemeClr val="tx1"/>
+                </a:solidFill>
+                <a:latin typeface="+mn-lt"/>
+                <a:ea typeface="+mn-ea"/>
+                <a:cs typeface="Arial" pitchFamily="34" charset="0"/>
+              </a:defRPr>
+            </a:lvl2pPr>
+            <a:lvl3pPr marL="539750" indent="-177800" algn="l" defTabSz="914400" rtl="0" eaLnBrk="1" latinLnBrk="0" hangingPunct="1">
+              <a:lnSpc>
+                <a:spcPct val="113000"/>
+              </a:lnSpc>
+              <a:spcBef>
+                <a:spcPts val="0"/>
+              </a:spcBef>
+              <a:spcAft>
+                <a:spcPts val="1200"/>
+              </a:spcAft>
+              <a:buClr>
+                <a:schemeClr val="accent1"/>
+              </a:buClr>
+              <a:buSzPct val="125000"/>
+              <a:buFont typeface="Arial" pitchFamily="34" charset="0"/>
+              <a:buChar char="›"/>
+              <a:defRPr sz="1600" b="0" kern="1200">
+                <a:solidFill>
+                  <a:schemeClr val="tx1"/>
+                </a:solidFill>
+                <a:latin typeface="+mn-lt"/>
+                <a:ea typeface="+mn-ea"/>
+                <a:cs typeface="Arial" pitchFamily="34" charset="0"/>
+              </a:defRPr>
+            </a:lvl3pPr>
+            <a:lvl4pPr marL="895350" indent="-179388" algn="l" defTabSz="914400" rtl="0" eaLnBrk="1" latinLnBrk="0" hangingPunct="1">
+              <a:lnSpc>
+                <a:spcPct val="113000"/>
+              </a:lnSpc>
+              <a:spcBef>
+                <a:spcPts val="0"/>
+              </a:spcBef>
+              <a:spcAft>
+                <a:spcPts val="1200"/>
+              </a:spcAft>
+              <a:buClr>
+                <a:schemeClr val="accent1"/>
+              </a:buClr>
+              <a:buSzPct val="125000"/>
+              <a:buFont typeface="Arial" pitchFamily="34" charset="0"/>
+              <a:buChar char="›"/>
+              <a:defRPr sz="1600" b="0" kern="1200">
+                <a:solidFill>
+                  <a:schemeClr val="tx1"/>
+                </a:solidFill>
+                <a:latin typeface="+mn-lt"/>
+                <a:ea typeface="+mn-ea"/>
+                <a:cs typeface="Arial" pitchFamily="34" charset="0"/>
+              </a:defRPr>
+            </a:lvl4pPr>
+            <a:lvl5pPr marL="1257300" indent="-177800" algn="l" defTabSz="914400" rtl="0" eaLnBrk="1" latinLnBrk="0" hangingPunct="1">
+              <a:lnSpc>
+                <a:spcPct val="113000"/>
+              </a:lnSpc>
+              <a:spcBef>
+                <a:spcPts val="0"/>
+              </a:spcBef>
+              <a:spcAft>
+                <a:spcPts val="1200"/>
+              </a:spcAft>
+              <a:buClr>
+                <a:schemeClr val="accent1"/>
+              </a:buClr>
+              <a:buSzPct val="125000"/>
+              <a:buFont typeface="Arial" pitchFamily="34" charset="0"/>
+              <a:buChar char="›"/>
+              <a:defRPr sz="1600" b="0" kern="1200">
+                <a:solidFill>
+                  <a:schemeClr val="tx1"/>
+                </a:solidFill>
+                <a:latin typeface="+mn-lt"/>
+                <a:ea typeface="+mn-ea"/>
+                <a:cs typeface="Arial" pitchFamily="34" charset="0"/>
+              </a:defRPr>
+            </a:lvl5pPr>
+            <a:lvl6pPr marL="2514600" indent="-228600" algn="l" defTabSz="914400" rtl="0" eaLnBrk="1" latinLnBrk="0" hangingPunct="1">
+              <a:spcBef>
+                <a:spcPct val="20000"/>
+              </a:spcBef>
+              <a:buFont typeface="Arial" pitchFamily="34" charset="0"/>
+              <a:buChar char="•"/>
+              <a:defRPr sz="2000" kern="1200">
+                <a:solidFill>
+                  <a:schemeClr val="tx1"/>
+                </a:solidFill>
+                <a:latin typeface="+mn-lt"/>
+                <a:ea typeface="+mn-ea"/>
+                <a:cs typeface="+mn-cs"/>
+              </a:defRPr>
+            </a:lvl6pPr>
+            <a:lvl7pPr marL="2971800" indent="-228600" algn="l" defTabSz="914400" rtl="0" eaLnBrk="1" latinLnBrk="0" hangingPunct="1">
+              <a:spcBef>
+                <a:spcPct val="20000"/>
+              </a:spcBef>
+              <a:buFont typeface="Arial" pitchFamily="34" charset="0"/>
+              <a:buChar char="•"/>
+              <a:defRPr sz="2000" kern="1200">
+                <a:solidFill>
+                  <a:schemeClr val="tx1"/>
+                </a:solidFill>
+                <a:latin typeface="+mn-lt"/>
+                <a:ea typeface="+mn-ea"/>
+                <a:cs typeface="+mn-cs"/>
+              </a:defRPr>
+            </a:lvl7pPr>
+            <a:lvl8pPr marL="3429000" indent="-228600" algn="l" defTabSz="914400" rtl="0" eaLnBrk="1" latinLnBrk="0" hangingPunct="1">
+              <a:spcBef>
+                <a:spcPct val="20000"/>
+              </a:spcBef>
+              <a:buFont typeface="Arial" pitchFamily="34" charset="0"/>
+              <a:buChar char="•"/>
+              <a:defRPr sz="2000" kern="1200">
+                <a:solidFill>
+                  <a:schemeClr val="tx1"/>
+                </a:solidFill>
+                <a:latin typeface="+mn-lt"/>
+                <a:ea typeface="+mn-ea"/>
+                <a:cs typeface="+mn-cs"/>
+              </a:defRPr>
+            </a:lvl8pPr>
+            <a:lvl9pPr marL="3886200" indent="-228600" algn="l" defTabSz="914400" rtl="0" eaLnBrk="1" latinLnBrk="0" hangingPunct="1">
+              <a:spcBef>
+                <a:spcPct val="20000"/>
+              </a:spcBef>
+              <a:buFont typeface="Arial" pitchFamily="34" charset="0"/>
+              <a:buChar char="•"/>
+              <a:defRPr sz="2000" kern="1200">
+                <a:solidFill>
+                  <a:schemeClr val="tx1"/>
+                </a:solidFill>
+                <a:latin typeface="+mn-lt"/>
+                <a:ea typeface="+mn-ea"/>
+                <a:cs typeface="+mn-cs"/>
+              </a:defRPr>
+            </a:lvl9pPr>
+          </a:lstStyle>
+          <a:p>
+            <a:pPr marL="285750" indent="-285750">
+              <a:buFont typeface="Arial" pitchFamily="34" charset="0"/>
+              <a:buChar char="•"/>
+            </a:pPr>
+            <a:r>
+              <a:rPr lang="en-US" dirty="0" err="1" smtClean="0"/>
+              <a:t>Breve</a:t>
+            </a:r>
+            <a:r>
+              <a:rPr lang="en-US" dirty="0" smtClean="0"/>
+              <a:t> </a:t>
+            </a:r>
+            <a:r>
+              <a:rPr lang="en-US" dirty="0" err="1" smtClean="0"/>
+              <a:t>descrição</a:t>
+            </a:r>
+            <a:r>
+              <a:rPr lang="en-US" dirty="0" smtClean="0"/>
+              <a:t> de </a:t>
+            </a:r>
+            <a:r>
+              <a:rPr lang="en-US" dirty="0" err="1" smtClean="0"/>
+              <a:t>cada</a:t>
+            </a:r>
+            <a:r>
+              <a:rPr lang="en-US" dirty="0" smtClean="0"/>
+              <a:t> SW</a:t>
             </a:r>
             <a:endParaRPr lang="en-US" dirty="0"/>
           </a:p>
@@ -16197,7 +17279,7 @@
     </p:spTree>
     <p:extLst>
       <p:ext uri="{BB962C8B-B14F-4D97-AF65-F5344CB8AC3E}">
-        <p14:creationId xmlns:p14="http://schemas.microsoft.com/office/powerpoint/2010/main" val="2597202859"/>
+        <p14:creationId xmlns:p14="http://schemas.microsoft.com/office/powerpoint/2010/main" val="1670688319"/>
       </p:ext>
     </p:extLst>
   </p:cSld>
@@ -16218,7 +17300,7 @@
 </file>
 
 <file path=ppt/slides/slide6.xml><?xml version="1.0" encoding="utf-8"?>
-<p:sld xmlns:a="http://schemas.openxmlformats.org/drawingml/2006/main" xmlns:r="http://schemas.openxmlformats.org/officeDocument/2006/relationships" xmlns:p="http://schemas.openxmlformats.org/presentationml/2006/main" show="0">
+<p:sld xmlns:a="http://schemas.openxmlformats.org/drawingml/2006/main" xmlns:r="http://schemas.openxmlformats.org/officeDocument/2006/relationships" xmlns:p="http://schemas.openxmlformats.org/presentationml/2006/main">
   <p:cSld>
     <p:spTree>
       <p:nvGrpSpPr>
@@ -16250,414 +17332,8 @@
           <a:lstStyle/>
           <a:p>
             <a:r>
-              <a:rPr lang="en-US" noProof="0" dirty="0" err="1" smtClean="0"/>
-              <a:t>Hendusam</a:t>
-            </a:r>
-            <a:r>
               <a:rPr lang="en-US" noProof="0" dirty="0" smtClean="0"/>
-              <a:t> </a:t>
-            </a:r>
-            <a:r>
-              <a:rPr lang="en-US" noProof="0" dirty="0" err="1" smtClean="0"/>
-              <a:t>nietum</a:t>
-            </a:r>
-            <a:r>
-              <a:rPr lang="en-US" noProof="0" dirty="0" smtClean="0"/>
-              <a:t> </a:t>
-            </a:r>
-            <a:r>
-              <a:rPr lang="en-US" noProof="0" dirty="0" err="1" smtClean="0"/>
-              <a:t>volupta</a:t>
-            </a:r>
-            <a:r>
-              <a:rPr lang="en-US" noProof="0" dirty="0" smtClean="0"/>
-              <a:t> </a:t>
-            </a:r>
-            <a:r>
-              <a:rPr lang="en-US" noProof="0" dirty="0" err="1" smtClean="0"/>
-              <a:t>ssimus</a:t>
-            </a:r>
-            <a:r>
-              <a:rPr lang="en-US" noProof="0" dirty="0" smtClean="0"/>
-              <a:t> </a:t>
-            </a:r>
-            <a:r>
-              <a:rPr lang="en-US" noProof="0" dirty="0" err="1" smtClean="0"/>
-              <a:t>doloreritio</a:t>
-            </a:r>
-            <a:r>
-              <a:rPr lang="en-US" noProof="0" dirty="0" smtClean="0"/>
-              <a:t>. Et </a:t>
-            </a:r>
-            <a:r>
-              <a:rPr lang="en-US" noProof="0" dirty="0" err="1" smtClean="0"/>
-              <a:t>occullparum</a:t>
-            </a:r>
-            <a:r>
-              <a:rPr lang="en-US" noProof="0" dirty="0" smtClean="0"/>
-              <a:t> qui</a:t>
-            </a:r>
-            <a:br>
-              <a:rPr lang="en-US" noProof="0" dirty="0" smtClean="0"/>
-            </a:br>
-            <a:r>
-              <a:rPr lang="en-US" noProof="0" dirty="0" err="1" smtClean="0"/>
-              <a:t>andelignim</a:t>
-            </a:r>
-            <a:r>
-              <a:rPr lang="en-US" noProof="0" dirty="0" smtClean="0"/>
-              <a:t> </a:t>
-            </a:r>
-            <a:r>
-              <a:rPr lang="en-US" noProof="0" dirty="0" err="1" smtClean="0"/>
-              <a:t>descil</a:t>
-            </a:r>
-            <a:r>
-              <a:rPr lang="en-US" noProof="0" dirty="0" smtClean="0"/>
-              <a:t> </a:t>
-            </a:r>
-            <a:r>
-              <a:rPr lang="en-US" noProof="0" dirty="0" err="1" smtClean="0"/>
-              <a:t>ipiduciis</a:t>
-            </a:r>
-            <a:r>
-              <a:rPr lang="en-US" noProof="0" dirty="0" smtClean="0"/>
-              <a:t> ex </a:t>
-            </a:r>
-            <a:r>
-              <a:rPr lang="en-US" noProof="0" dirty="0" err="1" smtClean="0"/>
-              <a:t>endiam</a:t>
-            </a:r>
-            <a:r>
-              <a:rPr lang="en-US" noProof="0" dirty="0" smtClean="0"/>
-              <a:t> dent </a:t>
-            </a:r>
-            <a:r>
-              <a:rPr lang="en-US" noProof="0" dirty="0" err="1" smtClean="0"/>
-              <a:t>fugiatur</a:t>
-            </a:r>
-            <a:r>
-              <a:rPr lang="en-US" noProof="0" dirty="0" smtClean="0"/>
-              <a:t>, non </a:t>
-            </a:r>
-            <a:r>
-              <a:rPr lang="en-US" noProof="0" dirty="0" err="1" smtClean="0"/>
-              <a:t>sequit</a:t>
-            </a:r>
-            <a:r>
-              <a:rPr lang="en-US" noProof="0" dirty="0" smtClean="0"/>
-              <a:t/>
-            </a:r>
-            <a:br>
-              <a:rPr lang="en-US" noProof="0" dirty="0" smtClean="0"/>
-            </a:br>
-            <a:r>
-              <a:rPr lang="en-US" noProof="0" dirty="0" err="1" smtClean="0"/>
-              <a:t>reium</a:t>
-            </a:r>
-            <a:r>
-              <a:rPr lang="en-US" noProof="0" dirty="0" smtClean="0"/>
-              <a:t> </a:t>
-            </a:r>
-            <a:r>
-              <a:rPr lang="en-US" noProof="0" dirty="0" err="1" smtClean="0"/>
-              <a:t>facepudit</a:t>
-            </a:r>
-            <a:r>
-              <a:rPr lang="en-US" noProof="0" dirty="0" smtClean="0"/>
-              <a:t> </a:t>
-            </a:r>
-            <a:r>
-              <a:rPr lang="en-US" noProof="0" dirty="0" err="1" smtClean="0"/>
-              <a:t>adi</a:t>
-            </a:r>
-            <a:r>
-              <a:rPr lang="en-US" noProof="0" dirty="0" smtClean="0"/>
-              <a:t> </a:t>
-            </a:r>
-            <a:r>
-              <a:rPr lang="en-US" noProof="0" dirty="0" err="1" smtClean="0"/>
-              <a:t>ut</a:t>
-            </a:r>
-            <a:r>
-              <a:rPr lang="en-US" noProof="0" dirty="0" smtClean="0"/>
-              <a:t> </a:t>
-            </a:r>
-            <a:r>
-              <a:rPr lang="en-US" noProof="0" dirty="0" err="1" smtClean="0"/>
-              <a:t>quibuscitia</a:t>
-            </a:r>
-            <a:r>
-              <a:rPr lang="en-US" noProof="0" dirty="0" smtClean="0"/>
-              <a:t> </a:t>
-            </a:r>
-            <a:r>
-              <a:rPr lang="en-US" noProof="0" dirty="0" err="1" smtClean="0"/>
-              <a:t>quatumquos</a:t>
-            </a:r>
-            <a:r>
-              <a:rPr lang="en-US" noProof="0" dirty="0" smtClean="0"/>
-              <a:t> </a:t>
-            </a:r>
-            <a:r>
-              <a:rPr lang="en-US" noProof="0" dirty="0" err="1" smtClean="0"/>
-              <a:t>earunte</a:t>
-            </a:r>
-            <a:r>
-              <a:rPr lang="en-US" noProof="0" dirty="0" smtClean="0"/>
-              <a:t> </a:t>
-            </a:r>
-            <a:r>
-              <a:rPr lang="en-US" noProof="0" dirty="0" err="1" smtClean="0"/>
-              <a:t>vellab</a:t>
-            </a:r>
-            <a:r>
-              <a:rPr lang="en-US" noProof="0" dirty="0" smtClean="0"/>
-              <a:t> </a:t>
-            </a:r>
-            <a:r>
-              <a:rPr lang="en-US" noProof="0" dirty="0" err="1" smtClean="0"/>
-              <a:t>ipsam</a:t>
-            </a:r>
-            <a:r>
-              <a:rPr lang="en-US" noProof="0" dirty="0" smtClean="0"/>
-              <a:t/>
-            </a:r>
-            <a:br>
-              <a:rPr lang="en-US" noProof="0" dirty="0" smtClean="0"/>
-            </a:br>
-            <a:r>
-              <a:rPr lang="en-US" noProof="0" dirty="0" err="1" smtClean="0"/>
-              <a:t>arupis</a:t>
-            </a:r>
-            <a:r>
-              <a:rPr lang="en-US" noProof="0" dirty="0" smtClean="0"/>
-              <a:t> </a:t>
-            </a:r>
-            <a:r>
-              <a:rPr lang="en-US" noProof="0" dirty="0" err="1" smtClean="0"/>
-              <a:t>aruptationse</a:t>
-            </a:r>
-            <a:r>
-              <a:rPr lang="en-US" noProof="0" dirty="0" smtClean="0"/>
-              <a:t> </a:t>
-            </a:r>
-            <a:r>
-              <a:rPr lang="en-US" noProof="0" dirty="0" err="1" smtClean="0"/>
-              <a:t>laborpos</a:t>
-            </a:r>
-            <a:r>
-              <a:rPr lang="en-US" noProof="0" dirty="0" smtClean="0"/>
-              <a:t> </a:t>
-            </a:r>
-            <a:r>
-              <a:rPr lang="en-US" noProof="0" dirty="0" err="1" smtClean="0"/>
-              <a:t>sunt</a:t>
-            </a:r>
-            <a:r>
-              <a:rPr lang="en-US" noProof="0" dirty="0" smtClean="0"/>
-              <a:t> </a:t>
-            </a:r>
-            <a:r>
-              <a:rPr lang="en-US" noProof="0" dirty="0" err="1" smtClean="0"/>
-              <a:t>volorrum</a:t>
-            </a:r>
-            <a:r>
-              <a:rPr lang="en-US" noProof="0" dirty="0" smtClean="0"/>
-              <a:t> ex </a:t>
-            </a:r>
-            <a:r>
-              <a:rPr lang="en-US" noProof="0" dirty="0" err="1" smtClean="0"/>
-              <a:t>erum</a:t>
-            </a:r>
-            <a:r>
-              <a:rPr lang="en-US" noProof="0" dirty="0" smtClean="0"/>
-              <a:t> </a:t>
-            </a:r>
-            <a:r>
-              <a:rPr lang="en-US" noProof="0" dirty="0" err="1" smtClean="0"/>
-              <a:t>quas</a:t>
-            </a:r>
-            <a:r>
-              <a:rPr lang="en-US" noProof="0" dirty="0" smtClean="0"/>
-              <a:t/>
-            </a:r>
-            <a:br>
-              <a:rPr lang="en-US" noProof="0" dirty="0" smtClean="0"/>
-            </a:br>
-            <a:r>
-              <a:rPr lang="en-US" noProof="0" dirty="0" err="1" smtClean="0"/>
-              <a:t>quidis</a:t>
-            </a:r>
-            <a:r>
-              <a:rPr lang="en-US" noProof="0" dirty="0" smtClean="0"/>
-              <a:t> </a:t>
-            </a:r>
-            <a:r>
-              <a:rPr lang="en-US" noProof="0" dirty="0" err="1" smtClean="0"/>
-              <a:t>exeribe</a:t>
-            </a:r>
-            <a:r>
-              <a:rPr lang="en-US" noProof="0" dirty="0" smtClean="0"/>
-              <a:t> rumen </a:t>
-            </a:r>
-            <a:r>
-              <a:rPr lang="en-US" noProof="0" dirty="0" err="1" smtClean="0"/>
-              <a:t>adipsus</a:t>
-            </a:r>
-            <a:r>
-              <a:rPr lang="en-US" noProof="0" dirty="0" smtClean="0"/>
-              <a:t> re, </a:t>
-            </a:r>
-            <a:r>
-              <a:rPr lang="en-US" noProof="0" dirty="0" err="1" smtClean="0"/>
-              <a:t>te</a:t>
-            </a:r>
-            <a:r>
-              <a:rPr lang="en-US" noProof="0" dirty="0" smtClean="0"/>
-              <a:t> quam </a:t>
-            </a:r>
-            <a:r>
-              <a:rPr lang="en-US" noProof="0" dirty="0" err="1" smtClean="0"/>
-              <a:t>lamens</a:t>
-            </a:r>
-            <a:r>
-              <a:rPr lang="en-US" noProof="0" dirty="0" smtClean="0"/>
-              <a:t> </a:t>
-            </a:r>
-            <a:r>
-              <a:rPr lang="en-US" noProof="0" dirty="0" err="1" smtClean="0"/>
-              <a:t>ulpa</a:t>
-            </a:r>
-            <a:r>
-              <a:rPr lang="en-US" noProof="0" dirty="0" smtClean="0"/>
-              <a:t> </a:t>
-            </a:r>
-            <a:r>
-              <a:rPr lang="en-US" noProof="0" dirty="0" err="1" smtClean="0"/>
-              <a:t>pliquidars</a:t>
-            </a:r>
-            <a:r>
-              <a:rPr lang="en-US" noProof="0" dirty="0" smtClean="0"/>
-              <a:t/>
-            </a:r>
-            <a:br>
-              <a:rPr lang="en-US" noProof="0" dirty="0" smtClean="0"/>
-            </a:br>
-            <a:r>
-              <a:rPr lang="en-US" noProof="0" dirty="0" err="1" smtClean="0"/>
-              <a:t>untium</a:t>
-            </a:r>
-            <a:r>
-              <a:rPr lang="en-US" noProof="0" dirty="0" smtClean="0"/>
-              <a:t> </a:t>
-            </a:r>
-            <a:r>
-              <a:rPr lang="en-US" noProof="0" dirty="0" err="1" smtClean="0"/>
-              <a:t>eos</a:t>
-            </a:r>
-            <a:r>
-              <a:rPr lang="en-US" noProof="0" dirty="0" smtClean="0"/>
-              <a:t> rest res </a:t>
-            </a:r>
-            <a:r>
-              <a:rPr lang="en-US" noProof="0" dirty="0" err="1" smtClean="0"/>
-              <a:t>voluptas</a:t>
-            </a:r>
-            <a:r>
-              <a:rPr lang="en-US" noProof="0" dirty="0" smtClean="0"/>
-              <a:t> </a:t>
-            </a:r>
-            <a:r>
-              <a:rPr lang="en-US" noProof="0" dirty="0" err="1" smtClean="0"/>
-              <a:t>molut</a:t>
-            </a:r>
-            <a:r>
-              <a:rPr lang="en-US" noProof="0" dirty="0" smtClean="0"/>
-              <a:t> </a:t>
-            </a:r>
-            <a:r>
-              <a:rPr lang="en-US" noProof="0" dirty="0" err="1" smtClean="0"/>
-              <a:t>maiorer</a:t>
-            </a:r>
-            <a:r>
-              <a:rPr lang="en-US" noProof="0" dirty="0" smtClean="0"/>
-              <a:t> </a:t>
-            </a:r>
-            <a:r>
-              <a:rPr lang="en-US" noProof="0" dirty="0" err="1" smtClean="0"/>
-              <a:t>itat</a:t>
-            </a:r>
-            <a:r>
-              <a:rPr lang="en-US" noProof="0" dirty="0" smtClean="0"/>
-              <a:t> </a:t>
-            </a:r>
-            <a:r>
-              <a:rPr lang="en-US" noProof="0" dirty="0" err="1" smtClean="0"/>
-              <a:t>em</a:t>
-            </a:r>
-            <a:r>
-              <a:rPr lang="en-US" noProof="0" dirty="0" smtClean="0"/>
-              <a:t> qui </a:t>
-            </a:r>
-            <a:r>
-              <a:rPr lang="en-US" noProof="0" dirty="0" err="1" smtClean="0"/>
-              <a:t>necepta</a:t>
-            </a:r>
-            <a:r>
-              <a:rPr lang="en-US" noProof="0" dirty="0" smtClean="0"/>
-              <a:t/>
-            </a:r>
-            <a:br>
-              <a:rPr lang="en-US" noProof="0" dirty="0" smtClean="0"/>
-            </a:br>
-            <a:r>
-              <a:rPr lang="en-US" noProof="0" dirty="0" err="1" smtClean="0"/>
-              <a:t>tquas</a:t>
-            </a:r>
-            <a:r>
-              <a:rPr lang="en-US" noProof="0" dirty="0" smtClean="0"/>
-              <a:t> </a:t>
-            </a:r>
-            <a:r>
-              <a:rPr lang="en-US" noProof="0" dirty="0" err="1" smtClean="0"/>
-              <a:t>magnihi</a:t>
-            </a:r>
-            <a:r>
-              <a:rPr lang="en-US" noProof="0" dirty="0" smtClean="0"/>
-              <a:t> </a:t>
-            </a:r>
-            <a:r>
-              <a:rPr lang="en-US" noProof="0" dirty="0" err="1" smtClean="0"/>
-              <a:t>ciandig</a:t>
-            </a:r>
-            <a:r>
-              <a:rPr lang="en-US" noProof="0" dirty="0" smtClean="0"/>
-              <a:t> </a:t>
-            </a:r>
-            <a:r>
-              <a:rPr lang="en-US" noProof="0" dirty="0" err="1" smtClean="0"/>
-              <a:t>enduntibea</a:t>
-            </a:r>
-            <a:r>
-              <a:rPr lang="en-US" noProof="0" dirty="0" smtClean="0"/>
-              <a:t> </a:t>
-            </a:r>
-            <a:r>
-              <a:rPr lang="en-US" noProof="0" dirty="0" err="1" smtClean="0"/>
-              <a:t>doleste</a:t>
-            </a:r>
-            <a:r>
-              <a:rPr lang="en-US" noProof="0" dirty="0" smtClean="0"/>
-              <a:t> </a:t>
-            </a:r>
-            <a:r>
-              <a:rPr lang="en-US" noProof="0" dirty="0" err="1" smtClean="0"/>
-              <a:t>vol</a:t>
-            </a:r>
-            <a:r>
-              <a:rPr lang="en-US" noProof="0" dirty="0" smtClean="0"/>
-              <a:t> lore.</a:t>
+              <a:t>for your attention!</a:t>
             </a:r>
             <a:endParaRPr lang="en-US" noProof="0" dirty="0"/>
           </a:p>
@@ -16680,18 +17356,7 @@
           <a:p>
             <a:r>
               <a:rPr lang="en-US" noProof="0" smtClean="0"/>
-              <a:t>Chapter markers </a:t>
-            </a:r>
-            <a:br>
-              <a:rPr lang="en-US" noProof="0" smtClean="0"/>
-            </a:br>
-            <a:r>
-              <a:rPr lang="en-US" b="0" noProof="0" smtClean="0">
-                <a:solidFill>
-                  <a:schemeClr val="tx1"/>
-                </a:solidFill>
-              </a:rPr>
-              <a:t>Optional subheadline</a:t>
+              <a:t>Thank you</a:t>
             </a:r>
             <a:endParaRPr lang="en-US" noProof="0"/>
           </a:p>
@@ -16717,12 +17382,12 @@
           <a:bodyPr/>
           <a:lstStyle/>
           <a:p>
-            <a:fld id="{7F9C1E94-159A-4641-9F0D-50D37F25F1C9}" type="datetime3">
-              <a:rPr lang="en-US" noProof="0" smtClean="0"/>
+            <a:fld id="{D6E3E337-305E-4483-824B-4A86B40D6007}" type="datetime3">
+              <a:rPr lang="en-US" smtClean="0"/>
               <a:pPr/>
               <a:t>27 August 2014</a:t>
             </a:fld>
-            <a:endParaRPr lang="en-US" noProof="0"/>
+            <a:endParaRPr lang="en-US"/>
           </a:p>
         </p:txBody>
       </p:sp>
@@ -16747,11 +17412,11 @@
           <a:lstStyle/>
           <a:p>
             <a:fld id="{ADA48181-2C78-49CB-8C52-912A07842C2E}" type="slidenum">
-              <a:rPr lang="en-US" noProof="0" smtClean="0"/>
+              <a:rPr lang="en-US" smtClean="0"/>
               <a:pPr/>
               <a:t>6</a:t>
             </a:fld>
-            <a:endParaRPr lang="en-US" noProof="0"/>
+            <a:endParaRPr lang="en-US"/>
           </a:p>
         </p:txBody>
       </p:sp>
@@ -16776,17 +17441,17 @@
           <a:lstStyle/>
           <a:p>
             <a:r>
-              <a:rPr lang="en-US" noProof="0" smtClean="0"/>
+              <a:rPr lang="en-US" smtClean="0"/>
               <a:t>Author, © Continental AG</a:t>
             </a:r>
-            <a:endParaRPr lang="en-US" noProof="0" dirty="0"/>
+            <a:endParaRPr lang="en-US" dirty="0"/>
           </a:p>
         </p:txBody>
       </p:sp>
     </p:spTree>
     <p:extLst>
       <p:ext uri="{BB962C8B-B14F-4D97-AF65-F5344CB8AC3E}">
-        <p14:creationId xmlns:p14="http://schemas.microsoft.com/office/powerpoint/2010/main" val="57659688"/>
+        <p14:creationId xmlns:p14="http://schemas.microsoft.com/office/powerpoint/2010/main" val="2597202859"/>
       </p:ext>
     </p:extLst>
   </p:cSld>
@@ -16825,12 +17490,12 @@
       </p:grpSpPr>
       <p:sp>
         <p:nvSpPr>
-          <p:cNvPr id="2" name="Titel 1"/>
-          <p:cNvSpPr>
-            <a:spLocks noGrp="1"/>
-          </p:cNvSpPr>
-          <p:nvPr>
-            <p:ph type="ctrTitle"/>
+          <p:cNvPr id="2" name="Inhaltsplatzhalter 1"/>
+          <p:cNvSpPr>
+            <a:spLocks noGrp="1"/>
+          </p:cNvSpPr>
+          <p:nvPr>
+            <p:ph idx="1"/>
           </p:nvPr>
         </p:nvSpPr>
         <p:spPr/>
@@ -16839,21 +17504,427 @@
           <a:lstStyle/>
           <a:p>
             <a:r>
-              <a:rPr lang="en-US" noProof="0" smtClean="0"/>
-              <a:t>Title</a:t>
-            </a:r>
-            <a:endParaRPr lang="en-US" noProof="0"/>
-          </a:p>
-        </p:txBody>
-      </p:sp>
-      <p:sp>
-        <p:nvSpPr>
-          <p:cNvPr id="3" name="Untertitel 2"/>
-          <p:cNvSpPr>
-            <a:spLocks noGrp="1"/>
-          </p:cNvSpPr>
-          <p:nvPr>
-            <p:ph type="subTitle" idx="1"/>
+              <a:rPr lang="en-US" noProof="0" dirty="0" err="1" smtClean="0"/>
+              <a:t>Hendusam</a:t>
+            </a:r>
+            <a:r>
+              <a:rPr lang="en-US" noProof="0" dirty="0" smtClean="0"/>
+              <a:t> </a:t>
+            </a:r>
+            <a:r>
+              <a:rPr lang="en-US" noProof="0" dirty="0" err="1" smtClean="0"/>
+              <a:t>nietum</a:t>
+            </a:r>
+            <a:r>
+              <a:rPr lang="en-US" noProof="0" dirty="0" smtClean="0"/>
+              <a:t> </a:t>
+            </a:r>
+            <a:r>
+              <a:rPr lang="en-US" noProof="0" dirty="0" err="1" smtClean="0"/>
+              <a:t>volupta</a:t>
+            </a:r>
+            <a:r>
+              <a:rPr lang="en-US" noProof="0" dirty="0" smtClean="0"/>
+              <a:t> </a:t>
+            </a:r>
+            <a:r>
+              <a:rPr lang="en-US" noProof="0" dirty="0" err="1" smtClean="0"/>
+              <a:t>ssimus</a:t>
+            </a:r>
+            <a:r>
+              <a:rPr lang="en-US" noProof="0" dirty="0" smtClean="0"/>
+              <a:t> </a:t>
+            </a:r>
+            <a:r>
+              <a:rPr lang="en-US" noProof="0" dirty="0" err="1" smtClean="0"/>
+              <a:t>doloreritio</a:t>
+            </a:r>
+            <a:r>
+              <a:rPr lang="en-US" noProof="0" dirty="0" smtClean="0"/>
+              <a:t>. Et </a:t>
+            </a:r>
+            <a:r>
+              <a:rPr lang="en-US" noProof="0" dirty="0" err="1" smtClean="0"/>
+              <a:t>occullparum</a:t>
+            </a:r>
+            <a:r>
+              <a:rPr lang="en-US" noProof="0" dirty="0" smtClean="0"/>
+              <a:t> qui</a:t>
+            </a:r>
+            <a:br>
+              <a:rPr lang="en-US" noProof="0" dirty="0" smtClean="0"/>
+            </a:br>
+            <a:r>
+              <a:rPr lang="en-US" noProof="0" dirty="0" err="1" smtClean="0"/>
+              <a:t>andelignim</a:t>
+            </a:r>
+            <a:r>
+              <a:rPr lang="en-US" noProof="0" dirty="0" smtClean="0"/>
+              <a:t> </a:t>
+            </a:r>
+            <a:r>
+              <a:rPr lang="en-US" noProof="0" dirty="0" err="1" smtClean="0"/>
+              <a:t>descil</a:t>
+            </a:r>
+            <a:r>
+              <a:rPr lang="en-US" noProof="0" dirty="0" smtClean="0"/>
+              <a:t> </a:t>
+            </a:r>
+            <a:r>
+              <a:rPr lang="en-US" noProof="0" dirty="0" err="1" smtClean="0"/>
+              <a:t>ipiduciis</a:t>
+            </a:r>
+            <a:r>
+              <a:rPr lang="en-US" noProof="0" dirty="0" smtClean="0"/>
+              <a:t> ex </a:t>
+            </a:r>
+            <a:r>
+              <a:rPr lang="en-US" noProof="0" dirty="0" err="1" smtClean="0"/>
+              <a:t>endiam</a:t>
+            </a:r>
+            <a:r>
+              <a:rPr lang="en-US" noProof="0" dirty="0" smtClean="0"/>
+              <a:t> dent </a:t>
+            </a:r>
+            <a:r>
+              <a:rPr lang="en-US" noProof="0" dirty="0" err="1" smtClean="0"/>
+              <a:t>fugiatur</a:t>
+            </a:r>
+            <a:r>
+              <a:rPr lang="en-US" noProof="0" dirty="0" smtClean="0"/>
+              <a:t>, non </a:t>
+            </a:r>
+            <a:r>
+              <a:rPr lang="en-US" noProof="0" dirty="0" err="1" smtClean="0"/>
+              <a:t>sequit</a:t>
+            </a:r>
+            <a:r>
+              <a:rPr lang="en-US" noProof="0" dirty="0" smtClean="0"/>
+              <a:t/>
+            </a:r>
+            <a:br>
+              <a:rPr lang="en-US" noProof="0" dirty="0" smtClean="0"/>
+            </a:br>
+            <a:r>
+              <a:rPr lang="en-US" noProof="0" dirty="0" err="1" smtClean="0"/>
+              <a:t>reium</a:t>
+            </a:r>
+            <a:r>
+              <a:rPr lang="en-US" noProof="0" dirty="0" smtClean="0"/>
+              <a:t> </a:t>
+            </a:r>
+            <a:r>
+              <a:rPr lang="en-US" noProof="0" dirty="0" err="1" smtClean="0"/>
+              <a:t>facepudit</a:t>
+            </a:r>
+            <a:r>
+              <a:rPr lang="en-US" noProof="0" dirty="0" smtClean="0"/>
+              <a:t> </a:t>
+            </a:r>
+            <a:r>
+              <a:rPr lang="en-US" noProof="0" dirty="0" err="1" smtClean="0"/>
+              <a:t>adi</a:t>
+            </a:r>
+            <a:r>
+              <a:rPr lang="en-US" noProof="0" dirty="0" smtClean="0"/>
+              <a:t> </a:t>
+            </a:r>
+            <a:r>
+              <a:rPr lang="en-US" noProof="0" dirty="0" err="1" smtClean="0"/>
+              <a:t>ut</a:t>
+            </a:r>
+            <a:r>
+              <a:rPr lang="en-US" noProof="0" dirty="0" smtClean="0"/>
+              <a:t> </a:t>
+            </a:r>
+            <a:r>
+              <a:rPr lang="en-US" noProof="0" dirty="0" err="1" smtClean="0"/>
+              <a:t>quibuscitia</a:t>
+            </a:r>
+            <a:r>
+              <a:rPr lang="en-US" noProof="0" dirty="0" smtClean="0"/>
+              <a:t> </a:t>
+            </a:r>
+            <a:r>
+              <a:rPr lang="en-US" noProof="0" dirty="0" err="1" smtClean="0"/>
+              <a:t>quatumquos</a:t>
+            </a:r>
+            <a:r>
+              <a:rPr lang="en-US" noProof="0" dirty="0" smtClean="0"/>
+              <a:t> </a:t>
+            </a:r>
+            <a:r>
+              <a:rPr lang="en-US" noProof="0" dirty="0" err="1" smtClean="0"/>
+              <a:t>earunte</a:t>
+            </a:r>
+            <a:r>
+              <a:rPr lang="en-US" noProof="0" dirty="0" smtClean="0"/>
+              <a:t> </a:t>
+            </a:r>
+            <a:r>
+              <a:rPr lang="en-US" noProof="0" dirty="0" err="1" smtClean="0"/>
+              <a:t>vellab</a:t>
+            </a:r>
+            <a:r>
+              <a:rPr lang="en-US" noProof="0" dirty="0" smtClean="0"/>
+              <a:t> </a:t>
+            </a:r>
+            <a:r>
+              <a:rPr lang="en-US" noProof="0" dirty="0" err="1" smtClean="0"/>
+              <a:t>ipsam</a:t>
+            </a:r>
+            <a:r>
+              <a:rPr lang="en-US" noProof="0" dirty="0" smtClean="0"/>
+              <a:t/>
+            </a:r>
+            <a:br>
+              <a:rPr lang="en-US" noProof="0" dirty="0" smtClean="0"/>
+            </a:br>
+            <a:r>
+              <a:rPr lang="en-US" noProof="0" dirty="0" err="1" smtClean="0"/>
+              <a:t>arupis</a:t>
+            </a:r>
+            <a:r>
+              <a:rPr lang="en-US" noProof="0" dirty="0" smtClean="0"/>
+              <a:t> </a:t>
+            </a:r>
+            <a:r>
+              <a:rPr lang="en-US" noProof="0" dirty="0" err="1" smtClean="0"/>
+              <a:t>aruptationse</a:t>
+            </a:r>
+            <a:r>
+              <a:rPr lang="en-US" noProof="0" dirty="0" smtClean="0"/>
+              <a:t> </a:t>
+            </a:r>
+            <a:r>
+              <a:rPr lang="en-US" noProof="0" dirty="0" err="1" smtClean="0"/>
+              <a:t>laborpos</a:t>
+            </a:r>
+            <a:r>
+              <a:rPr lang="en-US" noProof="0" dirty="0" smtClean="0"/>
+              <a:t> </a:t>
+            </a:r>
+            <a:r>
+              <a:rPr lang="en-US" noProof="0" dirty="0" err="1" smtClean="0"/>
+              <a:t>sunt</a:t>
+            </a:r>
+            <a:r>
+              <a:rPr lang="en-US" noProof="0" dirty="0" smtClean="0"/>
+              <a:t> </a:t>
+            </a:r>
+            <a:r>
+              <a:rPr lang="en-US" noProof="0" dirty="0" err="1" smtClean="0"/>
+              <a:t>volorrum</a:t>
+            </a:r>
+            <a:r>
+              <a:rPr lang="en-US" noProof="0" dirty="0" smtClean="0"/>
+              <a:t> ex </a:t>
+            </a:r>
+            <a:r>
+              <a:rPr lang="en-US" noProof="0" dirty="0" err="1" smtClean="0"/>
+              <a:t>erum</a:t>
+            </a:r>
+            <a:r>
+              <a:rPr lang="en-US" noProof="0" dirty="0" smtClean="0"/>
+              <a:t> </a:t>
+            </a:r>
+            <a:r>
+              <a:rPr lang="en-US" noProof="0" dirty="0" err="1" smtClean="0"/>
+              <a:t>quas</a:t>
+            </a:r>
+            <a:r>
+              <a:rPr lang="en-US" noProof="0" dirty="0" smtClean="0"/>
+              <a:t/>
+            </a:r>
+            <a:br>
+              <a:rPr lang="en-US" noProof="0" dirty="0" smtClean="0"/>
+            </a:br>
+            <a:r>
+              <a:rPr lang="en-US" noProof="0" dirty="0" err="1" smtClean="0"/>
+              <a:t>quidis</a:t>
+            </a:r>
+            <a:r>
+              <a:rPr lang="en-US" noProof="0" dirty="0" smtClean="0"/>
+              <a:t> </a:t>
+            </a:r>
+            <a:r>
+              <a:rPr lang="en-US" noProof="0" dirty="0" err="1" smtClean="0"/>
+              <a:t>exeribe</a:t>
+            </a:r>
+            <a:r>
+              <a:rPr lang="en-US" noProof="0" dirty="0" smtClean="0"/>
+              <a:t> rumen </a:t>
+            </a:r>
+            <a:r>
+              <a:rPr lang="en-US" noProof="0" dirty="0" err="1" smtClean="0"/>
+              <a:t>adipsus</a:t>
+            </a:r>
+            <a:r>
+              <a:rPr lang="en-US" noProof="0" dirty="0" smtClean="0"/>
+              <a:t> re, </a:t>
+            </a:r>
+            <a:r>
+              <a:rPr lang="en-US" noProof="0" dirty="0" err="1" smtClean="0"/>
+              <a:t>te</a:t>
+            </a:r>
+            <a:r>
+              <a:rPr lang="en-US" noProof="0" dirty="0" smtClean="0"/>
+              <a:t> quam </a:t>
+            </a:r>
+            <a:r>
+              <a:rPr lang="en-US" noProof="0" dirty="0" err="1" smtClean="0"/>
+              <a:t>lamens</a:t>
+            </a:r>
+            <a:r>
+              <a:rPr lang="en-US" noProof="0" dirty="0" smtClean="0"/>
+              <a:t> </a:t>
+            </a:r>
+            <a:r>
+              <a:rPr lang="en-US" noProof="0" dirty="0" err="1" smtClean="0"/>
+              <a:t>ulpa</a:t>
+            </a:r>
+            <a:r>
+              <a:rPr lang="en-US" noProof="0" dirty="0" smtClean="0"/>
+              <a:t> </a:t>
+            </a:r>
+            <a:r>
+              <a:rPr lang="en-US" noProof="0" dirty="0" err="1" smtClean="0"/>
+              <a:t>pliquidars</a:t>
+            </a:r>
+            <a:r>
+              <a:rPr lang="en-US" noProof="0" dirty="0" smtClean="0"/>
+              <a:t/>
+            </a:r>
+            <a:br>
+              <a:rPr lang="en-US" noProof="0" dirty="0" smtClean="0"/>
+            </a:br>
+            <a:r>
+              <a:rPr lang="en-US" noProof="0" dirty="0" err="1" smtClean="0"/>
+              <a:t>untium</a:t>
+            </a:r>
+            <a:r>
+              <a:rPr lang="en-US" noProof="0" dirty="0" smtClean="0"/>
+              <a:t> </a:t>
+            </a:r>
+            <a:r>
+              <a:rPr lang="en-US" noProof="0" dirty="0" err="1" smtClean="0"/>
+              <a:t>eos</a:t>
+            </a:r>
+            <a:r>
+              <a:rPr lang="en-US" noProof="0" dirty="0" smtClean="0"/>
+              <a:t> rest res </a:t>
+            </a:r>
+            <a:r>
+              <a:rPr lang="en-US" noProof="0" dirty="0" err="1" smtClean="0"/>
+              <a:t>voluptas</a:t>
+            </a:r>
+            <a:r>
+              <a:rPr lang="en-US" noProof="0" dirty="0" smtClean="0"/>
+              <a:t> </a:t>
+            </a:r>
+            <a:r>
+              <a:rPr lang="en-US" noProof="0" dirty="0" err="1" smtClean="0"/>
+              <a:t>molut</a:t>
+            </a:r>
+            <a:r>
+              <a:rPr lang="en-US" noProof="0" dirty="0" smtClean="0"/>
+              <a:t> </a:t>
+            </a:r>
+            <a:r>
+              <a:rPr lang="en-US" noProof="0" dirty="0" err="1" smtClean="0"/>
+              <a:t>maiorer</a:t>
+            </a:r>
+            <a:r>
+              <a:rPr lang="en-US" noProof="0" dirty="0" smtClean="0"/>
+              <a:t> </a:t>
+            </a:r>
+            <a:r>
+              <a:rPr lang="en-US" noProof="0" dirty="0" err="1" smtClean="0"/>
+              <a:t>itat</a:t>
+            </a:r>
+            <a:r>
+              <a:rPr lang="en-US" noProof="0" dirty="0" smtClean="0"/>
+              <a:t> </a:t>
+            </a:r>
+            <a:r>
+              <a:rPr lang="en-US" noProof="0" dirty="0" err="1" smtClean="0"/>
+              <a:t>em</a:t>
+            </a:r>
+            <a:r>
+              <a:rPr lang="en-US" noProof="0" dirty="0" smtClean="0"/>
+              <a:t> qui </a:t>
+            </a:r>
+            <a:r>
+              <a:rPr lang="en-US" noProof="0" dirty="0" err="1" smtClean="0"/>
+              <a:t>necepta</a:t>
+            </a:r>
+            <a:r>
+              <a:rPr lang="en-US" noProof="0" dirty="0" smtClean="0"/>
+              <a:t/>
+            </a:r>
+            <a:br>
+              <a:rPr lang="en-US" noProof="0" dirty="0" smtClean="0"/>
+            </a:br>
+            <a:r>
+              <a:rPr lang="en-US" noProof="0" dirty="0" err="1" smtClean="0"/>
+              <a:t>tquas</a:t>
+            </a:r>
+            <a:r>
+              <a:rPr lang="en-US" noProof="0" dirty="0" smtClean="0"/>
+              <a:t> </a:t>
+            </a:r>
+            <a:r>
+              <a:rPr lang="en-US" noProof="0" dirty="0" err="1" smtClean="0"/>
+              <a:t>magnihi</a:t>
+            </a:r>
+            <a:r>
+              <a:rPr lang="en-US" noProof="0" dirty="0" smtClean="0"/>
+              <a:t> </a:t>
+            </a:r>
+            <a:r>
+              <a:rPr lang="en-US" noProof="0" dirty="0" err="1" smtClean="0"/>
+              <a:t>ciandig</a:t>
+            </a:r>
+            <a:r>
+              <a:rPr lang="en-US" noProof="0" dirty="0" smtClean="0"/>
+              <a:t> </a:t>
+            </a:r>
+            <a:r>
+              <a:rPr lang="en-US" noProof="0" dirty="0" err="1" smtClean="0"/>
+              <a:t>enduntibea</a:t>
+            </a:r>
+            <a:r>
+              <a:rPr lang="en-US" noProof="0" dirty="0" smtClean="0"/>
+              <a:t> </a:t>
+            </a:r>
+            <a:r>
+              <a:rPr lang="en-US" noProof="0" dirty="0" err="1" smtClean="0"/>
+              <a:t>doleste</a:t>
+            </a:r>
+            <a:r>
+              <a:rPr lang="en-US" noProof="0" dirty="0" smtClean="0"/>
+              <a:t> </a:t>
+            </a:r>
+            <a:r>
+              <a:rPr lang="en-US" noProof="0" dirty="0" err="1" smtClean="0"/>
+              <a:t>vol</a:t>
+            </a:r>
+            <a:r>
+              <a:rPr lang="en-US" noProof="0" dirty="0" smtClean="0"/>
+              <a:t> lore.</a:t>
+            </a:r>
+            <a:endParaRPr lang="en-US" noProof="0" dirty="0"/>
+          </a:p>
+        </p:txBody>
+      </p:sp>
+      <p:sp>
+        <p:nvSpPr>
+          <p:cNvPr id="3" name="Titel 2"/>
+          <p:cNvSpPr>
+            <a:spLocks noGrp="1"/>
+          </p:cNvSpPr>
+          <p:nvPr>
+            <p:ph type="title"/>
           </p:nvPr>
         </p:nvSpPr>
         <p:spPr/>
@@ -16863,7 +17934,18 @@
           <a:p>
             <a:r>
               <a:rPr lang="en-US" noProof="0" smtClean="0"/>
-              <a:t>Subtitle</a:t>
+              <a:t>Chapter markers </a:t>
+            </a:r>
+            <a:br>
+              <a:rPr lang="en-US" noProof="0" smtClean="0"/>
+            </a:br>
+            <a:r>
+              <a:rPr lang="en-US" b="0" noProof="0" smtClean="0">
+                <a:solidFill>
+                  <a:schemeClr val="tx1"/>
+                </a:solidFill>
+              </a:rPr>
+              <a:t>Optional subheadline</a:t>
             </a:r>
             <a:endParaRPr lang="en-US" noProof="0"/>
           </a:p>
@@ -16871,80 +17953,94 @@
       </p:sp>
       <p:sp>
         <p:nvSpPr>
-          <p:cNvPr id="9" name="Textplatzhalter 8"/>
-          <p:cNvSpPr>
-            <a:spLocks noGrp="1"/>
-          </p:cNvSpPr>
-          <p:nvPr>
-            <p:ph type="body" sz="quarter" idx="10"/>
-          </p:nvPr>
-        </p:nvSpPr>
-        <p:spPr/>
+          <p:cNvPr id="4" name="Datumsplatzhalter 3"/>
+          <p:cNvSpPr>
+            <a:spLocks noGrp="1"/>
+          </p:cNvSpPr>
+          <p:nvPr>
+            <p:ph type="dt" sz="half" idx="2"/>
+          </p:nvPr>
+        </p:nvSpPr>
+        <p:spPr>
+          <a:xfrm>
+            <a:off x="6350484" y="6224489"/>
+            <a:ext cx="2001935" cy="150440"/>
+          </a:xfrm>
+        </p:spPr>
         <p:txBody>
           <a:bodyPr/>
           <a:lstStyle/>
           <a:p>
-            <a:r>
+            <a:fld id="{7F9C1E94-159A-4641-9F0D-50D37F25F1C9}" type="datetime3">
               <a:rPr lang="en-US" noProof="0" smtClean="0"/>
-              <a:t>www.continental-corporation.com</a:t>
-            </a:r>
+              <a:pPr/>
+              <a:t>27 August 2014</a:t>
+            </a:fld>
             <a:endParaRPr lang="en-US" noProof="0"/>
           </a:p>
         </p:txBody>
       </p:sp>
       <p:sp>
         <p:nvSpPr>
-          <p:cNvPr id="10" name="Textplatzhalter 9"/>
-          <p:cNvSpPr>
-            <a:spLocks noGrp="1"/>
-          </p:cNvSpPr>
-          <p:nvPr>
-            <p:ph type="body" sz="quarter" idx="11"/>
-          </p:nvPr>
-        </p:nvSpPr>
-        <p:spPr/>
+          <p:cNvPr id="5" name="Foliennummernplatzhalter 4"/>
+          <p:cNvSpPr>
+            <a:spLocks noGrp="1"/>
+          </p:cNvSpPr>
+          <p:nvPr>
+            <p:ph type="sldNum" sz="quarter" idx="4"/>
+          </p:nvPr>
+        </p:nvSpPr>
+        <p:spPr>
+          <a:xfrm>
+            <a:off x="8388424" y="6375515"/>
+            <a:ext cx="360289" cy="150440"/>
+          </a:xfrm>
+        </p:spPr>
         <p:txBody>
           <a:bodyPr/>
           <a:lstStyle/>
           <a:p>
-            <a:r>
+            <a:fld id="{ADA48181-2C78-49CB-8C52-912A07842C2E}" type="slidenum">
               <a:rPr lang="en-US" noProof="0" smtClean="0"/>
-              <a:t>Division Naming</a:t>
-            </a:r>
+              <a:pPr/>
+              <a:t>7</a:t>
+            </a:fld>
             <a:endParaRPr lang="en-US" noProof="0"/>
           </a:p>
         </p:txBody>
       </p:sp>
       <p:sp>
         <p:nvSpPr>
-          <p:cNvPr id="16" name="Textplatzhalter 15"/>
-          <p:cNvSpPr>
-            <a:spLocks noGrp="1"/>
-          </p:cNvSpPr>
-          <p:nvPr>
-            <p:ph type="body" sz="quarter" idx="4294967295"/>
+          <p:cNvPr id="6" name="Fußzeilenplatzhalter 5"/>
+          <p:cNvSpPr>
+            <a:spLocks noGrp="1"/>
+          </p:cNvSpPr>
+          <p:nvPr>
+            <p:ph type="ftr" sz="quarter" idx="3"/>
           </p:nvPr>
         </p:nvSpPr>
         <p:spPr>
           <a:xfrm>
-            <a:off x="503238" y="0"/>
-            <a:ext cx="2555875" cy="1304925"/>
-          </a:xfrm>
-        </p:spPr>
-        <p:txBody>
-          <a:bodyPr>
-            <a:normAutofit/>
-          </a:bodyPr>
+            <a:off x="6350485" y="6375515"/>
+            <a:ext cx="2001935" cy="150440"/>
+          </a:xfrm>
+        </p:spPr>
+        <p:txBody>
+          <a:bodyPr/>
           <a:lstStyle/>
           <a:p>
-            <a:endParaRPr lang="de-DE" dirty="0"/>
+            <a:r>
+              <a:rPr lang="en-US" noProof="0" smtClean="0"/>
+              <a:t>Author, © Continental AG</a:t>
+            </a:r>
+            <a:endParaRPr lang="en-US" noProof="0" dirty="0"/>
           </a:p>
         </p:txBody>
       </p:sp>
     </p:spTree>
     <p:extLst>
       <p:ext uri="{BB962C8B-B14F-4D97-AF65-F5344CB8AC3E}">
-        <p14:creationId xmlns:p14="http://schemas.microsoft.com/office/powerpoint/2010/main" val="1926402302"/>
+        <p14:creationId xmlns:p14="http://schemas.microsoft.com/office/powerpoint/2010/main" val="57659688"/>
       </p:ext>
     </p:extLst>
   </p:cSld>
@@ -16983,12 +18079,12 @@
       </p:grpSpPr>
       <p:sp>
         <p:nvSpPr>
-          <p:cNvPr id="2" name="Inhaltsplatzhalter 1"/>
-          <p:cNvSpPr>
-            <a:spLocks noGrp="1"/>
-          </p:cNvSpPr>
-          <p:nvPr>
-            <p:ph idx="1"/>
+          <p:cNvPr id="2" name="Titel 1"/>
+          <p:cNvSpPr>
+            <a:spLocks noGrp="1"/>
+          </p:cNvSpPr>
+          <p:nvPr>
+            <p:ph type="ctrTitle"/>
           </p:nvPr>
         </p:nvSpPr>
         <p:spPr/>
@@ -16998,7 +18094,7 @@
           <a:p>
             <a:r>
               <a:rPr lang="en-US" noProof="0" smtClean="0"/>
-              <a:t>for your attention!</a:t>
+              <a:t>Title</a:t>
             </a:r>
             <a:endParaRPr lang="en-US" noProof="0"/>
           </a:p>
@@ -17006,12 +18102,12 @@
       </p:sp>
       <p:sp>
         <p:nvSpPr>
-          <p:cNvPr id="3" name="Titel 2"/>
-          <p:cNvSpPr>
-            <a:spLocks noGrp="1"/>
-          </p:cNvSpPr>
-          <p:nvPr>
-            <p:ph type="title"/>
+          <p:cNvPr id="3" name="Untertitel 2"/>
+          <p:cNvSpPr>
+            <a:spLocks noGrp="1"/>
+          </p:cNvSpPr>
+          <p:nvPr>
+            <p:ph type="subTitle" idx="1"/>
           </p:nvPr>
         </p:nvSpPr>
         <p:spPr/>
@@ -17021,7 +18117,7 @@
           <a:p>
             <a:r>
               <a:rPr lang="en-US" noProof="0" smtClean="0"/>
-              <a:t>Thank you</a:t>
+              <a:t>Subtitle</a:t>
             </a:r>
             <a:endParaRPr lang="en-US" noProof="0"/>
           </a:p>
@@ -17029,94 +18125,80 @@
       </p:sp>
       <p:sp>
         <p:nvSpPr>
-          <p:cNvPr id="4" name="Datumsplatzhalter 3"/>
-          <p:cNvSpPr>
-            <a:spLocks noGrp="1"/>
-          </p:cNvSpPr>
-          <p:nvPr>
-            <p:ph type="dt" sz="half" idx="2"/>
-          </p:nvPr>
-        </p:nvSpPr>
-        <p:spPr>
-          <a:xfrm>
-            <a:off x="6350484" y="6224489"/>
-            <a:ext cx="2001935" cy="150440"/>
-          </a:xfrm>
-        </p:spPr>
+          <p:cNvPr id="9" name="Textplatzhalter 8"/>
+          <p:cNvSpPr>
+            <a:spLocks noGrp="1"/>
+          </p:cNvSpPr>
+          <p:nvPr>
+            <p:ph type="body" sz="quarter" idx="10"/>
+          </p:nvPr>
+        </p:nvSpPr>
+        <p:spPr/>
         <p:txBody>
           <a:bodyPr/>
           <a:lstStyle/>
           <a:p>
-            <a:fld id="{25812634-C235-4B2A-B081-E818F1CD5EB1}" type="datetime3">
-              <a:rPr lang="en-US" smtClean="0"/>
-              <a:pPr/>
-              <a:t>27 August 2014</a:t>
-            </a:fld>
-            <a:endParaRPr lang="en-US"/>
-          </a:p>
-        </p:txBody>
-      </p:sp>
-      <p:sp>
-        <p:nvSpPr>
-          <p:cNvPr id="5" name="Foliennummernplatzhalter 4"/>
-          <p:cNvSpPr>
-            <a:spLocks noGrp="1"/>
-          </p:cNvSpPr>
-          <p:nvPr>
-            <p:ph type="sldNum" sz="quarter" idx="4"/>
-          </p:nvPr>
-        </p:nvSpPr>
-        <p:spPr>
-          <a:xfrm>
-            <a:off x="8388424" y="6375515"/>
-            <a:ext cx="360289" cy="150440"/>
-          </a:xfrm>
-        </p:spPr>
+            <a:r>
+              <a:rPr lang="en-US" noProof="0" smtClean="0"/>
+              <a:t>www.continental-corporation.com</a:t>
+            </a:r>
+            <a:endParaRPr lang="en-US" noProof="0"/>
+          </a:p>
+        </p:txBody>
+      </p:sp>
+      <p:sp>
+        <p:nvSpPr>
+          <p:cNvPr id="10" name="Textplatzhalter 9"/>
+          <p:cNvSpPr>
+            <a:spLocks noGrp="1"/>
+          </p:cNvSpPr>
+          <p:nvPr>
+            <p:ph type="body" sz="quarter" idx="11"/>
+          </p:nvPr>
+        </p:nvSpPr>
+        <p:spPr/>
         <p:txBody>
           <a:bodyPr/>
           <a:lstStyle/>
           <a:p>
-            <a:fld id="{ADA48181-2C78-49CB-8C52-912A07842C2E}" type="slidenum">
-              <a:rPr lang="en-US" smtClean="0"/>
-              <a:pPr/>
-              <a:t>8</a:t>
-            </a:fld>
-            <a:endParaRPr lang="en-US"/>
-          </a:p>
-        </p:txBody>
-      </p:sp>
-      <p:sp>
-        <p:nvSpPr>
-          <p:cNvPr id="6" name="Fußzeilenplatzhalter 5"/>
-          <p:cNvSpPr>
-            <a:spLocks noGrp="1"/>
-          </p:cNvSpPr>
-          <p:nvPr>
-            <p:ph type="ftr" sz="quarter" idx="3"/>
+            <a:r>
+              <a:rPr lang="en-US" noProof="0" smtClean="0"/>
+              <a:t>Division Naming</a:t>
+            </a:r>
+            <a:endParaRPr lang="en-US" noProof="0"/>
+          </a:p>
+        </p:txBody>
+      </p:sp>
+      <p:sp>
+        <p:nvSpPr>
+          <p:cNvPr id="16" name="Textplatzhalter 15"/>
+          <p:cNvSpPr>
+            <a:spLocks noGrp="1"/>
+          </p:cNvSpPr>
+          <p:nvPr>
+            <p:ph type="body" sz="quarter" idx="4294967295"/>
           </p:nvPr>
         </p:nvSpPr>
         <p:spPr>
           <a:xfrm>
-            <a:off x="6350485" y="6375515"/>
-            <a:ext cx="2001935" cy="150440"/>
-          </a:xfrm>
-        </p:spPr>
-        <p:txBody>
-          <a:bodyPr/>
+            <a:off x="503238" y="0"/>
+            <a:ext cx="2555875" cy="1304925"/>
+          </a:xfrm>
+        </p:spPr>
+        <p:txBody>
+          <a:bodyPr>
+            <a:normAutofit/>
+          </a:bodyPr>
           <a:lstStyle/>
           <a:p>
-            <a:r>
-              <a:rPr lang="en-US" smtClean="0"/>
-              <a:t>Author, © Continental AG</a:t>
-            </a:r>
-            <a:endParaRPr lang="en-US" dirty="0"/>
+            <a:endParaRPr lang="de-DE" dirty="0"/>
           </a:p>
         </p:txBody>
       </p:sp>
     </p:spTree>
     <p:extLst>
       <p:ext uri="{BB962C8B-B14F-4D97-AF65-F5344CB8AC3E}">
-        <p14:creationId xmlns:p14="http://schemas.microsoft.com/office/powerpoint/2010/main" val="2536524143"/>
+        <p14:creationId xmlns:p14="http://schemas.microsoft.com/office/powerpoint/2010/main" val="1926402302"/>
       </p:ext>
     </p:extLst>
   </p:cSld>
@@ -17219,7 +18301,7 @@
           <a:bodyPr/>
           <a:lstStyle/>
           <a:p>
-            <a:fld id="{2B2B0548-AFAD-4ECF-8F1C-59D119517961}" type="datetime3">
+            <a:fld id="{25812634-C235-4B2A-B081-E818F1CD5EB1}" type="datetime3">
               <a:rPr lang="en-US" smtClean="0"/>
               <a:pPr/>
               <a:t>27 August 2014</a:t>
@@ -17288,7 +18370,7 @@
     </p:spTree>
     <p:extLst>
       <p:ext uri="{BB962C8B-B14F-4D97-AF65-F5344CB8AC3E}">
-        <p14:creationId xmlns:p14="http://schemas.microsoft.com/office/powerpoint/2010/main" val="3618628484"/>
+        <p14:creationId xmlns:p14="http://schemas.microsoft.com/office/powerpoint/2010/main" val="2536524143"/>
       </p:ext>
     </p:extLst>
   </p:cSld>
@@ -17337,53 +18419,50 @@
 
 <file path=ppt/tags/tag13.xml><?xml version="1.0" encoding="utf-8"?>
 <p:tagLst xmlns:a="http://schemas.openxmlformats.org/drawingml/2006/main" xmlns:r="http://schemas.openxmlformats.org/officeDocument/2006/relationships" xmlns:p="http://schemas.openxmlformats.org/presentationml/2006/main">
-  <p:tag name="MIO_AGENDA_ELEMENTNAME" val="Test 1"/>
-  <p:tag name="MIO_EK" val="421"/>
-  <p:tag name="MIO_VERSION" val="31.12.9999 23:59:59"/>
-  <p:tag name="MIO_DBID" val="ED9FF2F2-6643-46BA-B685-7D49126FFAFF"/>
-  <p:tag name="MIO_UPDATE" val="False"/>
+  <p:tag name="MIO_GUID" val="3E68A340-5BD0-4700-AED2-997E3B6077F9"/>
+  <p:tag name="MIO_SHAPETYPES_AGENDA" val="MIO_AGENDA_FIRSTELEMENT"/>
 </p:tagLst>
 </file>
 
 <file path=ppt/tags/tag14.xml><?xml version="1.0" encoding="utf-8"?>
+<p:tagLst xmlns:a="http://schemas.openxmlformats.org/drawingml/2006/main" xmlns:r="http://schemas.openxmlformats.org/officeDocument/2006/relationships" xmlns:p="http://schemas.openxmlformats.org/presentationml/2006/main">
+  <p:tag name="MIO_GUID" val="95DCBD3B-C156-4A29-95CB-86E9C4C16193"/>
+  <p:tag name="MIO_SHAPETYPES_AGENDA" val="MIO_AGENDA_FIRSTELEMENT_NUMBER"/>
+</p:tagLst>
+</file>
+
+<file path=ppt/tags/tag15.xml><?xml version="1.0" encoding="utf-8"?>
 <p:tagLst xmlns:a="http://schemas.openxmlformats.org/drawingml/2006/main" xmlns:r="http://schemas.openxmlformats.org/officeDocument/2006/relationships" xmlns:p="http://schemas.openxmlformats.org/presentationml/2006/main">
   <p:tag name="MIO_GUID" val="E32EBB43-527E-40DC-97E7-B91396CDD97C"/>
   <p:tag name="MIO_SHAPETYPES_AGENDA" val="MIO_AGENDA_HIGHLIGHT"/>
 </p:tagLst>
 </file>
 
-<file path=ppt/tags/tag15.xml><?xml version="1.0" encoding="utf-8"?>
+<file path=ppt/tags/tag16.xml><?xml version="1.0" encoding="utf-8"?>
 <p:tagLst xmlns:a="http://schemas.openxmlformats.org/drawingml/2006/main" xmlns:r="http://schemas.openxmlformats.org/officeDocument/2006/relationships" xmlns:p="http://schemas.openxmlformats.org/presentationml/2006/main">
   <p:tag name="MIO_GUID" val="4AFE2199-7899-4A9C-9D26-E2D79AC29632"/>
   <p:tag name="MIO_SHAPETYPES_AGENDA" val="MIO_AGENDA_HIGHLIGHT_NUMBER"/>
 </p:tagLst>
 </file>
 
-<file path=ppt/tags/tag16.xml><?xml version="1.0" encoding="utf-8"?>
-<p:tagLst xmlns:a="http://schemas.openxmlformats.org/drawingml/2006/main" xmlns:r="http://schemas.openxmlformats.org/officeDocument/2006/relationships" xmlns:p="http://schemas.openxmlformats.org/presentationml/2006/main">
-  <p:tag name="MIO_GUID" val="3E68A340-5BD0-4700-AED2-997E3B6077F9"/>
-  <p:tag name="MIO_SHAPETYPES_AGENDA" val="MIO_AGENDA_FIRSTELEMENT"/>
-</p:tagLst>
-</file>
-
 <file path=ppt/tags/tag17.xml><?xml version="1.0" encoding="utf-8"?>
 <p:tagLst xmlns:a="http://schemas.openxmlformats.org/drawingml/2006/main" xmlns:r="http://schemas.openxmlformats.org/officeDocument/2006/relationships" xmlns:p="http://schemas.openxmlformats.org/presentationml/2006/main">
-  <p:tag name="MIO_GUID" val="95DCBD3B-C156-4A29-95CB-86E9C4C16193"/>
-  <p:tag name="MIO_SHAPETYPES_AGENDA" val="MIO_AGENDA_FIRSTELEMENT_NUMBER"/>
+  <p:tag name="MIO_GUID" val="430E62AA-24FE-484C-A1C3-DC272F7A31F7"/>
+  <p:tag name="MIO_SHAPETYPES_AGENDA" val="MIO_AGENDA_SUBELEMENT"/>
 </p:tagLst>
 </file>
 
 <file path=ppt/tags/tag18.xml><?xml version="1.0" encoding="utf-8"?>
 <p:tagLst xmlns:a="http://schemas.openxmlformats.org/drawingml/2006/main" xmlns:r="http://schemas.openxmlformats.org/officeDocument/2006/relationships" xmlns:p="http://schemas.openxmlformats.org/presentationml/2006/main">
-  <p:tag name="MIO_GUID" val="3E68A340-5BD0-4700-AED2-997E3B6077F9"/>
-  <p:tag name="MIO_SHAPETYPES_AGENDA" val="MIO_AGENDA_FIRSTELEMENT"/>
+  <p:tag name="MIO_SHAPETYPES_AGENDA" val="MIO_AGENDA_SUBELEMENT_NUMBER"/>
+  <p:tag name="MIO_GUID" val="297367CB-F030-4B13-9EB7-97563590A2A1"/>
 </p:tagLst>
 </file>
 
 <file path=ppt/tags/tag19.xml><?xml version="1.0" encoding="utf-8"?>
 <p:tagLst xmlns:a="http://schemas.openxmlformats.org/drawingml/2006/main" xmlns:r="http://schemas.openxmlformats.org/officeDocument/2006/relationships" xmlns:p="http://schemas.openxmlformats.org/presentationml/2006/main">
-  <p:tag name="MIO_GUID" val="95DCBD3B-C156-4A29-95CB-86E9C4C16193"/>
-  <p:tag name="MIO_SHAPETYPES_AGENDA" val="MIO_AGENDA_FIRSTELEMENT_NUMBER"/>
+  <p:tag name="MIO_GUID" val="3E68A340-5BD0-4700-AED2-997E3B6077F9"/>
+  <p:tag name="MIO_SHAPETYPES_AGENDA" val="MIO_AGENDA_FIRSTELEMENT"/>
 </p:tagLst>
 </file>
 
@@ -17396,6 +18475,41 @@
 
 <file path=ppt/tags/tag20.xml><?xml version="1.0" encoding="utf-8"?>
 <p:tagLst xmlns:a="http://schemas.openxmlformats.org/drawingml/2006/main" xmlns:r="http://schemas.openxmlformats.org/officeDocument/2006/relationships" xmlns:p="http://schemas.openxmlformats.org/presentationml/2006/main">
+  <p:tag name="MIO_GUID" val="95DCBD3B-C156-4A29-95CB-86E9C4C16193"/>
+  <p:tag name="MIO_SHAPETYPES_AGENDA" val="MIO_AGENDA_FIRSTELEMENT_NUMBER"/>
+</p:tagLst>
+</file>
+
+<file path=ppt/tags/tag21.xml><?xml version="1.0" encoding="utf-8"?>
+<p:tagLst xmlns:a="http://schemas.openxmlformats.org/drawingml/2006/main" xmlns:r="http://schemas.openxmlformats.org/officeDocument/2006/relationships" xmlns:p="http://schemas.openxmlformats.org/presentationml/2006/main">
+  <p:tag name="MIO_GUID" val="430E62AA-24FE-484C-A1C3-DC272F7A31F7"/>
+  <p:tag name="MIO_SHAPETYPES_AGENDA" val="MIO_AGENDA_SUBELEMENT"/>
+</p:tagLst>
+</file>
+
+<file path=ppt/tags/tag22.xml><?xml version="1.0" encoding="utf-8"?>
+<p:tagLst xmlns:a="http://schemas.openxmlformats.org/drawingml/2006/main" xmlns:r="http://schemas.openxmlformats.org/officeDocument/2006/relationships" xmlns:p="http://schemas.openxmlformats.org/presentationml/2006/main">
+  <p:tag name="MIO_SHAPETYPES_AGENDA" val="MIO_AGENDA_SUBELEMENT_NUMBER"/>
+  <p:tag name="MIO_GUID" val="297367CB-F030-4B13-9EB7-97563590A2A1"/>
+</p:tagLst>
+</file>
+
+<file path=ppt/tags/tag23.xml><?xml version="1.0" encoding="utf-8"?>
+<p:tagLst xmlns:a="http://schemas.openxmlformats.org/drawingml/2006/main" xmlns:r="http://schemas.openxmlformats.org/officeDocument/2006/relationships" xmlns:p="http://schemas.openxmlformats.org/presentationml/2006/main">
+  <p:tag name="MIO_GUID" val="430E62AA-24FE-484C-A1C3-DC272F7A31F7"/>
+  <p:tag name="MIO_SHAPETYPES_AGENDA" val="MIO_AGENDA_SUBELEMENT"/>
+</p:tagLst>
+</file>
+
+<file path=ppt/tags/tag24.xml><?xml version="1.0" encoding="utf-8"?>
+<p:tagLst xmlns:a="http://schemas.openxmlformats.org/drawingml/2006/main" xmlns:r="http://schemas.openxmlformats.org/officeDocument/2006/relationships" xmlns:p="http://schemas.openxmlformats.org/presentationml/2006/main">
+  <p:tag name="MIO_SHAPETYPES_AGENDA" val="MIO_AGENDA_SUBELEMENT_NUMBER"/>
+  <p:tag name="MIO_GUID" val="297367CB-F030-4B13-9EB7-97563590A2A1"/>
+</p:tagLst>
+</file>
+
+<file path=ppt/tags/tag25.xml><?xml version="1.0" encoding="utf-8"?>
+<p:tagLst xmlns:a="http://schemas.openxmlformats.org/drawingml/2006/main" xmlns:r="http://schemas.openxmlformats.org/officeDocument/2006/relationships" xmlns:p="http://schemas.openxmlformats.org/presentationml/2006/main">
   <p:tag name="MIO_AGENDA_ELEMENTNAME" val="Test 1"/>
   <p:tag name="MIO_EK" val="421"/>
   <p:tag name="MIO_VERSION" val="31.12.9999 23:59:59"/>
@@ -17404,56 +18518,17 @@
 </p:tagLst>
 </file>
 
-<file path=ppt/tags/tag21.xml><?xml version="1.0" encoding="utf-8"?>
+<file path=ppt/tags/tag26.xml><?xml version="1.0" encoding="utf-8"?>
 <p:tagLst xmlns:a="http://schemas.openxmlformats.org/drawingml/2006/main" xmlns:r="http://schemas.openxmlformats.org/officeDocument/2006/relationships" xmlns:p="http://schemas.openxmlformats.org/presentationml/2006/main">
   <p:tag name="MIO_GUID" val="E32EBB43-527E-40DC-97E7-B91396CDD97C"/>
   <p:tag name="MIO_SHAPETYPES_AGENDA" val="MIO_AGENDA_HIGHLIGHT"/>
 </p:tagLst>
 </file>
 
-<file path=ppt/tags/tag22.xml><?xml version="1.0" encoding="utf-8"?>
+<file path=ppt/tags/tag27.xml><?xml version="1.0" encoding="utf-8"?>
 <p:tagLst xmlns:a="http://schemas.openxmlformats.org/drawingml/2006/main" xmlns:r="http://schemas.openxmlformats.org/officeDocument/2006/relationships" xmlns:p="http://schemas.openxmlformats.org/presentationml/2006/main">
   <p:tag name="MIO_GUID" val="4AFE2199-7899-4A9C-9D26-E2D79AC29632"/>
   <p:tag name="MIO_SHAPETYPES_AGENDA" val="MIO_AGENDA_HIGHLIGHT_NUMBER"/>
-</p:tagLst>
-</file>
-
-<file path=ppt/tags/tag23.xml><?xml version="1.0" encoding="utf-8"?>
-<p:tagLst xmlns:a="http://schemas.openxmlformats.org/drawingml/2006/main" xmlns:r="http://schemas.openxmlformats.org/officeDocument/2006/relationships" xmlns:p="http://schemas.openxmlformats.org/presentationml/2006/main">
-  <p:tag name="MIO_GUID" val="3E68A340-5BD0-4700-AED2-997E3B6077F9"/>
-  <p:tag name="MIO_SHAPETYPES_AGENDA" val="MIO_AGENDA_FIRSTELEMENT"/>
-</p:tagLst>
-</file>
-
-<file path=ppt/tags/tag24.xml><?xml version="1.0" encoding="utf-8"?>
-<p:tagLst xmlns:a="http://schemas.openxmlformats.org/drawingml/2006/main" xmlns:r="http://schemas.openxmlformats.org/officeDocument/2006/relationships" xmlns:p="http://schemas.openxmlformats.org/presentationml/2006/main">
-  <p:tag name="MIO_GUID" val="95DCBD3B-C156-4A29-95CB-86E9C4C16193"/>
-  <p:tag name="MIO_SHAPETYPES_AGENDA" val="MIO_AGENDA_FIRSTELEMENT_NUMBER"/>
-</p:tagLst>
-</file>
-
-<file path=ppt/tags/tag25.xml><?xml version="1.0" encoding="utf-8"?>
-<p:tagLst xmlns:a="http://schemas.openxmlformats.org/drawingml/2006/main" xmlns:r="http://schemas.openxmlformats.org/officeDocument/2006/relationships" xmlns:p="http://schemas.openxmlformats.org/presentationml/2006/main">
-  <p:tag name="MIO_GUID" val="3E68A340-5BD0-4700-AED2-997E3B6077F9"/>
-  <p:tag name="MIO_SHAPETYPES_AGENDA" val="MIO_AGENDA_FIRSTELEMENT"/>
-</p:tagLst>
-</file>
-
-<file path=ppt/tags/tag26.xml><?xml version="1.0" encoding="utf-8"?>
-<p:tagLst xmlns:a="http://schemas.openxmlformats.org/drawingml/2006/main" xmlns:r="http://schemas.openxmlformats.org/officeDocument/2006/relationships" xmlns:p="http://schemas.openxmlformats.org/presentationml/2006/main">
-  <p:tag name="MIO_GUID" val="95DCBD3B-C156-4A29-95CB-86E9C4C16193"/>
-  <p:tag name="MIO_SHAPETYPES_AGENDA" val="MIO_AGENDA_FIRSTELEMENT_NUMBER"/>
-</p:tagLst>
-</file>
-
-<file path=ppt/tags/tag27.xml><?xml version="1.0" encoding="utf-8"?>
-<p:tagLst xmlns:a="http://schemas.openxmlformats.org/drawingml/2006/main" xmlns:r="http://schemas.openxmlformats.org/officeDocument/2006/relationships" xmlns:p="http://schemas.openxmlformats.org/presentationml/2006/main">
-  <p:tag name="MIO_AGENDA_ELEMENTNAME" val="Test 3"/>
-  <p:tag name="MIO_AGENDA_SUBITEMS" val="Test 2"/>
-  <p:tag name="MIO_EK" val="421"/>
-  <p:tag name="MIO_VERSION" val="31.12.9999 23:59:59"/>
-  <p:tag name="MIO_DBID" val="ED9FF2F2-6643-46BA-B685-7D49126FFAFF"/>
-  <p:tag name="MIO_UPDATE" val="False"/>
 </p:tagLst>
 </file>
 
@@ -17480,49 +18555,22 @@
 
 <file path=ppt/tags/tag30.xml><?xml version="1.0" encoding="utf-8"?>
 <p:tagLst xmlns:a="http://schemas.openxmlformats.org/drawingml/2006/main" xmlns:r="http://schemas.openxmlformats.org/officeDocument/2006/relationships" xmlns:p="http://schemas.openxmlformats.org/presentationml/2006/main">
-  <p:tag name="MIO_GUID" val="E32EBB43-527E-40DC-97E7-B91396CDD97C"/>
-  <p:tag name="MIO_SHAPETYPES_AGENDA" val="MIO_AGENDA_HIGHLIGHT"/>
-</p:tagLst>
-</file>
-
-<file path=ppt/tags/tag31.xml><?xml version="1.0" encoding="utf-8"?>
-<p:tagLst xmlns:a="http://schemas.openxmlformats.org/drawingml/2006/main" xmlns:r="http://schemas.openxmlformats.org/officeDocument/2006/relationships" xmlns:p="http://schemas.openxmlformats.org/presentationml/2006/main">
-  <p:tag name="MIO_GUID" val="4AFE2199-7899-4A9C-9D26-E2D79AC29632"/>
-  <p:tag name="MIO_SHAPETYPES_AGENDA" val="MIO_AGENDA_HIGHLIGHT_NUMBER"/>
-</p:tagLst>
-</file>
-
-<file path=ppt/tags/tag32.xml><?xml version="1.0" encoding="utf-8"?>
-<p:tagLst xmlns:a="http://schemas.openxmlformats.org/drawingml/2006/main" xmlns:r="http://schemas.openxmlformats.org/officeDocument/2006/relationships" xmlns:p="http://schemas.openxmlformats.org/presentationml/2006/main">
-  <p:tag name="MIO_GUID" val="430E62AA-24FE-484C-A1C3-DC272F7A31F7"/>
-  <p:tag name="MIO_SHAPETYPES_AGENDA" val="MIO_AGENDA_SUBELEMENT"/>
-</p:tagLst>
-</file>
-
-<file path=ppt/tags/tag33.xml><?xml version="1.0" encoding="utf-8"?>
-<p:tagLst xmlns:a="http://schemas.openxmlformats.org/drawingml/2006/main" xmlns:r="http://schemas.openxmlformats.org/officeDocument/2006/relationships" xmlns:p="http://schemas.openxmlformats.org/presentationml/2006/main">
-  <p:tag name="MIO_SHAPETYPES_AGENDA" val="MIO_AGENDA_SUBELEMENT_NUMBER"/>
-  <p:tag name="MIO_GUID" val="297367CB-F030-4B13-9EB7-97563590A2A1"/>
-</p:tagLst>
-</file>
-
-<file path=ppt/tags/tag34.xml><?xml version="1.0" encoding="utf-8"?>
-<p:tagLst xmlns:a="http://schemas.openxmlformats.org/drawingml/2006/main" xmlns:r="http://schemas.openxmlformats.org/officeDocument/2006/relationships" xmlns:p="http://schemas.openxmlformats.org/presentationml/2006/main">
   <p:tag name="MIO_GUID" val="3E68A340-5BD0-4700-AED2-997E3B6077F9"/>
   <p:tag name="MIO_SHAPETYPES_AGENDA" val="MIO_AGENDA_FIRSTELEMENT"/>
 </p:tagLst>
 </file>
 
-<file path=ppt/tags/tag35.xml><?xml version="1.0" encoding="utf-8"?>
+<file path=ppt/tags/tag31.xml><?xml version="1.0" encoding="utf-8"?>
 <p:tagLst xmlns:a="http://schemas.openxmlformats.org/drawingml/2006/main" xmlns:r="http://schemas.openxmlformats.org/officeDocument/2006/relationships" xmlns:p="http://schemas.openxmlformats.org/presentationml/2006/main">
   <p:tag name="MIO_GUID" val="95DCBD3B-C156-4A29-95CB-86E9C4C16193"/>
   <p:tag name="MIO_SHAPETYPES_AGENDA" val="MIO_AGENDA_FIRSTELEMENT_NUMBER"/>
 </p:tagLst>
 </file>
 
-<file path=ppt/tags/tag36.xml><?xml version="1.0" encoding="utf-8"?>
+<file path=ppt/tags/tag32.xml><?xml version="1.0" encoding="utf-8"?>
 <p:tagLst xmlns:a="http://schemas.openxmlformats.org/drawingml/2006/main" xmlns:r="http://schemas.openxmlformats.org/officeDocument/2006/relationships" xmlns:p="http://schemas.openxmlformats.org/presentationml/2006/main">
-  <p:tag name="MIO_AGENDA_ELEMENTNAME" val="Test 1"/>
+  <p:tag name="MIO_AGENDA_ELEMENTNAME" val="Test 3"/>
+  <p:tag name="MIO_AGENDA_SUBITEMS" val="Test 2"/>
   <p:tag name="MIO_EK" val="421"/>
   <p:tag name="MIO_VERSION" val="31.12.9999 23:59:59"/>
   <p:tag name="MIO_DBID" val="ED9FF2F2-6643-46BA-B685-7D49126FFAFF"/>
@@ -17530,17 +18578,45 @@
 </p:tagLst>
 </file>
 
-<file path=ppt/tags/tag37.xml><?xml version="1.0" encoding="utf-8"?>
+<file path=ppt/tags/tag33.xml><?xml version="1.0" encoding="utf-8"?>
+<p:tagLst xmlns:a="http://schemas.openxmlformats.org/drawingml/2006/main" xmlns:r="http://schemas.openxmlformats.org/officeDocument/2006/relationships" xmlns:p="http://schemas.openxmlformats.org/presentationml/2006/main">
+  <p:tag name="MIO_GUID" val="3E68A340-5BD0-4700-AED2-997E3B6077F9"/>
+  <p:tag name="MIO_SHAPETYPES_AGENDA" val="MIO_AGENDA_FIRSTELEMENT"/>
+</p:tagLst>
+</file>
+
+<file path=ppt/tags/tag34.xml><?xml version="1.0" encoding="utf-8"?>
+<p:tagLst xmlns:a="http://schemas.openxmlformats.org/drawingml/2006/main" xmlns:r="http://schemas.openxmlformats.org/officeDocument/2006/relationships" xmlns:p="http://schemas.openxmlformats.org/presentationml/2006/main">
+  <p:tag name="MIO_GUID" val="95DCBD3B-C156-4A29-95CB-86E9C4C16193"/>
+  <p:tag name="MIO_SHAPETYPES_AGENDA" val="MIO_AGENDA_FIRSTELEMENT_NUMBER"/>
+</p:tagLst>
+</file>
+
+<file path=ppt/tags/tag35.xml><?xml version="1.0" encoding="utf-8"?>
 <p:tagLst xmlns:a="http://schemas.openxmlformats.org/drawingml/2006/main" xmlns:r="http://schemas.openxmlformats.org/officeDocument/2006/relationships" xmlns:p="http://schemas.openxmlformats.org/presentationml/2006/main">
   <p:tag name="MIO_GUID" val="E32EBB43-527E-40DC-97E7-B91396CDD97C"/>
   <p:tag name="MIO_SHAPETYPES_AGENDA" val="MIO_AGENDA_HIGHLIGHT"/>
 </p:tagLst>
 </file>
 
-<file path=ppt/tags/tag38.xml><?xml version="1.0" encoding="utf-8"?>
+<file path=ppt/tags/tag36.xml><?xml version="1.0" encoding="utf-8"?>
 <p:tagLst xmlns:a="http://schemas.openxmlformats.org/drawingml/2006/main" xmlns:r="http://schemas.openxmlformats.org/officeDocument/2006/relationships" xmlns:p="http://schemas.openxmlformats.org/presentationml/2006/main">
   <p:tag name="MIO_GUID" val="4AFE2199-7899-4A9C-9D26-E2D79AC29632"/>
   <p:tag name="MIO_SHAPETYPES_AGENDA" val="MIO_AGENDA_HIGHLIGHT_NUMBER"/>
+</p:tagLst>
+</file>
+
+<file path=ppt/tags/tag37.xml><?xml version="1.0" encoding="utf-8"?>
+<p:tagLst xmlns:a="http://schemas.openxmlformats.org/drawingml/2006/main" xmlns:r="http://schemas.openxmlformats.org/officeDocument/2006/relationships" xmlns:p="http://schemas.openxmlformats.org/presentationml/2006/main">
+  <p:tag name="MIO_GUID" val="430E62AA-24FE-484C-A1C3-DC272F7A31F7"/>
+  <p:tag name="MIO_SHAPETYPES_AGENDA" val="MIO_AGENDA_SUBELEMENT"/>
+</p:tagLst>
+</file>
+
+<file path=ppt/tags/tag38.xml><?xml version="1.0" encoding="utf-8"?>
+<p:tagLst xmlns:a="http://schemas.openxmlformats.org/drawingml/2006/main" xmlns:r="http://schemas.openxmlformats.org/officeDocument/2006/relationships" xmlns:p="http://schemas.openxmlformats.org/presentationml/2006/main">
+  <p:tag name="MIO_SHAPETYPES_AGENDA" val="MIO_AGENDA_SUBELEMENT_NUMBER"/>
+  <p:tag name="MIO_GUID" val="297367CB-F030-4B13-9EB7-97563590A2A1"/>
 </p:tagLst>
 </file>
 
@@ -17571,12 +18647,50 @@
 
 <file path=ppt/tags/tag41.xml><?xml version="1.0" encoding="utf-8"?>
 <p:tagLst xmlns:a="http://schemas.openxmlformats.org/drawingml/2006/main" xmlns:r="http://schemas.openxmlformats.org/officeDocument/2006/relationships" xmlns:p="http://schemas.openxmlformats.org/presentationml/2006/main">
+  <p:tag name="MIO_AGENDA_ELEMENTNAME" val="Test 1"/>
+  <p:tag name="MIO_EK" val="421"/>
+  <p:tag name="MIO_VERSION" val="31.12.9999 23:59:59"/>
+  <p:tag name="MIO_DBID" val="ED9FF2F2-6643-46BA-B685-7D49126FFAFF"/>
+  <p:tag name="MIO_UPDATE" val="False"/>
+</p:tagLst>
+</file>
+
+<file path=ppt/tags/tag42.xml><?xml version="1.0" encoding="utf-8"?>
+<p:tagLst xmlns:a="http://schemas.openxmlformats.org/drawingml/2006/main" xmlns:r="http://schemas.openxmlformats.org/officeDocument/2006/relationships" xmlns:p="http://schemas.openxmlformats.org/presentationml/2006/main">
+  <p:tag name="MIO_GUID" val="E32EBB43-527E-40DC-97E7-B91396CDD97C"/>
+  <p:tag name="MIO_SHAPETYPES_AGENDA" val="MIO_AGENDA_HIGHLIGHT"/>
+</p:tagLst>
+</file>
+
+<file path=ppt/tags/tag43.xml><?xml version="1.0" encoding="utf-8"?>
+<p:tagLst xmlns:a="http://schemas.openxmlformats.org/drawingml/2006/main" xmlns:r="http://schemas.openxmlformats.org/officeDocument/2006/relationships" xmlns:p="http://schemas.openxmlformats.org/presentationml/2006/main">
+  <p:tag name="MIO_GUID" val="4AFE2199-7899-4A9C-9D26-E2D79AC29632"/>
+  <p:tag name="MIO_SHAPETYPES_AGENDA" val="MIO_AGENDA_HIGHLIGHT_NUMBER"/>
+</p:tagLst>
+</file>
+
+<file path=ppt/tags/tag44.xml><?xml version="1.0" encoding="utf-8"?>
+<p:tagLst xmlns:a="http://schemas.openxmlformats.org/drawingml/2006/main" xmlns:r="http://schemas.openxmlformats.org/officeDocument/2006/relationships" xmlns:p="http://schemas.openxmlformats.org/presentationml/2006/main">
   <p:tag name="MIO_GUID" val="3E68A340-5BD0-4700-AED2-997E3B6077F9"/>
   <p:tag name="MIO_SHAPETYPES_AGENDA" val="MIO_AGENDA_FIRSTELEMENT"/>
 </p:tagLst>
 </file>
 
-<file path=ppt/tags/tag42.xml><?xml version="1.0" encoding="utf-8"?>
+<file path=ppt/tags/tag45.xml><?xml version="1.0" encoding="utf-8"?>
+<p:tagLst xmlns:a="http://schemas.openxmlformats.org/drawingml/2006/main" xmlns:r="http://schemas.openxmlformats.org/officeDocument/2006/relationships" xmlns:p="http://schemas.openxmlformats.org/presentationml/2006/main">
+  <p:tag name="MIO_GUID" val="95DCBD3B-C156-4A29-95CB-86E9C4C16193"/>
+  <p:tag name="MIO_SHAPETYPES_AGENDA" val="MIO_AGENDA_FIRSTELEMENT_NUMBER"/>
+</p:tagLst>
+</file>
+
+<file path=ppt/tags/tag46.xml><?xml version="1.0" encoding="utf-8"?>
+<p:tagLst xmlns:a="http://schemas.openxmlformats.org/drawingml/2006/main" xmlns:r="http://schemas.openxmlformats.org/officeDocument/2006/relationships" xmlns:p="http://schemas.openxmlformats.org/presentationml/2006/main">
+  <p:tag name="MIO_GUID" val="3E68A340-5BD0-4700-AED2-997E3B6077F9"/>
+  <p:tag name="MIO_SHAPETYPES_AGENDA" val="MIO_AGENDA_FIRSTELEMENT"/>
+</p:tagLst>
+</file>
+
+<file path=ppt/tags/tag47.xml><?xml version="1.0" encoding="utf-8"?>
 <p:tagLst xmlns:a="http://schemas.openxmlformats.org/drawingml/2006/main" xmlns:r="http://schemas.openxmlformats.org/officeDocument/2006/relationships" xmlns:p="http://schemas.openxmlformats.org/presentationml/2006/main">
   <p:tag name="MIO_GUID" val="95DCBD3B-C156-4A29-95CB-86E9C4C16193"/>
   <p:tag name="MIO_SHAPETYPES_AGENDA" val="MIO_AGENDA_FIRSTELEMENT_NUMBER"/>

--- a/02_Apresentações_Documentação/Projeto_Inicial.pptx
+++ b/02_Apresentações_Documentação/Projeto_Inicial.pptx
@@ -217,7 +217,7 @@
             <a:fld id="{9AD0BAD0-1087-43A9-B1A9-7A9D8A84A638}" type="datetimeFigureOut">
               <a:rPr lang="de-DE" smtClean="0"/>
               <a:pPr/>
-              <a:t>27.08.2014</a:t>
+              <a:t>30.08.2014</a:t>
             </a:fld>
             <a:endParaRPr lang="de-DE"/>
           </a:p>
@@ -384,7 +384,7 @@
             <a:fld id="{F8C568D1-65C2-4CDE-9B8E-4F04E333B056}" type="datetimeFigureOut">
               <a:rPr lang="en-US" smtClean="0"/>
               <a:pPr/>
-              <a:t>8/27/2014</a:t>
+              <a:t>8/30/2014</a:t>
             </a:fld>
             <a:endParaRPr lang="en-US"/>
           </a:p>
@@ -11044,52 +11044,6 @@
       </p:sp>
       <p:sp>
         <p:nvSpPr>
-          <p:cNvPr id="9" name="Textplatzhalter 8"/>
-          <p:cNvSpPr>
-            <a:spLocks noGrp="1"/>
-          </p:cNvSpPr>
-          <p:nvPr>
-            <p:ph type="body" sz="quarter" idx="10"/>
-          </p:nvPr>
-        </p:nvSpPr>
-        <p:spPr/>
-        <p:txBody>
-          <a:bodyPr/>
-          <a:lstStyle/>
-          <a:p>
-            <a:r>
-              <a:rPr lang="en-US" noProof="0" smtClean="0"/>
-              <a:t>www.continental-corporation.com</a:t>
-            </a:r>
-            <a:endParaRPr lang="en-US" noProof="0"/>
-          </a:p>
-        </p:txBody>
-      </p:sp>
-      <p:sp>
-        <p:nvSpPr>
-          <p:cNvPr id="10" name="Textplatzhalter 9"/>
-          <p:cNvSpPr>
-            <a:spLocks noGrp="1"/>
-          </p:cNvSpPr>
-          <p:nvPr>
-            <p:ph type="body" sz="quarter" idx="11"/>
-          </p:nvPr>
-        </p:nvSpPr>
-        <p:spPr/>
-        <p:txBody>
-          <a:bodyPr/>
-          <a:lstStyle/>
-          <a:p>
-            <a:r>
-              <a:rPr lang="en-US" noProof="0" smtClean="0"/>
-              <a:t>Division Naming</a:t>
-            </a:r>
-            <a:endParaRPr lang="en-US" noProof="0"/>
-          </a:p>
-        </p:txBody>
-      </p:sp>
-      <p:sp>
-        <p:nvSpPr>
           <p:cNvPr id="8" name="Textplatzhalter 7"/>
           <p:cNvSpPr>
             <a:spLocks noGrp="1"/>
@@ -11115,6 +11069,29 @@
           <a:lstStyle/>
           <a:p>
             <a:endParaRPr lang="de-DE" dirty="0"/>
+          </a:p>
+        </p:txBody>
+      </p:sp>
+      <p:sp>
+        <p:nvSpPr>
+          <p:cNvPr id="4" name="Espaço Reservado para Texto 3"/>
+          <p:cNvSpPr>
+            <a:spLocks noGrp="1"/>
+          </p:cNvSpPr>
+          <p:nvPr>
+            <p:ph type="body" sz="quarter" idx="10"/>
+          </p:nvPr>
+        </p:nvSpPr>
+        <p:spPr/>
+        <p:txBody>
+          <a:bodyPr/>
+          <a:lstStyle/>
+          <a:p>
+            <a:r>
+              <a:rPr lang="pt-BR" dirty="0" smtClean="0"/>
+              <a:t>Centro Universitário da FEI</a:t>
+            </a:r>
+            <a:endParaRPr lang="pt-BR" dirty="0"/>
           </a:p>
         </p:txBody>
       </p:sp>
@@ -11227,7 +11204,7 @@
             <a:fld id="{2B2B0548-AFAD-4ECF-8F1C-59D119517961}" type="datetime3">
               <a:rPr lang="en-US" smtClean="0"/>
               <a:pPr/>
-              <a:t>27 August 2014</a:t>
+              <a:t>30 August 2014</a:t>
             </a:fld>
             <a:endParaRPr lang="en-US"/>
           </a:p>
@@ -11391,7 +11368,7 @@
             <a:fld id="{091A6FF4-B217-4F24-BE19-92AADE2417CA}" type="datetime3">
               <a:rPr lang="en-US" smtClean="0"/>
               <a:pPr/>
-              <a:t>27 August 2014</a:t>
+              <a:t>30 August 2014</a:t>
             </a:fld>
             <a:endParaRPr lang="en-US"/>
           </a:p>
@@ -12006,7 +11983,7 @@
             <a:fld id="{DEEB114E-D360-40B9-8089-62278DF3F109}" type="datetime3">
               <a:rPr lang="en-US" smtClean="0"/>
               <a:pPr/>
-              <a:t>27 August 2014</a:t>
+              <a:t>30 August 2014</a:t>
             </a:fld>
             <a:endParaRPr lang="en-US"/>
           </a:p>
@@ -12733,7 +12710,7 @@
             <a:fld id="{B82B24CA-CE37-477F-AF43-107A4FF6330F}" type="datetime3">
               <a:rPr lang="en-US" smtClean="0"/>
               <a:pPr/>
-              <a:t>27 August 2014</a:t>
+              <a:t>30 August 2014</a:t>
             </a:fld>
             <a:endParaRPr lang="en-US"/>
           </a:p>
@@ -13390,7 +13367,7 @@
             <a:fld id="{6F9A7525-F98F-4791-8304-F61ECDD9E2E5}" type="datetime3">
               <a:rPr lang="en-US" noProof="0" smtClean="0"/>
               <a:pPr/>
-              <a:t>27 August 2014</a:t>
+              <a:t>30 August 2014</a:t>
             </a:fld>
             <a:endParaRPr lang="en-US" noProof="0"/>
           </a:p>
@@ -13615,7 +13592,7 @@
             <a:fld id="{7F9C1E94-159A-4641-9F0D-50D37F25F1C9}" type="datetime3">
               <a:rPr lang="en-US" noProof="0" smtClean="0"/>
               <a:pPr/>
-              <a:t>27 August 2014</a:t>
+              <a:t>30 August 2014</a:t>
             </a:fld>
             <a:endParaRPr lang="en-US" noProof="0"/>
           </a:p>
@@ -13844,7 +13821,7 @@
             <a:fld id="{0A589DDA-7BD9-4A72-AD2D-371161E9BBC9}" type="datetime3">
               <a:rPr lang="en-US" noProof="0" smtClean="0"/>
               <a:pPr/>
-              <a:t>27 August 2014</a:t>
+              <a:t>30 August 2014</a:t>
             </a:fld>
             <a:endParaRPr lang="en-US" noProof="0"/>
           </a:p>
@@ -14071,7 +14048,7 @@
             <a:fld id="{0ED8CB57-B10A-45FD-A2C8-673592ABBDFB}" type="datetime3">
               <a:rPr lang="en-US" noProof="0" smtClean="0"/>
               <a:pPr/>
-              <a:t>27 August 2014</a:t>
+              <a:t>30 August 2014</a:t>
             </a:fld>
             <a:endParaRPr lang="en-US" noProof="0"/>
           </a:p>
@@ -14379,7 +14356,7 @@
             <a:fld id="{059CA66F-68AE-48F5-94F0-45BED671E83A}" type="datetime3">
               <a:rPr lang="en-US" noProof="0" smtClean="0"/>
               <a:pPr/>
-              <a:t>27 August 2014</a:t>
+              <a:t>30 August 2014</a:t>
             </a:fld>
             <a:endParaRPr lang="en-US" noProof="0"/>
           </a:p>
@@ -14667,7 +14644,7 @@
             <a:fld id="{DEEB114E-D360-40B9-8089-62278DF3F109}" type="datetime3">
               <a:rPr lang="en-US" smtClean="0"/>
               <a:pPr/>
-              <a:t>27 August 2014</a:t>
+              <a:t>30 August 2014</a:t>
             </a:fld>
             <a:endParaRPr lang="en-US"/>
           </a:p>
@@ -15284,14 +15261,6 @@
               </a:rPr>
               <a:t>Hardware</a:t>
             </a:r>
-            <a:endParaRPr lang="en-US" sz="1400" dirty="0" smtClean="0">
-              <a:solidFill>
-                <a:schemeClr val="bg2">
-                  <a:lumMod val="10000"/>
-                </a:schemeClr>
-              </a:solidFill>
-              <a:latin typeface="Arial"/>
-            </a:endParaRPr>
           </a:p>
         </p:txBody>
       </p:sp>
@@ -15392,14 +15361,6 @@
               </a:rPr>
               <a:t>Software</a:t>
             </a:r>
-            <a:endParaRPr lang="en-US" sz="1400" dirty="0" smtClean="0">
-              <a:solidFill>
-                <a:schemeClr val="bg2">
-                  <a:lumMod val="10000"/>
-                </a:schemeClr>
-              </a:solidFill>
-              <a:latin typeface="Arial"/>
-            </a:endParaRPr>
           </a:p>
         </p:txBody>
       </p:sp>
@@ -15586,7 +15547,7 @@
             <a:fld id="{7F9C1E94-159A-4641-9F0D-50D37F25F1C9}" type="datetime3">
               <a:rPr lang="en-US" noProof="0" smtClean="0"/>
               <a:pPr/>
-              <a:t>27 August 2014</a:t>
+              <a:t>30 August 2014</a:t>
             </a:fld>
             <a:endParaRPr lang="en-US" noProof="0"/>
           </a:p>
@@ -15916,12 +15877,13 @@
             </a:r>
             <a:r>
               <a:rPr lang="en-US" sz="1800" dirty="0" err="1" smtClean="0"/>
-              <a:t>Robótico</a:t>
+              <a:t>Robóticos</a:t>
             </a:r>
             <a:r>
               <a:rPr lang="en-US" sz="1800" dirty="0" smtClean="0"/>
               <a:t>;</a:t>
             </a:r>
+            <a:endParaRPr lang="en-US" sz="1800" dirty="0" smtClean="0"/>
           </a:p>
           <a:p>
             <a:pPr marL="285750" indent="-285750">
@@ -16211,7 +16173,7 @@
             <a:fld id="{7F9C1E94-159A-4641-9F0D-50D37F25F1C9}" type="datetime3">
               <a:rPr lang="en-US" noProof="0" smtClean="0"/>
               <a:pPr/>
-              <a:t>27 August 2014</a:t>
+              <a:t>30 August 2014</a:t>
             </a:fld>
             <a:endParaRPr lang="en-US" noProof="0"/>
           </a:p>
@@ -16525,11 +16487,7 @@
             </a:r>
             <a:r>
               <a:rPr lang="en-US" sz="1800" dirty="0" err="1" smtClean="0"/>
-              <a:t>utilizad</a:t>
-            </a:r>
-            <a:r>
-              <a:rPr lang="en-US" sz="1800" dirty="0" err="1" smtClean="0"/>
-              <a:t>o</a:t>
+              <a:t>utilizado</a:t>
             </a:r>
             <a:r>
               <a:rPr lang="en-US" sz="1800" dirty="0" smtClean="0"/>
@@ -16538,155 +16496,6 @@
             <a:r>
               <a:rPr lang="en-US" sz="1800" dirty="0" err="1" smtClean="0"/>
               <a:t>robótica</a:t>
-            </a:r>
-            <a:r>
-              <a:rPr lang="en-US" sz="1800" dirty="0" smtClean="0"/>
-              <a:t>;</a:t>
-            </a:r>
-            <a:endParaRPr lang="en-US" sz="1800" dirty="0" smtClean="0"/>
-          </a:p>
-          <a:p>
-            <a:pPr marL="285750" indent="-285750">
-              <a:buFont typeface="Arial" pitchFamily="34" charset="0"/>
-              <a:buChar char="•"/>
-            </a:pPr>
-            <a:r>
-              <a:rPr lang="en-US" sz="1800" dirty="0" smtClean="0"/>
-              <a:t>Ambos </a:t>
-            </a:r>
-            <a:r>
-              <a:rPr lang="en-US" sz="1800" dirty="0" err="1" smtClean="0"/>
-              <a:t>os</a:t>
-            </a:r>
-            <a:r>
-              <a:rPr lang="en-US" sz="1800" dirty="0" smtClean="0"/>
-              <a:t> </a:t>
-            </a:r>
-            <a:r>
-              <a:rPr lang="en-US" sz="1800" dirty="0" err="1" smtClean="0"/>
-              <a:t>braços</a:t>
-            </a:r>
-            <a:r>
-              <a:rPr lang="en-US" sz="1800" dirty="0" smtClean="0"/>
-              <a:t> </a:t>
-            </a:r>
-            <a:r>
-              <a:rPr lang="en-US" sz="1800" dirty="0" err="1" smtClean="0"/>
-              <a:t>possuirão</a:t>
-            </a:r>
-            <a:r>
-              <a:rPr lang="en-US" sz="1800" dirty="0" smtClean="0"/>
-              <a:t> </a:t>
-            </a:r>
-            <a:r>
-              <a:rPr lang="en-US" sz="1800" dirty="0" err="1" smtClean="0"/>
-              <a:t>mesmo</a:t>
-            </a:r>
-            <a:r>
-              <a:rPr lang="en-US" sz="1800" dirty="0" smtClean="0"/>
-              <a:t> </a:t>
-            </a:r>
-            <a:r>
-              <a:rPr lang="en-US" sz="1800" dirty="0" err="1" smtClean="0"/>
-              <a:t>formato</a:t>
-            </a:r>
-            <a:r>
-              <a:rPr lang="en-US" sz="1800" dirty="0" smtClean="0"/>
-              <a:t> do </a:t>
-            </a:r>
-            <a:r>
-              <a:rPr lang="en-US" sz="1800" dirty="0" err="1" smtClean="0"/>
-              <a:t>corpo</a:t>
-            </a:r>
-            <a:r>
-              <a:rPr lang="en-US" sz="1800" dirty="0" smtClean="0"/>
-              <a:t>, com 6 </a:t>
-            </a:r>
-            <a:r>
-              <a:rPr lang="en-US" sz="1800" dirty="0" err="1" smtClean="0"/>
-              <a:t>graus</a:t>
-            </a:r>
-            <a:r>
-              <a:rPr lang="en-US" sz="1800" dirty="0" smtClean="0"/>
-              <a:t> de </a:t>
-            </a:r>
-            <a:r>
-              <a:rPr lang="en-US" sz="1800" dirty="0" err="1" smtClean="0"/>
-              <a:t>liberdade</a:t>
-            </a:r>
-            <a:r>
-              <a:rPr lang="en-US" sz="1800" dirty="0" smtClean="0"/>
-              <a:t>;</a:t>
-            </a:r>
-          </a:p>
-          <a:p>
-            <a:pPr marL="285750" indent="-285750">
-              <a:buFont typeface="Arial" pitchFamily="34" charset="0"/>
-              <a:buChar char="•"/>
-            </a:pPr>
-            <a:r>
-              <a:rPr lang="en-US" sz="1800" dirty="0" smtClean="0"/>
-              <a:t>Um dos </a:t>
-            </a:r>
-            <a:r>
-              <a:rPr lang="en-US" sz="1800" dirty="0" err="1" smtClean="0"/>
-              <a:t>braços</a:t>
-            </a:r>
-            <a:r>
-              <a:rPr lang="en-US" sz="1800" dirty="0" smtClean="0"/>
-              <a:t> </a:t>
-            </a:r>
-            <a:r>
-              <a:rPr lang="en-US" sz="1800" dirty="0" err="1" smtClean="0"/>
-              <a:t>possui</a:t>
-            </a:r>
-            <a:r>
-              <a:rPr lang="en-US" sz="1800" dirty="0" smtClean="0"/>
-              <a:t> </a:t>
-            </a:r>
-            <a:r>
-              <a:rPr lang="en-US" sz="1800" dirty="0" err="1" smtClean="0"/>
-              <a:t>uma</a:t>
-            </a:r>
-            <a:r>
-              <a:rPr lang="en-US" sz="1800" dirty="0" smtClean="0"/>
-              <a:t> </a:t>
-            </a:r>
-            <a:r>
-              <a:rPr lang="en-US" sz="1800" dirty="0" err="1" smtClean="0"/>
-              <a:t>Garra</a:t>
-            </a:r>
-            <a:r>
-              <a:rPr lang="en-US" sz="1800" dirty="0" smtClean="0"/>
-              <a:t>, o outro um Joystick, </a:t>
-            </a:r>
-            <a:r>
-              <a:rPr lang="en-US" sz="1800" dirty="0" err="1" smtClean="0"/>
-              <a:t>acoplados</a:t>
-            </a:r>
-            <a:r>
-              <a:rPr lang="en-US" sz="1800" dirty="0" smtClean="0"/>
-              <a:t> </a:t>
-            </a:r>
-            <a:r>
-              <a:rPr lang="en-US" sz="1800" dirty="0" err="1" smtClean="0"/>
-              <a:t>nas</a:t>
-            </a:r>
-            <a:r>
-              <a:rPr lang="en-US" sz="1800" dirty="0" smtClean="0"/>
-              <a:t> </a:t>
-            </a:r>
-            <a:r>
-              <a:rPr lang="en-US" sz="1800" dirty="0" err="1" smtClean="0"/>
-              <a:t>extremidades</a:t>
-            </a:r>
-            <a:r>
-              <a:rPr lang="en-US" sz="1800" dirty="0" smtClean="0"/>
-              <a:t> dos </a:t>
-            </a:r>
-            <a:r>
-              <a:rPr lang="en-US" sz="1800" dirty="0" err="1" smtClean="0"/>
-              <a:t>braços</a:t>
             </a:r>
             <a:r>
               <a:rPr lang="en-US" sz="1800" dirty="0" smtClean="0"/>
@@ -16849,7 +16658,7 @@
             <a:fld id="{7F9C1E94-159A-4641-9F0D-50D37F25F1C9}" type="datetime3">
               <a:rPr lang="en-US" noProof="0" smtClean="0"/>
               <a:pPr/>
-              <a:t>27 August 2014</a:t>
+              <a:t>30 August 2014</a:t>
             </a:fld>
             <a:endParaRPr lang="en-US" noProof="0"/>
           </a:p>
@@ -16935,7 +16744,7 @@
         </p:blipFill>
         <p:spPr bwMode="auto">
           <a:xfrm>
-            <a:off x="6192192" y="2060848"/>
+            <a:off x="6192192" y="1247361"/>
             <a:ext cx="1016297" cy="1460279"/>
           </a:xfrm>
           <a:prstGeom prst="rect">
@@ -16976,7 +16785,7 @@
         </p:blipFill>
         <p:spPr bwMode="auto">
           <a:xfrm>
-            <a:off x="5876355" y="1461364"/>
+            <a:off x="5876355" y="647877"/>
             <a:ext cx="1647973" cy="353137"/>
           </a:xfrm>
           <a:prstGeom prst="rect">
@@ -17017,7 +16826,7 @@
         </p:blipFill>
         <p:spPr bwMode="auto">
           <a:xfrm>
-            <a:off x="6044593" y="3781842"/>
+            <a:off x="6044593" y="2968355"/>
             <a:ext cx="1311493" cy="1259033"/>
           </a:xfrm>
           <a:prstGeom prst="rect">
@@ -17276,6 +17085,47 @@
           </a:p>
         </p:txBody>
       </p:sp>
+      <p:pic>
+        <p:nvPicPr>
+          <p:cNvPr id="1026" name="Picture 2" descr="Z:\Users\Raphael\Desktop\TCC_git\02_Apresentações_Documentação\Imagens\physics_tools_matlab.jpg"/>
+          <p:cNvPicPr>
+            <a:picLocks noChangeAspect="1" noChangeArrowheads="1"/>
+          </p:cNvPicPr>
+          <p:nvPr/>
+        </p:nvPicPr>
+        <p:blipFill>
+          <a:blip r:embed="rId5">
+            <a:extLst>
+              <a:ext uri="{28A0092B-C50C-407E-A947-70E740481C1C}">
+                <a14:useLocalDpi xmlns:a14="http://schemas.microsoft.com/office/drawing/2010/main" val="0"/>
+              </a:ext>
+            </a:extLst>
+          </a:blip>
+          <a:srcRect/>
+          <a:stretch>
+            <a:fillRect/>
+          </a:stretch>
+        </p:blipFill>
+        <p:spPr bwMode="auto">
+          <a:xfrm>
+            <a:off x="6021199" y="4330710"/>
+            <a:ext cx="1159990" cy="1465454"/>
+          </a:xfrm>
+          <a:prstGeom prst="rect">
+            <a:avLst/>
+          </a:prstGeom>
+          <a:noFill/>
+          <a:extLst>
+            <a:ext uri="{909E8E84-426E-40DD-AFC4-6F175D3DCCD1}">
+              <a14:hiddenFill xmlns:a14="http://schemas.microsoft.com/office/drawing/2010/main">
+                <a:solidFill>
+                  <a:srgbClr val="FFFFFF"/>
+                </a:solidFill>
+              </a14:hiddenFill>
+            </a:ext>
+          </a:extLst>
+        </p:spPr>
+      </p:pic>
     </p:spTree>
     <p:extLst>
       <p:ext uri="{BB962C8B-B14F-4D97-AF65-F5344CB8AC3E}">
@@ -17332,8 +17182,24 @@
           <a:lstStyle/>
           <a:p>
             <a:r>
+              <a:rPr lang="en-US" dirty="0" err="1"/>
+              <a:t>p</a:t>
+            </a:r>
+            <a:r>
+              <a:rPr lang="en-US" noProof="0" dirty="0" err="1" smtClean="0"/>
+              <a:t>ela</a:t>
+            </a:r>
+            <a:r>
               <a:rPr lang="en-US" noProof="0" dirty="0" smtClean="0"/>
-              <a:t>for your attention!</a:t>
+              <a:t> </a:t>
+            </a:r>
+            <a:r>
+              <a:rPr lang="en-US" noProof="0" dirty="0" err="1" smtClean="0"/>
+              <a:t>atenção</a:t>
+            </a:r>
+            <a:r>
+              <a:rPr lang="en-US" noProof="0" dirty="0" smtClean="0"/>
+              <a:t>!</a:t>
             </a:r>
             <a:endParaRPr lang="en-US" noProof="0" dirty="0"/>
           </a:p>
@@ -17355,10 +17221,10 @@
           <a:lstStyle/>
           <a:p>
             <a:r>
-              <a:rPr lang="en-US" noProof="0" smtClean="0"/>
-              <a:t>Thank you</a:t>
-            </a:r>
-            <a:endParaRPr lang="en-US" noProof="0"/>
+              <a:rPr lang="en-US" noProof="0" dirty="0" smtClean="0"/>
+              <a:t>Obrigado</a:t>
+            </a:r>
+            <a:endParaRPr lang="en-US" noProof="0" dirty="0"/>
           </a:p>
         </p:txBody>
       </p:sp>
@@ -17385,7 +17251,7 @@
             <a:fld id="{D6E3E337-305E-4483-824B-4A86B40D6007}" type="datetime3">
               <a:rPr lang="en-US" smtClean="0"/>
               <a:pPr/>
-              <a:t>27 August 2014</a:t>
+              <a:t>30 August 2014</a:t>
             </a:fld>
             <a:endParaRPr lang="en-US"/>
           </a:p>
@@ -17974,7 +17840,7 @@
             <a:fld id="{7F9C1E94-159A-4641-9F0D-50D37F25F1C9}" type="datetime3">
               <a:rPr lang="en-US" noProof="0" smtClean="0"/>
               <a:pPr/>
-              <a:t>27 August 2014</a:t>
+              <a:t>30 August 2014</a:t>
             </a:fld>
             <a:endParaRPr lang="en-US" noProof="0"/>
           </a:p>
@@ -18304,7 +18170,7 @@
             <a:fld id="{25812634-C235-4B2A-B081-E818F1CD5EB1}" type="datetime3">
               <a:rPr lang="en-US" smtClean="0"/>
               <a:pPr/>
-              <a:t>27 August 2014</a:t>
+              <a:t>30 August 2014</a:t>
             </a:fld>
             <a:endParaRPr lang="en-US"/>
           </a:p>
